--- a/presentations/10 - TDD vs BDD.pptx
+++ b/presentations/10 - TDD vs BDD.pptx
@@ -5,20 +5,21 @@
     <p:sldMasterId id="2147483668" r:id="rId4"/>
   </p:sldMasterIdLst>
   <p:notesMasterIdLst>
-    <p:notesMasterId r:id="rId13"/>
+    <p:notesMasterId r:id="rId14"/>
   </p:notesMasterIdLst>
   <p:handoutMasterIdLst>
-    <p:handoutMasterId r:id="rId14"/>
+    <p:handoutMasterId r:id="rId15"/>
   </p:handoutMasterIdLst>
   <p:sldIdLst>
     <p:sldId id="285" r:id="rId5"/>
     <p:sldId id="274" r:id="rId6"/>
     <p:sldId id="300" r:id="rId7"/>
-    <p:sldId id="287" r:id="rId8"/>
+    <p:sldId id="359" r:id="rId8"/>
     <p:sldId id="327" r:id="rId9"/>
-    <p:sldId id="321" r:id="rId10"/>
-    <p:sldId id="319" r:id="rId11"/>
-    <p:sldId id="283" r:id="rId12"/>
+    <p:sldId id="360" r:id="rId10"/>
+    <p:sldId id="321" r:id="rId11"/>
+    <p:sldId id="319" r:id="rId12"/>
+    <p:sldId id="283" r:id="rId13"/>
   </p:sldIdLst>
   <p:sldSz cx="12192000" cy="6858000"/>
   <p:notesSz cx="6858000" cy="9144000"/>
@@ -228,7 +229,7 @@
             <a:fld id="{9DEF996C-CA2C-436E-A903-7F2E7C68ADF8}" type="datetimeFigureOut">
               <a:rPr lang="en-US" smtClean="0"/>
               <a:pPr/>
-              <a:t>7/6/2020</a:t>
+              <a:t>7/17/2020</a:t>
             </a:fld>
             <a:endParaRPr lang="en-US"/>
           </a:p>
@@ -395,7 +396,7 @@
             <a:fld id="{56D6514A-F4CA-40F5-B508-6CC5FEA6DD64}" type="datetimeFigureOut">
               <a:rPr lang="en-US" smtClean="0"/>
               <a:pPr/>
-              <a:t>7/6/2020</a:t>
+              <a:t>7/17/2020</a:t>
             </a:fld>
             <a:endParaRPr lang="en-US"/>
           </a:p>
@@ -666,6 +667,129 @@
 </p:notesMaster>
 </file>
 
+<file path=ppt/notesSlides/notesSlide1.xml><?xml version="1.0" encoding="utf-8"?>
+<p:notes xmlns:a="http://schemas.openxmlformats.org/drawingml/2006/main" xmlns:r="http://schemas.openxmlformats.org/officeDocument/2006/relationships" xmlns:p="http://schemas.openxmlformats.org/presentationml/2006/main">
+  <p:cSld>
+    <p:spTree>
+      <p:nvGrpSpPr>
+        <p:cNvPr id="1" name=""/>
+        <p:cNvGrpSpPr/>
+        <p:nvPr/>
+      </p:nvGrpSpPr>
+      <p:grpSpPr>
+        <a:xfrm>
+          <a:off x="0" y="0"/>
+          <a:ext cx="0" cy="0"/>
+          <a:chOff x="0" y="0"/>
+          <a:chExt cx="0" cy="0"/>
+        </a:xfrm>
+      </p:grpSpPr>
+      <p:sp>
+        <p:nvSpPr>
+          <p:cNvPr id="2" name="Slide Image Placeholder 1"/>
+          <p:cNvSpPr>
+            <a:spLocks noGrp="1" noRot="1" noChangeAspect="1"/>
+          </p:cNvSpPr>
+          <p:nvPr>
+            <p:ph type="sldImg"/>
+          </p:nvPr>
+        </p:nvSpPr>
+        <p:spPr/>
+      </p:sp>
+      <p:sp>
+        <p:nvSpPr>
+          <p:cNvPr id="3" name="Notes Placeholder 2"/>
+          <p:cNvSpPr>
+            <a:spLocks noGrp="1"/>
+          </p:cNvSpPr>
+          <p:nvPr>
+            <p:ph type="body" idx="1"/>
+          </p:nvPr>
+        </p:nvSpPr>
+        <p:spPr/>
+        <p:txBody>
+          <a:bodyPr/>
+          <a:lstStyle/>
+          <a:p>
+            <a:r>
+              <a:rPr lang="pt-BR" dirty="0"/>
+              <a:t>Quem participa?</a:t>
+            </a:r>
+            <a:br>
+              <a:rPr lang="pt-BR" dirty="0"/>
+            </a:br>
+            <a:r>
+              <a:rPr lang="pt-BR" dirty="0"/>
+              <a:t>O que essa ferramenta estimula?</a:t>
+            </a:r>
+            <a:br>
+              <a:rPr lang="pt-BR" dirty="0"/>
+            </a:br>
+            <a:r>
+              <a:rPr lang="pt-BR" dirty="0"/>
+              <a:t>Qual é o foco?</a:t>
+            </a:r>
+          </a:p>
+          <a:p>
+            <a:r>
+              <a:rPr lang="pt-BR" dirty="0"/>
+              <a:t>Qual é a linguagem?</a:t>
+            </a:r>
+          </a:p>
+          <a:p>
+            <a:r>
+              <a:rPr lang="pt-BR" dirty="0"/>
+              <a:t>Pra que serve?</a:t>
+            </a:r>
+          </a:p>
+          <a:p>
+            <a:endParaRPr lang="pt-BR" dirty="0"/>
+          </a:p>
+          <a:p>
+            <a:r>
+              <a:rPr lang="pt-BR" dirty="0"/>
+              <a:t>E os dois juntos... O que proporciona?</a:t>
+            </a:r>
+          </a:p>
+        </p:txBody>
+      </p:sp>
+      <p:sp>
+        <p:nvSpPr>
+          <p:cNvPr id="4" name="Slide Number Placeholder 3"/>
+          <p:cNvSpPr>
+            <a:spLocks noGrp="1"/>
+          </p:cNvSpPr>
+          <p:nvPr>
+            <p:ph type="sldNum" sz="quarter" idx="5"/>
+          </p:nvPr>
+        </p:nvSpPr>
+        <p:spPr/>
+        <p:txBody>
+          <a:bodyPr/>
+          <a:lstStyle/>
+          <a:p>
+            <a:fld id="{CE2B8404-7DFF-4128-BBDB-E2DC0C77B126}" type="slidenum">
+              <a:rPr lang="en-US" smtClean="0"/>
+              <a:pPr/>
+              <a:t>4</a:t>
+            </a:fld>
+            <a:endParaRPr lang="en-US"/>
+          </a:p>
+        </p:txBody>
+      </p:sp>
+    </p:spTree>
+    <p:extLst>
+      <p:ext uri="{BB962C8B-B14F-4D97-AF65-F5344CB8AC3E}">
+        <p14:creationId xmlns:p14="http://schemas.microsoft.com/office/powerpoint/2010/main" val="3253068649"/>
+      </p:ext>
+    </p:extLst>
+  </p:cSld>
+  <p:clrMapOvr>
+    <a:masterClrMapping/>
+  </p:clrMapOvr>
+</p:notes>
+</file>
+
 <file path=ppt/slideLayouts/slideLayout1.xml><?xml version="1.0" encoding="utf-8"?>
 <p:sldLayout xmlns:a="http://schemas.openxmlformats.org/drawingml/2006/main" xmlns:r="http://schemas.openxmlformats.org/officeDocument/2006/relationships" xmlns:p="http://schemas.openxmlformats.org/presentationml/2006/main" type="title" preserve="1">
   <p:cSld name="Title Slide">
@@ -855,7 +979,7 @@
           <a:p>
             <a:fld id="{0A0255A0-EE2B-6E49-A611-C16850102233}" type="datetimeFigureOut">
               <a:rPr lang="en-US" smtClean="0"/>
-              <a:t>7/6/2020</a:t>
+              <a:t>7/17/2020</a:t>
             </a:fld>
             <a:endParaRPr lang="en-US"/>
           </a:p>
@@ -1049,7 +1173,7 @@
           <a:p>
             <a:fld id="{0A0255A0-EE2B-6E49-A611-C16850102233}" type="datetimeFigureOut">
               <a:rPr lang="en-US" smtClean="0"/>
-              <a:t>7/6/2020</a:t>
+              <a:t>7/17/2020</a:t>
             </a:fld>
             <a:endParaRPr lang="en-US"/>
           </a:p>
@@ -1253,7 +1377,7 @@
           <a:p>
             <a:fld id="{0A0255A0-EE2B-6E49-A611-C16850102233}" type="datetimeFigureOut">
               <a:rPr lang="en-US" smtClean="0"/>
-              <a:t>7/6/2020</a:t>
+              <a:t>7/17/2020</a:t>
             </a:fld>
             <a:endParaRPr lang="en-US"/>
           </a:p>
@@ -3259,7 +3383,7 @@
           <a:p>
             <a:fld id="{0A0255A0-EE2B-6E49-A611-C16850102233}" type="datetimeFigureOut">
               <a:rPr lang="en-US" smtClean="0"/>
-              <a:t>7/6/2020</a:t>
+              <a:t>7/17/2020</a:t>
             </a:fld>
             <a:endParaRPr lang="en-US"/>
           </a:p>
@@ -3529,7 +3653,7 @@
           <a:p>
             <a:fld id="{0A0255A0-EE2B-6E49-A611-C16850102233}" type="datetimeFigureOut">
               <a:rPr lang="en-US" smtClean="0"/>
-              <a:t>7/6/2020</a:t>
+              <a:t>7/17/2020</a:t>
             </a:fld>
             <a:endParaRPr lang="en-US"/>
           </a:p>
@@ -3841,7 +3965,7 @@
           <a:p>
             <a:fld id="{0A0255A0-EE2B-6E49-A611-C16850102233}" type="datetimeFigureOut">
               <a:rPr lang="en-US" smtClean="0"/>
-              <a:t>7/6/2020</a:t>
+              <a:t>7/17/2020</a:t>
             </a:fld>
             <a:endParaRPr lang="en-US"/>
           </a:p>
@@ -4287,7 +4411,7 @@
           <a:p>
             <a:fld id="{0A0255A0-EE2B-6E49-A611-C16850102233}" type="datetimeFigureOut">
               <a:rPr lang="en-US" smtClean="0"/>
-              <a:t>7/6/2020</a:t>
+              <a:t>7/17/2020</a:t>
             </a:fld>
             <a:endParaRPr lang="en-US"/>
           </a:p>
@@ -4429,7 +4553,7 @@
           <a:p>
             <a:fld id="{0A0255A0-EE2B-6E49-A611-C16850102233}" type="datetimeFigureOut">
               <a:rPr lang="en-US" smtClean="0"/>
-              <a:t>7/6/2020</a:t>
+              <a:t>7/17/2020</a:t>
             </a:fld>
             <a:endParaRPr lang="en-US"/>
           </a:p>
@@ -4548,7 +4672,7 @@
           <a:p>
             <a:fld id="{0A0255A0-EE2B-6E49-A611-C16850102233}" type="datetimeFigureOut">
               <a:rPr lang="en-US" smtClean="0"/>
-              <a:t>7/6/2020</a:t>
+              <a:t>7/17/2020</a:t>
             </a:fld>
             <a:endParaRPr lang="en-US"/>
           </a:p>
@@ -4849,7 +4973,7 @@
           <a:p>
             <a:fld id="{0A0255A0-EE2B-6E49-A611-C16850102233}" type="datetimeFigureOut">
               <a:rPr lang="en-US" smtClean="0"/>
-              <a:t>7/6/2020</a:t>
+              <a:t>7/17/2020</a:t>
             </a:fld>
             <a:endParaRPr lang="en-US"/>
           </a:p>
@@ -5126,7 +5250,7 @@
           <a:p>
             <a:fld id="{0A0255A0-EE2B-6E49-A611-C16850102233}" type="datetimeFigureOut">
               <a:rPr lang="en-US" smtClean="0"/>
-              <a:t>7/6/2020</a:t>
+              <a:t>7/17/2020</a:t>
             </a:fld>
             <a:endParaRPr lang="en-US"/>
           </a:p>
@@ -7200,31 +7324,17 @@
                 <a:latin typeface="Segoe UI" panose="020B0502040204020203" pitchFamily="34" charset="0"/>
                 <a:cs typeface="Segoe UI" panose="020B0502040204020203" pitchFamily="34" charset="0"/>
               </a:rPr>
-              <a:t>TDD </a:t>
-            </a:r>
-            <a:r>
-              <a:rPr lang="pt-BR" dirty="0" err="1">
-                <a:latin typeface="Segoe UI" panose="020B0502040204020203" pitchFamily="34" charset="0"/>
-                <a:cs typeface="Segoe UI" panose="020B0502040204020203" pitchFamily="34" charset="0"/>
-              </a:rPr>
-              <a:t>vs</a:t>
-            </a:r>
-            <a:r>
-              <a:rPr lang="pt-BR" dirty="0">
-                <a:latin typeface="Segoe UI" panose="020B0502040204020203" pitchFamily="34" charset="0"/>
-                <a:cs typeface="Segoe UI" panose="020B0502040204020203" pitchFamily="34" charset="0"/>
-              </a:rPr>
-              <a:t> BDD</a:t>
-            </a:r>
-          </a:p>
-        </p:txBody>
-      </p:sp>
-      <p:sp>
-        <p:nvSpPr>
-          <p:cNvPr id="4" name="Oval 3">
+              <a:t>TDD + BDD: grande combinação!</a:t>
+            </a:r>
+          </a:p>
+        </p:txBody>
+      </p:sp>
+      <p:sp>
+        <p:nvSpPr>
+          <p:cNvPr id="5" name="Oval 4">
             <a:extLst>
               <a:ext uri="{FF2B5EF4-FFF2-40B4-BE49-F238E27FC236}">
-                <a16:creationId xmlns:a16="http://schemas.microsoft.com/office/drawing/2014/main" id="{7AA41980-FFE4-4E8D-AD08-173A416609A7}"/>
+                <a16:creationId xmlns:a16="http://schemas.microsoft.com/office/drawing/2014/main" id="{705F3E38-6301-4841-9A2B-18EFC56EF66C}"/>
               </a:ext>
             </a:extLst>
           </p:cNvPr>
@@ -7233,8 +7343,8 @@
         </p:nvSpPr>
         <p:spPr>
           <a:xfrm>
-            <a:off x="1055440" y="1276732"/>
-            <a:ext cx="6048672" cy="4426531"/>
+            <a:off x="349428" y="773576"/>
+            <a:ext cx="6607924" cy="5527808"/>
           </a:xfrm>
           <a:prstGeom prst="ellipse">
             <a:avLst/>
@@ -7271,18 +7381,19 @@
           <a:p>
             <a:pPr algn="ctr"/>
             <a:r>
-              <a:rPr lang="pt-BR" sz="3600" dirty="0"/>
+              <a:rPr lang="pt-BR" sz="3600"/>
               <a:t>TDD</a:t>
             </a:r>
-          </a:p>
-        </p:txBody>
-      </p:sp>
-      <p:sp>
-        <p:nvSpPr>
-          <p:cNvPr id="5" name="Oval 4">
+            <a:endParaRPr lang="pt-BR" sz="3600" dirty="0"/>
+          </a:p>
+        </p:txBody>
+      </p:sp>
+      <p:sp>
+        <p:nvSpPr>
+          <p:cNvPr id="6" name="Oval 5">
             <a:extLst>
               <a:ext uri="{FF2B5EF4-FFF2-40B4-BE49-F238E27FC236}">
-                <a16:creationId xmlns:a16="http://schemas.microsoft.com/office/drawing/2014/main" id="{EF6E9535-EB80-4FFD-A790-74C3DAB7B2BE}"/>
+                <a16:creationId xmlns:a16="http://schemas.microsoft.com/office/drawing/2014/main" id="{029B5A34-1C62-497A-B2B9-FA2FC029478D}"/>
               </a:ext>
             </a:extLst>
           </p:cNvPr>
@@ -7291,8 +7402,8 @@
         </p:nvSpPr>
         <p:spPr>
           <a:xfrm>
-            <a:off x="4799856" y="1130119"/>
-            <a:ext cx="6048672" cy="4597762"/>
+            <a:off x="4691846" y="648080"/>
+            <a:ext cx="6609600" cy="5529600"/>
           </a:xfrm>
           <a:prstGeom prst="ellipse">
             <a:avLst/>
@@ -7335,10 +7446,10 @@
       </p:sp>
       <p:sp>
         <p:nvSpPr>
-          <p:cNvPr id="6" name="TextBox 5">
+          <p:cNvPr id="8" name="TextBox 7">
             <a:extLst>
               <a:ext uri="{FF2B5EF4-FFF2-40B4-BE49-F238E27FC236}">
-                <a16:creationId xmlns:a16="http://schemas.microsoft.com/office/drawing/2014/main" id="{CD039799-5E04-420A-97D7-7AD30BFE4F21}"/>
+                <a16:creationId xmlns:a16="http://schemas.microsoft.com/office/drawing/2014/main" id="{CC97C9A6-3035-4033-A6C8-169FC31D17EC}"/>
               </a:ext>
             </a:extLst>
           </p:cNvPr>
@@ -7347,8 +7458,8 @@
         </p:nvSpPr>
         <p:spPr>
           <a:xfrm>
-            <a:off x="1343472" y="2005389"/>
-            <a:ext cx="2736304" cy="3139321"/>
+            <a:off x="1274943" y="2356200"/>
+            <a:ext cx="2037094" cy="369332"/>
           </a:xfrm>
           <a:prstGeom prst="rect">
             <a:avLst/>
@@ -7377,6 +7488,100 @@
               </a:rPr>
               <a:t> Team</a:t>
             </a:r>
+          </a:p>
+        </p:txBody>
+      </p:sp>
+      <p:sp>
+        <p:nvSpPr>
+          <p:cNvPr id="9" name="TextBox 8">
+            <a:extLst>
+              <a:ext uri="{FF2B5EF4-FFF2-40B4-BE49-F238E27FC236}">
+                <a16:creationId xmlns:a16="http://schemas.microsoft.com/office/drawing/2014/main" id="{77C117DC-8281-4D1F-8CC2-8FBAC1F19238}"/>
+              </a:ext>
+            </a:extLst>
+          </p:cNvPr>
+          <p:cNvSpPr txBox="1"/>
+          <p:nvPr/>
+        </p:nvSpPr>
+        <p:spPr>
+          <a:xfrm>
+            <a:off x="8074869" y="2212707"/>
+            <a:ext cx="1336610" cy="369332"/>
+          </a:xfrm>
+          <a:prstGeom prst="rect">
+            <a:avLst/>
+          </a:prstGeom>
+          <a:noFill/>
+        </p:spPr>
+        <p:txBody>
+          <a:bodyPr wrap="square" rtlCol="0">
+            <a:spAutoFit/>
+          </a:bodyPr>
+          <a:lstStyle/>
+          <a:p>
+            <a:pPr marL="285750" indent="-285750" algn="ctr">
+              <a:buFont typeface="Arial" panose="020B0604020202020204" pitchFamily="34" charset="0"/>
+              <a:buChar char="•"/>
+            </a:pPr>
+            <a:r>
+              <a:rPr lang="pt-BR" dirty="0" err="1">
+                <a:latin typeface="Comic Sans MS" panose="030F0702030302020204" pitchFamily="66" charset="0"/>
+              </a:rPr>
+              <a:t>Squad</a:t>
+            </a:r>
+            <a:endParaRPr lang="pt-BR" dirty="0">
+              <a:latin typeface="Comic Sans MS" panose="030F0702030302020204" pitchFamily="66" charset="0"/>
+            </a:endParaRPr>
+          </a:p>
+        </p:txBody>
+      </p:sp>
+      <p:sp>
+        <p:nvSpPr>
+          <p:cNvPr id="10" name="TextBox 9">
+            <a:extLst>
+              <a:ext uri="{FF2B5EF4-FFF2-40B4-BE49-F238E27FC236}">
+                <a16:creationId xmlns:a16="http://schemas.microsoft.com/office/drawing/2014/main" id="{82335186-D0FE-4C5E-A916-FF9588DE31B5}"/>
+              </a:ext>
+            </a:extLst>
+          </p:cNvPr>
+          <p:cNvSpPr txBox="1"/>
+          <p:nvPr/>
+        </p:nvSpPr>
+        <p:spPr>
+          <a:xfrm>
+            <a:off x="4862936" y="2480099"/>
+            <a:ext cx="1832124" cy="2031325"/>
+          </a:xfrm>
+          <a:prstGeom prst="rect">
+            <a:avLst/>
+          </a:prstGeom>
+          <a:noFill/>
+        </p:spPr>
+        <p:txBody>
+          <a:bodyPr wrap="square" rtlCol="0">
+            <a:spAutoFit/>
+          </a:bodyPr>
+          <a:lstStyle/>
+          <a:p>
+            <a:pPr marL="285750" indent="-285750" algn="ctr">
+              <a:buFont typeface="Arial" panose="020B0604020202020204" pitchFamily="34" charset="0"/>
+              <a:buChar char="•"/>
+            </a:pPr>
+            <a:r>
+              <a:rPr lang="pt-BR" dirty="0">
+                <a:latin typeface="Comic Sans MS" panose="030F0702030302020204" pitchFamily="66" charset="0"/>
+              </a:rPr>
+              <a:t>Test-</a:t>
+            </a:r>
+            <a:r>
+              <a:rPr lang="pt-BR" dirty="0" err="1">
+                <a:latin typeface="Comic Sans MS" panose="030F0702030302020204" pitchFamily="66" charset="0"/>
+              </a:rPr>
+              <a:t>first</a:t>
+            </a:r>
+            <a:endParaRPr lang="pt-BR" dirty="0">
+              <a:latin typeface="Comic Sans MS" panose="030F0702030302020204" pitchFamily="66" charset="0"/>
+            </a:endParaRPr>
           </a:p>
           <a:p>
             <a:pPr marL="285750" indent="-285750" algn="ctr">
@@ -7396,19 +7601,7 @@
               <a:rPr lang="pt-BR" dirty="0">
                 <a:latin typeface="Comic Sans MS" panose="030F0702030302020204" pitchFamily="66" charset="0"/>
               </a:rPr>
-              <a:t>Foco: </a:t>
-            </a:r>
-            <a:r>
-              <a:rPr lang="pt-BR" dirty="0" err="1">
-                <a:latin typeface="Comic Sans MS" panose="030F0702030302020204" pitchFamily="66" charset="0"/>
-              </a:rPr>
-              <a:t>simple</a:t>
-            </a:r>
-            <a:r>
-              <a:rPr lang="pt-BR" dirty="0">
-                <a:latin typeface="Comic Sans MS" panose="030F0702030302020204" pitchFamily="66" charset="0"/>
-              </a:rPr>
-              <a:t> design</a:t>
+              <a:t>Automação</a:t>
             </a:r>
           </a:p>
           <a:p>
@@ -7429,59 +7622,17 @@
               <a:rPr lang="pt-BR" dirty="0">
                 <a:latin typeface="Comic Sans MS" panose="030F0702030302020204" pitchFamily="66" charset="0"/>
               </a:rPr>
-              <a:t>Nível de código</a:t>
-            </a:r>
-          </a:p>
-          <a:p>
-            <a:pPr marL="285750" indent="-285750" algn="ctr">
-              <a:buFont typeface="Arial" panose="020B0604020202020204" pitchFamily="34" charset="0"/>
-              <a:buChar char="•"/>
-            </a:pPr>
-            <a:endParaRPr lang="pt-BR" dirty="0">
-              <a:latin typeface="Comic Sans MS" panose="030F0702030302020204" pitchFamily="66" charset="0"/>
-            </a:endParaRPr>
-          </a:p>
-          <a:p>
-            <a:pPr marL="285750" indent="-285750" algn="ctr">
-              <a:buFont typeface="Arial" panose="020B0604020202020204" pitchFamily="34" charset="0"/>
-              <a:buChar char="•"/>
-            </a:pPr>
-            <a:r>
-              <a:rPr lang="pt-BR" dirty="0">
-                <a:latin typeface="Comic Sans MS" panose="030F0702030302020204" pitchFamily="66" charset="0"/>
-              </a:rPr>
-              <a:t>Linguagem: quase todas</a:t>
-            </a:r>
-          </a:p>
-          <a:p>
-            <a:pPr marL="285750" indent="-285750" algn="ctr">
-              <a:buFont typeface="Arial" panose="020B0604020202020204" pitchFamily="34" charset="0"/>
-              <a:buChar char="•"/>
-            </a:pPr>
-            <a:endParaRPr lang="pt-BR" dirty="0">
-              <a:latin typeface="Comic Sans MS" panose="030F0702030302020204" pitchFamily="66" charset="0"/>
-            </a:endParaRPr>
-          </a:p>
-          <a:p>
-            <a:pPr marL="285750" indent="-285750" algn="ctr">
-              <a:buFont typeface="Arial" panose="020B0604020202020204" pitchFamily="34" charset="0"/>
-              <a:buChar char="•"/>
-            </a:pPr>
-            <a:r>
-              <a:rPr lang="pt-BR" dirty="0">
-                <a:latin typeface="Comic Sans MS" panose="030F0702030302020204" pitchFamily="66" charset="0"/>
-              </a:rPr>
-              <a:t>Fazer da maneira certa (como)</a:t>
-            </a:r>
-          </a:p>
-        </p:txBody>
-      </p:sp>
-      <p:sp>
-        <p:nvSpPr>
-          <p:cNvPr id="7" name="TextBox 6">
+              <a:t>Feedback mais rápido e constante</a:t>
+            </a:r>
+          </a:p>
+        </p:txBody>
+      </p:sp>
+      <p:sp>
+        <p:nvSpPr>
+          <p:cNvPr id="3" name="TextBox 2">
             <a:extLst>
               <a:ext uri="{FF2B5EF4-FFF2-40B4-BE49-F238E27FC236}">
-                <a16:creationId xmlns:a16="http://schemas.microsoft.com/office/drawing/2014/main" id="{61748D23-BD0A-4020-BCF5-9468D0D7F0B7}"/>
+                <a16:creationId xmlns:a16="http://schemas.microsoft.com/office/drawing/2014/main" id="{B7C3400A-86F8-45E5-AFF2-0BD7225AA349}"/>
               </a:ext>
             </a:extLst>
           </p:cNvPr>
@@ -7490,8 +7641,8 @@
         </p:nvSpPr>
         <p:spPr>
           <a:xfrm>
-            <a:off x="7824192" y="2058836"/>
-            <a:ext cx="2728144" cy="2862322"/>
+            <a:off x="977065" y="3774461"/>
+            <a:ext cx="2761459" cy="369332"/>
           </a:xfrm>
           <a:prstGeom prst="rect">
             <a:avLst/>
@@ -7509,116 +7660,33 @@
               <a:buChar char="•"/>
             </a:pPr>
             <a:r>
+              <a:rPr lang="pt-BR" dirty="0">
+                <a:latin typeface="Comic Sans MS" panose="030F0702030302020204" pitchFamily="66" charset="0"/>
+              </a:rPr>
+              <a:t>Foco: </a:t>
+            </a:r>
+            <a:r>
               <a:rPr lang="pt-BR" dirty="0" err="1">
                 <a:latin typeface="Comic Sans MS" panose="030F0702030302020204" pitchFamily="66" charset="0"/>
               </a:rPr>
-              <a:t>Squad</a:t>
-            </a:r>
-            <a:endParaRPr lang="pt-BR" dirty="0">
-              <a:latin typeface="Comic Sans MS" panose="030F0702030302020204" pitchFamily="66" charset="0"/>
-            </a:endParaRPr>
-          </a:p>
-          <a:p>
-            <a:pPr marL="285750" indent="-285750" algn="ctr">
-              <a:buFont typeface="Arial" panose="020B0604020202020204" pitchFamily="34" charset="0"/>
-              <a:buChar char="•"/>
-            </a:pPr>
-            <a:endParaRPr lang="pt-BR" dirty="0">
-              <a:latin typeface="Comic Sans MS" panose="030F0702030302020204" pitchFamily="66" charset="0"/>
-            </a:endParaRPr>
-          </a:p>
-          <a:p>
-            <a:pPr marL="285750" indent="-285750" algn="ctr">
-              <a:buFont typeface="Arial" panose="020B0604020202020204" pitchFamily="34" charset="0"/>
-              <a:buChar char="•"/>
-            </a:pPr>
+              <a:t>simple</a:t>
+            </a:r>
             <a:r>
               <a:rPr lang="pt-BR" dirty="0">
                 <a:latin typeface="Comic Sans MS" panose="030F0702030302020204" pitchFamily="66" charset="0"/>
               </a:rPr>
-              <a:t>Foco: comunicação</a:t>
-            </a:r>
-          </a:p>
-          <a:p>
-            <a:pPr marL="285750" indent="-285750" algn="ctr">
-              <a:buFont typeface="Arial" panose="020B0604020202020204" pitchFamily="34" charset="0"/>
-              <a:buChar char="•"/>
-            </a:pPr>
-            <a:endParaRPr lang="pt-BR" dirty="0">
-              <a:latin typeface="Comic Sans MS" panose="030F0702030302020204" pitchFamily="66" charset="0"/>
-            </a:endParaRPr>
-          </a:p>
-          <a:p>
-            <a:pPr marL="285750" indent="-285750" algn="ctr">
-              <a:buFont typeface="Arial" panose="020B0604020202020204" pitchFamily="34" charset="0"/>
-              <a:buChar char="•"/>
-            </a:pPr>
-            <a:r>
-              <a:rPr lang="pt-BR" dirty="0">
-                <a:latin typeface="Comic Sans MS" panose="030F0702030302020204" pitchFamily="66" charset="0"/>
-              </a:rPr>
-              <a:t>Nível de negócio</a:t>
-            </a:r>
-          </a:p>
-          <a:p>
-            <a:pPr marL="285750" indent="-285750" algn="ctr">
-              <a:buFont typeface="Arial" panose="020B0604020202020204" pitchFamily="34" charset="0"/>
-              <a:buChar char="•"/>
-            </a:pPr>
-            <a:endParaRPr lang="pt-BR" dirty="0">
-              <a:latin typeface="Comic Sans MS" panose="030F0702030302020204" pitchFamily="66" charset="0"/>
-            </a:endParaRPr>
-          </a:p>
-          <a:p>
-            <a:pPr marL="285750" indent="-285750" algn="ctr">
-              <a:buFont typeface="Arial" panose="020B0604020202020204" pitchFamily="34" charset="0"/>
-              <a:buChar char="•"/>
-            </a:pPr>
-            <a:r>
-              <a:rPr lang="pt-BR" dirty="0">
-                <a:latin typeface="Comic Sans MS" panose="030F0702030302020204" pitchFamily="66" charset="0"/>
-              </a:rPr>
-              <a:t>Linguagem: </a:t>
-            </a:r>
-            <a:r>
-              <a:rPr lang="pt-BR" dirty="0" err="1">
-                <a:latin typeface="Comic Sans MS" panose="030F0702030302020204" pitchFamily="66" charset="0"/>
-              </a:rPr>
-              <a:t>Gherkin</a:t>
-            </a:r>
-            <a:endParaRPr lang="pt-BR" dirty="0">
-              <a:latin typeface="Comic Sans MS" panose="030F0702030302020204" pitchFamily="66" charset="0"/>
-            </a:endParaRPr>
-          </a:p>
-          <a:p>
-            <a:pPr marL="285750" indent="-285750" algn="ctr">
-              <a:buFont typeface="Arial" panose="020B0604020202020204" pitchFamily="34" charset="0"/>
-              <a:buChar char="•"/>
-            </a:pPr>
-            <a:endParaRPr lang="pt-BR" dirty="0">
-              <a:latin typeface="Comic Sans MS" panose="030F0702030302020204" pitchFamily="66" charset="0"/>
-            </a:endParaRPr>
-          </a:p>
-          <a:p>
-            <a:pPr marL="285750" indent="-285750" algn="ctr">
-              <a:buFont typeface="Arial" panose="020B0604020202020204" pitchFamily="34" charset="0"/>
-              <a:buChar char="•"/>
-            </a:pPr>
-            <a:r>
-              <a:rPr lang="pt-BR" dirty="0">
-                <a:latin typeface="Comic Sans MS" panose="030F0702030302020204" pitchFamily="66" charset="0"/>
-              </a:rPr>
-              <a:t>Fazer a coisa certa (o que)</a:t>
-            </a:r>
-          </a:p>
-        </p:txBody>
-      </p:sp>
-      <p:sp>
-        <p:nvSpPr>
-          <p:cNvPr id="9" name="TextBox 8">
+              <a:t> design</a:t>
+            </a:r>
+            <a:endParaRPr lang="pt-BR" dirty="0"/>
+          </a:p>
+        </p:txBody>
+      </p:sp>
+      <p:sp>
+        <p:nvSpPr>
+          <p:cNvPr id="12" name="TextBox 11">
             <a:extLst>
               <a:ext uri="{FF2B5EF4-FFF2-40B4-BE49-F238E27FC236}">
-                <a16:creationId xmlns:a16="http://schemas.microsoft.com/office/drawing/2014/main" id="{3656C3C3-9FCC-470A-9CCF-51F23909EEAF}"/>
+                <a16:creationId xmlns:a16="http://schemas.microsoft.com/office/drawing/2014/main" id="{6EA13714-7F93-4E2A-8FE6-CED446752CF8}"/>
               </a:ext>
             </a:extLst>
           </p:cNvPr>
@@ -7627,8 +7695,8 @@
         </p:nvSpPr>
         <p:spPr>
           <a:xfrm>
-            <a:off x="4983956" y="2420888"/>
-            <a:ext cx="1832124" cy="2308324"/>
+            <a:off x="1083085" y="4425610"/>
+            <a:ext cx="3192630" cy="369332"/>
           </a:xfrm>
           <a:prstGeom prst="rect">
             <a:avLst/>
@@ -7649,27 +7717,81 @@
               <a:rPr lang="pt-BR" dirty="0">
                 <a:latin typeface="Comic Sans MS" panose="030F0702030302020204" pitchFamily="66" charset="0"/>
               </a:rPr>
-              <a:t>Test-</a:t>
-            </a:r>
-            <a:r>
-              <a:rPr lang="pt-BR" dirty="0" err="1">
-                <a:latin typeface="Comic Sans MS" panose="030F0702030302020204" pitchFamily="66" charset="0"/>
-              </a:rPr>
-              <a:t>first</a:t>
-            </a:r>
-            <a:endParaRPr lang="pt-BR" dirty="0">
-              <a:latin typeface="Comic Sans MS" panose="030F0702030302020204" pitchFamily="66" charset="0"/>
-            </a:endParaRPr>
-          </a:p>
+              <a:t>Linguagem: quase todas</a:t>
+            </a:r>
+            <a:endParaRPr lang="pt-BR" dirty="0"/>
+          </a:p>
+        </p:txBody>
+      </p:sp>
+      <p:sp>
+        <p:nvSpPr>
+          <p:cNvPr id="13" name="TextBox 12">
+            <a:extLst>
+              <a:ext uri="{FF2B5EF4-FFF2-40B4-BE49-F238E27FC236}">
+                <a16:creationId xmlns:a16="http://schemas.microsoft.com/office/drawing/2014/main" id="{770A13B4-5548-4E7B-AA5B-7898F4128ADC}"/>
+              </a:ext>
+            </a:extLst>
+          </p:cNvPr>
+          <p:cNvSpPr txBox="1"/>
+          <p:nvPr/>
+        </p:nvSpPr>
+        <p:spPr>
+          <a:xfrm>
+            <a:off x="1276714" y="5116979"/>
+            <a:ext cx="3775656" cy="369332"/>
+          </a:xfrm>
+          <a:prstGeom prst="rect">
+            <a:avLst/>
+          </a:prstGeom>
+          <a:noFill/>
+        </p:spPr>
+        <p:txBody>
+          <a:bodyPr wrap="square" rtlCol="0">
+            <a:spAutoFit/>
+          </a:bodyPr>
+          <a:lstStyle/>
           <a:p>
             <a:pPr marL="285750" indent="-285750" algn="ctr">
               <a:buFont typeface="Arial" panose="020B0604020202020204" pitchFamily="34" charset="0"/>
               <a:buChar char="•"/>
             </a:pPr>
-            <a:endParaRPr lang="pt-BR" dirty="0">
-              <a:latin typeface="Comic Sans MS" panose="030F0702030302020204" pitchFamily="66" charset="0"/>
-            </a:endParaRPr>
-          </a:p>
+            <a:r>
+              <a:rPr lang="pt-BR" dirty="0">
+                <a:latin typeface="Comic Sans MS" panose="030F0702030302020204" pitchFamily="66" charset="0"/>
+              </a:rPr>
+              <a:t>Fazer da maneira certa (como)</a:t>
+            </a:r>
+            <a:endParaRPr lang="pt-BR" dirty="0"/>
+          </a:p>
+        </p:txBody>
+      </p:sp>
+      <p:sp>
+        <p:nvSpPr>
+          <p:cNvPr id="14" name="TextBox 13">
+            <a:extLst>
+              <a:ext uri="{FF2B5EF4-FFF2-40B4-BE49-F238E27FC236}">
+                <a16:creationId xmlns:a16="http://schemas.microsoft.com/office/drawing/2014/main" id="{C6E68104-2B16-469A-90DF-CA976AE3ADC2}"/>
+              </a:ext>
+            </a:extLst>
+          </p:cNvPr>
+          <p:cNvSpPr txBox="1"/>
+          <p:nvPr/>
+        </p:nvSpPr>
+        <p:spPr>
+          <a:xfrm>
+            <a:off x="727397" y="2851028"/>
+            <a:ext cx="3132186" cy="646331"/>
+          </a:xfrm>
+          <a:prstGeom prst="rect">
+            <a:avLst/>
+          </a:prstGeom>
+          <a:noFill/>
+        </p:spPr>
+        <p:txBody>
+          <a:bodyPr wrap="square" rtlCol="0">
+            <a:spAutoFit/>
+          </a:bodyPr>
+          <a:lstStyle/>
           <a:p>
             <a:pPr marL="285750" indent="-285750" algn="ctr">
               <a:buFont typeface="Arial" panose="020B0604020202020204" pitchFamily="34" charset="0"/>
@@ -7679,18 +7801,80 @@
               <a:rPr lang="pt-BR" dirty="0">
                 <a:latin typeface="Comic Sans MS" panose="030F0702030302020204" pitchFamily="66" charset="0"/>
               </a:rPr>
-              <a:t>Automação</a:t>
-            </a:r>
-          </a:p>
+              <a:t>Estimula qualidade do código</a:t>
+            </a:r>
+            <a:endParaRPr lang="pt-BR" dirty="0"/>
+          </a:p>
+        </p:txBody>
+      </p:sp>
+      <p:sp>
+        <p:nvSpPr>
+          <p:cNvPr id="15" name="TextBox 14">
+            <a:extLst>
+              <a:ext uri="{FF2B5EF4-FFF2-40B4-BE49-F238E27FC236}">
+                <a16:creationId xmlns:a16="http://schemas.microsoft.com/office/drawing/2014/main" id="{C9866109-607B-44BE-AEC5-16C0A2784755}"/>
+              </a:ext>
+            </a:extLst>
+          </p:cNvPr>
+          <p:cNvSpPr txBox="1"/>
+          <p:nvPr/>
+        </p:nvSpPr>
+        <p:spPr>
+          <a:xfrm>
+            <a:off x="8215124" y="3858509"/>
+            <a:ext cx="2550811" cy="369332"/>
+          </a:xfrm>
+          <a:prstGeom prst="rect">
+            <a:avLst/>
+          </a:prstGeom>
+          <a:noFill/>
+        </p:spPr>
+        <p:txBody>
+          <a:bodyPr wrap="square" rtlCol="0">
+            <a:spAutoFit/>
+          </a:bodyPr>
+          <a:lstStyle/>
           <a:p>
             <a:pPr marL="285750" indent="-285750" algn="ctr">
               <a:buFont typeface="Arial" panose="020B0604020202020204" pitchFamily="34" charset="0"/>
               <a:buChar char="•"/>
             </a:pPr>
-            <a:endParaRPr lang="pt-BR" dirty="0">
-              <a:latin typeface="Comic Sans MS" panose="030F0702030302020204" pitchFamily="66" charset="0"/>
-            </a:endParaRPr>
-          </a:p>
+            <a:r>
+              <a:rPr lang="pt-BR" dirty="0">
+                <a:latin typeface="Comic Sans MS" panose="030F0702030302020204" pitchFamily="66" charset="0"/>
+              </a:rPr>
+              <a:t>Foco: comunicação</a:t>
+            </a:r>
+          </a:p>
+        </p:txBody>
+      </p:sp>
+      <p:sp>
+        <p:nvSpPr>
+          <p:cNvPr id="16" name="TextBox 15">
+            <a:extLst>
+              <a:ext uri="{FF2B5EF4-FFF2-40B4-BE49-F238E27FC236}">
+                <a16:creationId xmlns:a16="http://schemas.microsoft.com/office/drawing/2014/main" id="{AF538B69-113C-4E7B-ABBC-D791F154DAA5}"/>
+              </a:ext>
+            </a:extLst>
+          </p:cNvPr>
+          <p:cNvSpPr txBox="1"/>
+          <p:nvPr/>
+        </p:nvSpPr>
+        <p:spPr>
+          <a:xfrm>
+            <a:off x="8074869" y="2838512"/>
+            <a:ext cx="3318590" cy="923330"/>
+          </a:xfrm>
+          <a:prstGeom prst="rect">
+            <a:avLst/>
+          </a:prstGeom>
+          <a:noFill/>
+        </p:spPr>
+        <p:txBody>
+          <a:bodyPr wrap="square" rtlCol="0">
+            <a:spAutoFit/>
+          </a:bodyPr>
+          <a:lstStyle/>
           <a:p>
             <a:pPr marL="285750" indent="-285750" algn="ctr">
               <a:buFont typeface="Arial" panose="020B0604020202020204" pitchFamily="34" charset="0"/>
@@ -7700,21 +7884,163 @@
               <a:rPr lang="pt-BR" dirty="0">
                 <a:latin typeface="Comic Sans MS" panose="030F0702030302020204" pitchFamily="66" charset="0"/>
               </a:rPr>
-              <a:t>Feedback mais rápido e constante</a:t>
-            </a:r>
-          </a:p>
-          <a:p>
-            <a:pPr algn="ctr"/>
+              <a:t>Estimula qualidade das </a:t>
+            </a:r>
+            <a:r>
+              <a:rPr lang="pt-BR" dirty="0" err="1">
+                <a:latin typeface="Comic Sans MS" panose="030F0702030302020204" pitchFamily="66" charset="0"/>
+              </a:rPr>
+              <a:t>features</a:t>
+            </a:r>
+            <a:r>
+              <a:rPr lang="pt-BR" dirty="0">
+                <a:latin typeface="Comic Sans MS" panose="030F0702030302020204" pitchFamily="66" charset="0"/>
+              </a:rPr>
+              <a:t> e critérios de aceitação</a:t>
+            </a:r>
+          </a:p>
+        </p:txBody>
+      </p:sp>
+      <p:sp>
+        <p:nvSpPr>
+          <p:cNvPr id="17" name="TextBox 16">
+            <a:extLst>
+              <a:ext uri="{FF2B5EF4-FFF2-40B4-BE49-F238E27FC236}">
+                <a16:creationId xmlns:a16="http://schemas.microsoft.com/office/drawing/2014/main" id="{FCC132F8-C71D-4978-9C52-F29187E8BEF6}"/>
+              </a:ext>
+            </a:extLst>
+          </p:cNvPr>
+          <p:cNvSpPr txBox="1"/>
+          <p:nvPr/>
+        </p:nvSpPr>
+        <p:spPr>
+          <a:xfrm>
+            <a:off x="7548405" y="4324509"/>
+            <a:ext cx="2847248" cy="646331"/>
+          </a:xfrm>
+          <a:prstGeom prst="rect">
+            <a:avLst/>
+          </a:prstGeom>
+          <a:noFill/>
+        </p:spPr>
+        <p:txBody>
+          <a:bodyPr wrap="square" rtlCol="0">
+            <a:spAutoFit/>
+          </a:bodyPr>
+          <a:lstStyle/>
+          <a:p>
+            <a:pPr marL="285750" indent="-285750" algn="ctr">
+              <a:buFont typeface="Arial" panose="020B0604020202020204" pitchFamily="34" charset="0"/>
+              <a:buChar char="•"/>
+            </a:pPr>
+            <a:r>
+              <a:rPr lang="pt-BR" dirty="0">
+                <a:latin typeface="Comic Sans MS" panose="030F0702030302020204" pitchFamily="66" charset="0"/>
+              </a:rPr>
+              <a:t>Linguagem: </a:t>
+            </a:r>
+            <a:r>
+              <a:rPr lang="pt-BR" dirty="0" err="1">
+                <a:latin typeface="Comic Sans MS" panose="030F0702030302020204" pitchFamily="66" charset="0"/>
+              </a:rPr>
+              <a:t>Gherkin</a:t>
+            </a:r>
             <a:endParaRPr lang="pt-BR" dirty="0">
               <a:latin typeface="Comic Sans MS" panose="030F0702030302020204" pitchFamily="66" charset="0"/>
             </a:endParaRPr>
           </a:p>
+          <a:p>
+            <a:pPr algn="ctr"/>
+            <a:r>
+              <a:rPr lang="pt-BR" dirty="0">
+                <a:latin typeface="Comic Sans MS" panose="030F0702030302020204" pitchFamily="66" charset="0"/>
+              </a:rPr>
+              <a:t>(</a:t>
+            </a:r>
+            <a:r>
+              <a:rPr lang="pt-BR" dirty="0" err="1">
+                <a:latin typeface="Comic Sans MS" panose="030F0702030302020204" pitchFamily="66" charset="0"/>
+              </a:rPr>
+              <a:t>Given</a:t>
+            </a:r>
+            <a:r>
+              <a:rPr lang="pt-BR" dirty="0">
+                <a:latin typeface="Comic Sans MS" panose="030F0702030302020204" pitchFamily="66" charset="0"/>
+              </a:rPr>
+              <a:t>, </a:t>
+            </a:r>
+            <a:r>
+              <a:rPr lang="pt-BR" dirty="0" err="1">
+                <a:latin typeface="Comic Sans MS" panose="030F0702030302020204" pitchFamily="66" charset="0"/>
+              </a:rPr>
+              <a:t>When</a:t>
+            </a:r>
+            <a:r>
+              <a:rPr lang="pt-BR" dirty="0">
+                <a:latin typeface="Comic Sans MS" panose="030F0702030302020204" pitchFamily="66" charset="0"/>
+              </a:rPr>
+              <a:t>, </a:t>
+            </a:r>
+            <a:r>
+              <a:rPr lang="pt-BR" dirty="0" err="1">
+                <a:latin typeface="Comic Sans MS" panose="030F0702030302020204" pitchFamily="66" charset="0"/>
+              </a:rPr>
+              <a:t>Then</a:t>
+            </a:r>
+            <a:r>
+              <a:rPr lang="pt-BR" dirty="0">
+                <a:latin typeface="Comic Sans MS" panose="030F0702030302020204" pitchFamily="66" charset="0"/>
+              </a:rPr>
+              <a:t>)</a:t>
+            </a:r>
+          </a:p>
+        </p:txBody>
+      </p:sp>
+      <p:sp>
+        <p:nvSpPr>
+          <p:cNvPr id="18" name="TextBox 17">
+            <a:extLst>
+              <a:ext uri="{FF2B5EF4-FFF2-40B4-BE49-F238E27FC236}">
+                <a16:creationId xmlns:a16="http://schemas.microsoft.com/office/drawing/2014/main" id="{A40DF89A-9EFD-4EC6-8A8C-5C74F61F8F16}"/>
+              </a:ext>
+            </a:extLst>
+          </p:cNvPr>
+          <p:cNvSpPr txBox="1"/>
+          <p:nvPr/>
+        </p:nvSpPr>
+        <p:spPr>
+          <a:xfrm>
+            <a:off x="6502371" y="5207177"/>
+            <a:ext cx="3456384" cy="369332"/>
+          </a:xfrm>
+          <a:prstGeom prst="rect">
+            <a:avLst/>
+          </a:prstGeom>
+          <a:noFill/>
+        </p:spPr>
+        <p:txBody>
+          <a:bodyPr wrap="square" rtlCol="0">
+            <a:spAutoFit/>
+          </a:bodyPr>
+          <a:lstStyle/>
+          <a:p>
+            <a:pPr marL="285750" indent="-285750" algn="ctr">
+              <a:buFont typeface="Arial" panose="020B0604020202020204" pitchFamily="34" charset="0"/>
+              <a:buChar char="•"/>
+            </a:pPr>
+            <a:r>
+              <a:rPr lang="pt-BR" dirty="0">
+                <a:latin typeface="Comic Sans MS" panose="030F0702030302020204" pitchFamily="66" charset="0"/>
+              </a:rPr>
+              <a:t>Fazer a coisa certa (o que)</a:t>
+            </a:r>
+          </a:p>
         </p:txBody>
       </p:sp>
     </p:spTree>
     <p:extLst>
       <p:ext uri="{BB962C8B-B14F-4D97-AF65-F5344CB8AC3E}">
-        <p14:creationId xmlns:p14="http://schemas.microsoft.com/office/powerpoint/2010/main" val="2877506298"/>
+        <p14:creationId xmlns:p14="http://schemas.microsoft.com/office/powerpoint/2010/main" val="3103029961"/>
       </p:ext>
     </p:extLst>
   </p:cSld>
@@ -7724,6 +8050,2027 @@
   <p:transition>
     <p:fade/>
   </p:transition>
+  <p:timing>
+    <p:tnLst>
+      <p:par>
+        <p:cTn id="1" dur="indefinite" restart="never" nodeType="tmRoot">
+          <p:childTnLst>
+            <p:seq concurrent="1" nextAc="seek">
+              <p:cTn id="2" dur="indefinite" nodeType="mainSeq">
+                <p:childTnLst>
+                  <p:par>
+                    <p:cTn id="3" fill="hold">
+                      <p:stCondLst>
+                        <p:cond delay="indefinite"/>
+                      </p:stCondLst>
+                      <p:childTnLst>
+                        <p:par>
+                          <p:cTn id="4" fill="hold">
+                            <p:stCondLst>
+                              <p:cond delay="0"/>
+                            </p:stCondLst>
+                            <p:childTnLst>
+                              <p:par>
+                                <p:cTn id="5" presetID="2" presetClass="entr" presetSubtype="8" fill="hold" grpId="0" nodeType="clickEffect">
+                                  <p:stCondLst>
+                                    <p:cond delay="0"/>
+                                  </p:stCondLst>
+                                  <p:childTnLst>
+                                    <p:set>
+                                      <p:cBhvr>
+                                        <p:cTn id="6" dur="1" fill="hold">
+                                          <p:stCondLst>
+                                            <p:cond delay="0"/>
+                                          </p:stCondLst>
+                                        </p:cTn>
+                                        <p:tgtEl>
+                                          <p:spTgt spid="8"/>
+                                        </p:tgtEl>
+                                        <p:attrNameLst>
+                                          <p:attrName>style.visibility</p:attrName>
+                                        </p:attrNameLst>
+                                      </p:cBhvr>
+                                      <p:to>
+                                        <p:strVal val="visible"/>
+                                      </p:to>
+                                    </p:set>
+                                    <p:anim calcmode="lin" valueType="num">
+                                      <p:cBhvr additive="base">
+                                        <p:cTn id="7" dur="500" fill="hold"/>
+                                        <p:tgtEl>
+                                          <p:spTgt spid="8"/>
+                                        </p:tgtEl>
+                                        <p:attrNameLst>
+                                          <p:attrName>ppt_x</p:attrName>
+                                        </p:attrNameLst>
+                                      </p:cBhvr>
+                                      <p:tavLst>
+                                        <p:tav tm="0">
+                                          <p:val>
+                                            <p:strVal val="0-#ppt_w/2"/>
+                                          </p:val>
+                                        </p:tav>
+                                        <p:tav tm="100000">
+                                          <p:val>
+                                            <p:strVal val="#ppt_x"/>
+                                          </p:val>
+                                        </p:tav>
+                                      </p:tavLst>
+                                    </p:anim>
+                                    <p:anim calcmode="lin" valueType="num">
+                                      <p:cBhvr additive="base">
+                                        <p:cTn id="8" dur="500" fill="hold"/>
+                                        <p:tgtEl>
+                                          <p:spTgt spid="8"/>
+                                        </p:tgtEl>
+                                        <p:attrNameLst>
+                                          <p:attrName>ppt_y</p:attrName>
+                                        </p:attrNameLst>
+                                      </p:cBhvr>
+                                      <p:tavLst>
+                                        <p:tav tm="0">
+                                          <p:val>
+                                            <p:strVal val="#ppt_y"/>
+                                          </p:val>
+                                        </p:tav>
+                                        <p:tav tm="100000">
+                                          <p:val>
+                                            <p:strVal val="#ppt_y"/>
+                                          </p:val>
+                                        </p:tav>
+                                      </p:tavLst>
+                                    </p:anim>
+                                  </p:childTnLst>
+                                </p:cTn>
+                              </p:par>
+                            </p:childTnLst>
+                          </p:cTn>
+                        </p:par>
+                      </p:childTnLst>
+                    </p:cTn>
+                  </p:par>
+                  <p:par>
+                    <p:cTn id="9" fill="hold">
+                      <p:stCondLst>
+                        <p:cond delay="indefinite"/>
+                      </p:stCondLst>
+                      <p:childTnLst>
+                        <p:par>
+                          <p:cTn id="10" fill="hold">
+                            <p:stCondLst>
+                              <p:cond delay="0"/>
+                            </p:stCondLst>
+                            <p:childTnLst>
+                              <p:par>
+                                <p:cTn id="11" presetID="2" presetClass="entr" presetSubtype="2" fill="hold" grpId="0" nodeType="clickEffect">
+                                  <p:stCondLst>
+                                    <p:cond delay="0"/>
+                                  </p:stCondLst>
+                                  <p:childTnLst>
+                                    <p:set>
+                                      <p:cBhvr>
+                                        <p:cTn id="12" dur="1" fill="hold">
+                                          <p:stCondLst>
+                                            <p:cond delay="0"/>
+                                          </p:stCondLst>
+                                        </p:cTn>
+                                        <p:tgtEl>
+                                          <p:spTgt spid="9"/>
+                                        </p:tgtEl>
+                                        <p:attrNameLst>
+                                          <p:attrName>style.visibility</p:attrName>
+                                        </p:attrNameLst>
+                                      </p:cBhvr>
+                                      <p:to>
+                                        <p:strVal val="visible"/>
+                                      </p:to>
+                                    </p:set>
+                                    <p:anim calcmode="lin" valueType="num">
+                                      <p:cBhvr additive="base">
+                                        <p:cTn id="13" dur="500" fill="hold"/>
+                                        <p:tgtEl>
+                                          <p:spTgt spid="9"/>
+                                        </p:tgtEl>
+                                        <p:attrNameLst>
+                                          <p:attrName>ppt_x</p:attrName>
+                                        </p:attrNameLst>
+                                      </p:cBhvr>
+                                      <p:tavLst>
+                                        <p:tav tm="0">
+                                          <p:val>
+                                            <p:strVal val="1+#ppt_w/2"/>
+                                          </p:val>
+                                        </p:tav>
+                                        <p:tav tm="100000">
+                                          <p:val>
+                                            <p:strVal val="#ppt_x"/>
+                                          </p:val>
+                                        </p:tav>
+                                      </p:tavLst>
+                                    </p:anim>
+                                    <p:anim calcmode="lin" valueType="num">
+                                      <p:cBhvr additive="base">
+                                        <p:cTn id="14" dur="500" fill="hold"/>
+                                        <p:tgtEl>
+                                          <p:spTgt spid="9"/>
+                                        </p:tgtEl>
+                                        <p:attrNameLst>
+                                          <p:attrName>ppt_y</p:attrName>
+                                        </p:attrNameLst>
+                                      </p:cBhvr>
+                                      <p:tavLst>
+                                        <p:tav tm="0">
+                                          <p:val>
+                                            <p:strVal val="#ppt_y"/>
+                                          </p:val>
+                                        </p:tav>
+                                        <p:tav tm="100000">
+                                          <p:val>
+                                            <p:strVal val="#ppt_y"/>
+                                          </p:val>
+                                        </p:tav>
+                                      </p:tavLst>
+                                    </p:anim>
+                                  </p:childTnLst>
+                                </p:cTn>
+                              </p:par>
+                            </p:childTnLst>
+                          </p:cTn>
+                        </p:par>
+                      </p:childTnLst>
+                    </p:cTn>
+                  </p:par>
+                  <p:par>
+                    <p:cTn id="15" fill="hold">
+                      <p:stCondLst>
+                        <p:cond delay="indefinite"/>
+                      </p:stCondLst>
+                      <p:childTnLst>
+                        <p:par>
+                          <p:cTn id="16" fill="hold">
+                            <p:stCondLst>
+                              <p:cond delay="0"/>
+                            </p:stCondLst>
+                            <p:childTnLst>
+                              <p:par>
+                                <p:cTn id="17" presetID="2" presetClass="entr" presetSubtype="8" fill="hold" grpId="0" nodeType="clickEffect">
+                                  <p:stCondLst>
+                                    <p:cond delay="0"/>
+                                  </p:stCondLst>
+                                  <p:childTnLst>
+                                    <p:set>
+                                      <p:cBhvr>
+                                        <p:cTn id="18" dur="1" fill="hold">
+                                          <p:stCondLst>
+                                            <p:cond delay="0"/>
+                                          </p:stCondLst>
+                                        </p:cTn>
+                                        <p:tgtEl>
+                                          <p:spTgt spid="14"/>
+                                        </p:tgtEl>
+                                        <p:attrNameLst>
+                                          <p:attrName>style.visibility</p:attrName>
+                                        </p:attrNameLst>
+                                      </p:cBhvr>
+                                      <p:to>
+                                        <p:strVal val="visible"/>
+                                      </p:to>
+                                    </p:set>
+                                    <p:anim calcmode="lin" valueType="num">
+                                      <p:cBhvr additive="base">
+                                        <p:cTn id="19" dur="500" fill="hold"/>
+                                        <p:tgtEl>
+                                          <p:spTgt spid="14"/>
+                                        </p:tgtEl>
+                                        <p:attrNameLst>
+                                          <p:attrName>ppt_x</p:attrName>
+                                        </p:attrNameLst>
+                                      </p:cBhvr>
+                                      <p:tavLst>
+                                        <p:tav tm="0">
+                                          <p:val>
+                                            <p:strVal val="0-#ppt_w/2"/>
+                                          </p:val>
+                                        </p:tav>
+                                        <p:tav tm="100000">
+                                          <p:val>
+                                            <p:strVal val="#ppt_x"/>
+                                          </p:val>
+                                        </p:tav>
+                                      </p:tavLst>
+                                    </p:anim>
+                                    <p:anim calcmode="lin" valueType="num">
+                                      <p:cBhvr additive="base">
+                                        <p:cTn id="20" dur="500" fill="hold"/>
+                                        <p:tgtEl>
+                                          <p:spTgt spid="14"/>
+                                        </p:tgtEl>
+                                        <p:attrNameLst>
+                                          <p:attrName>ppt_y</p:attrName>
+                                        </p:attrNameLst>
+                                      </p:cBhvr>
+                                      <p:tavLst>
+                                        <p:tav tm="0">
+                                          <p:val>
+                                            <p:strVal val="#ppt_y"/>
+                                          </p:val>
+                                        </p:tav>
+                                        <p:tav tm="100000">
+                                          <p:val>
+                                            <p:strVal val="#ppt_y"/>
+                                          </p:val>
+                                        </p:tav>
+                                      </p:tavLst>
+                                    </p:anim>
+                                  </p:childTnLst>
+                                </p:cTn>
+                              </p:par>
+                            </p:childTnLst>
+                          </p:cTn>
+                        </p:par>
+                      </p:childTnLst>
+                    </p:cTn>
+                  </p:par>
+                  <p:par>
+                    <p:cTn id="21" fill="hold">
+                      <p:stCondLst>
+                        <p:cond delay="indefinite"/>
+                      </p:stCondLst>
+                      <p:childTnLst>
+                        <p:par>
+                          <p:cTn id="22" fill="hold">
+                            <p:stCondLst>
+                              <p:cond delay="0"/>
+                            </p:stCondLst>
+                            <p:childTnLst>
+                              <p:par>
+                                <p:cTn id="23" presetID="2" presetClass="entr" presetSubtype="2" fill="hold" grpId="0" nodeType="clickEffect">
+                                  <p:stCondLst>
+                                    <p:cond delay="0"/>
+                                  </p:stCondLst>
+                                  <p:childTnLst>
+                                    <p:set>
+                                      <p:cBhvr>
+                                        <p:cTn id="24" dur="1" fill="hold">
+                                          <p:stCondLst>
+                                            <p:cond delay="0"/>
+                                          </p:stCondLst>
+                                        </p:cTn>
+                                        <p:tgtEl>
+                                          <p:spTgt spid="16"/>
+                                        </p:tgtEl>
+                                        <p:attrNameLst>
+                                          <p:attrName>style.visibility</p:attrName>
+                                        </p:attrNameLst>
+                                      </p:cBhvr>
+                                      <p:to>
+                                        <p:strVal val="visible"/>
+                                      </p:to>
+                                    </p:set>
+                                    <p:anim calcmode="lin" valueType="num">
+                                      <p:cBhvr additive="base">
+                                        <p:cTn id="25" dur="500" fill="hold"/>
+                                        <p:tgtEl>
+                                          <p:spTgt spid="16"/>
+                                        </p:tgtEl>
+                                        <p:attrNameLst>
+                                          <p:attrName>ppt_x</p:attrName>
+                                        </p:attrNameLst>
+                                      </p:cBhvr>
+                                      <p:tavLst>
+                                        <p:tav tm="0">
+                                          <p:val>
+                                            <p:strVal val="1+#ppt_w/2"/>
+                                          </p:val>
+                                        </p:tav>
+                                        <p:tav tm="100000">
+                                          <p:val>
+                                            <p:strVal val="#ppt_x"/>
+                                          </p:val>
+                                        </p:tav>
+                                      </p:tavLst>
+                                    </p:anim>
+                                    <p:anim calcmode="lin" valueType="num">
+                                      <p:cBhvr additive="base">
+                                        <p:cTn id="26" dur="500" fill="hold"/>
+                                        <p:tgtEl>
+                                          <p:spTgt spid="16"/>
+                                        </p:tgtEl>
+                                        <p:attrNameLst>
+                                          <p:attrName>ppt_y</p:attrName>
+                                        </p:attrNameLst>
+                                      </p:cBhvr>
+                                      <p:tavLst>
+                                        <p:tav tm="0">
+                                          <p:val>
+                                            <p:strVal val="#ppt_y"/>
+                                          </p:val>
+                                        </p:tav>
+                                        <p:tav tm="100000">
+                                          <p:val>
+                                            <p:strVal val="#ppt_y"/>
+                                          </p:val>
+                                        </p:tav>
+                                      </p:tavLst>
+                                    </p:anim>
+                                  </p:childTnLst>
+                                </p:cTn>
+                              </p:par>
+                            </p:childTnLst>
+                          </p:cTn>
+                        </p:par>
+                      </p:childTnLst>
+                    </p:cTn>
+                  </p:par>
+                  <p:par>
+                    <p:cTn id="27" fill="hold">
+                      <p:stCondLst>
+                        <p:cond delay="indefinite"/>
+                      </p:stCondLst>
+                      <p:childTnLst>
+                        <p:par>
+                          <p:cTn id="28" fill="hold">
+                            <p:stCondLst>
+                              <p:cond delay="0"/>
+                            </p:stCondLst>
+                            <p:childTnLst>
+                              <p:par>
+                                <p:cTn id="29" presetID="2" presetClass="entr" presetSubtype="8" fill="hold" grpId="0" nodeType="clickEffect">
+                                  <p:stCondLst>
+                                    <p:cond delay="0"/>
+                                  </p:stCondLst>
+                                  <p:childTnLst>
+                                    <p:set>
+                                      <p:cBhvr>
+                                        <p:cTn id="30" dur="1" fill="hold">
+                                          <p:stCondLst>
+                                            <p:cond delay="0"/>
+                                          </p:stCondLst>
+                                        </p:cTn>
+                                        <p:tgtEl>
+                                          <p:spTgt spid="3"/>
+                                        </p:tgtEl>
+                                        <p:attrNameLst>
+                                          <p:attrName>style.visibility</p:attrName>
+                                        </p:attrNameLst>
+                                      </p:cBhvr>
+                                      <p:to>
+                                        <p:strVal val="visible"/>
+                                      </p:to>
+                                    </p:set>
+                                    <p:anim calcmode="lin" valueType="num">
+                                      <p:cBhvr additive="base">
+                                        <p:cTn id="31" dur="500" fill="hold"/>
+                                        <p:tgtEl>
+                                          <p:spTgt spid="3"/>
+                                        </p:tgtEl>
+                                        <p:attrNameLst>
+                                          <p:attrName>ppt_x</p:attrName>
+                                        </p:attrNameLst>
+                                      </p:cBhvr>
+                                      <p:tavLst>
+                                        <p:tav tm="0">
+                                          <p:val>
+                                            <p:strVal val="0-#ppt_w/2"/>
+                                          </p:val>
+                                        </p:tav>
+                                        <p:tav tm="100000">
+                                          <p:val>
+                                            <p:strVal val="#ppt_x"/>
+                                          </p:val>
+                                        </p:tav>
+                                      </p:tavLst>
+                                    </p:anim>
+                                    <p:anim calcmode="lin" valueType="num">
+                                      <p:cBhvr additive="base">
+                                        <p:cTn id="32" dur="500" fill="hold"/>
+                                        <p:tgtEl>
+                                          <p:spTgt spid="3"/>
+                                        </p:tgtEl>
+                                        <p:attrNameLst>
+                                          <p:attrName>ppt_y</p:attrName>
+                                        </p:attrNameLst>
+                                      </p:cBhvr>
+                                      <p:tavLst>
+                                        <p:tav tm="0">
+                                          <p:val>
+                                            <p:strVal val="#ppt_y"/>
+                                          </p:val>
+                                        </p:tav>
+                                        <p:tav tm="100000">
+                                          <p:val>
+                                            <p:strVal val="#ppt_y"/>
+                                          </p:val>
+                                        </p:tav>
+                                      </p:tavLst>
+                                    </p:anim>
+                                  </p:childTnLst>
+                                </p:cTn>
+                              </p:par>
+                            </p:childTnLst>
+                          </p:cTn>
+                        </p:par>
+                      </p:childTnLst>
+                    </p:cTn>
+                  </p:par>
+                  <p:par>
+                    <p:cTn id="33" fill="hold">
+                      <p:stCondLst>
+                        <p:cond delay="indefinite"/>
+                      </p:stCondLst>
+                      <p:childTnLst>
+                        <p:par>
+                          <p:cTn id="34" fill="hold">
+                            <p:stCondLst>
+                              <p:cond delay="0"/>
+                            </p:stCondLst>
+                            <p:childTnLst>
+                              <p:par>
+                                <p:cTn id="35" presetID="2" presetClass="entr" presetSubtype="2" fill="hold" grpId="0" nodeType="clickEffect">
+                                  <p:stCondLst>
+                                    <p:cond delay="0"/>
+                                  </p:stCondLst>
+                                  <p:childTnLst>
+                                    <p:set>
+                                      <p:cBhvr>
+                                        <p:cTn id="36" dur="1" fill="hold">
+                                          <p:stCondLst>
+                                            <p:cond delay="0"/>
+                                          </p:stCondLst>
+                                        </p:cTn>
+                                        <p:tgtEl>
+                                          <p:spTgt spid="15"/>
+                                        </p:tgtEl>
+                                        <p:attrNameLst>
+                                          <p:attrName>style.visibility</p:attrName>
+                                        </p:attrNameLst>
+                                      </p:cBhvr>
+                                      <p:to>
+                                        <p:strVal val="visible"/>
+                                      </p:to>
+                                    </p:set>
+                                    <p:anim calcmode="lin" valueType="num">
+                                      <p:cBhvr additive="base">
+                                        <p:cTn id="37" dur="500" fill="hold"/>
+                                        <p:tgtEl>
+                                          <p:spTgt spid="15"/>
+                                        </p:tgtEl>
+                                        <p:attrNameLst>
+                                          <p:attrName>ppt_x</p:attrName>
+                                        </p:attrNameLst>
+                                      </p:cBhvr>
+                                      <p:tavLst>
+                                        <p:tav tm="0">
+                                          <p:val>
+                                            <p:strVal val="1+#ppt_w/2"/>
+                                          </p:val>
+                                        </p:tav>
+                                        <p:tav tm="100000">
+                                          <p:val>
+                                            <p:strVal val="#ppt_x"/>
+                                          </p:val>
+                                        </p:tav>
+                                      </p:tavLst>
+                                    </p:anim>
+                                    <p:anim calcmode="lin" valueType="num">
+                                      <p:cBhvr additive="base">
+                                        <p:cTn id="38" dur="500" fill="hold"/>
+                                        <p:tgtEl>
+                                          <p:spTgt spid="15"/>
+                                        </p:tgtEl>
+                                        <p:attrNameLst>
+                                          <p:attrName>ppt_y</p:attrName>
+                                        </p:attrNameLst>
+                                      </p:cBhvr>
+                                      <p:tavLst>
+                                        <p:tav tm="0">
+                                          <p:val>
+                                            <p:strVal val="#ppt_y"/>
+                                          </p:val>
+                                        </p:tav>
+                                        <p:tav tm="100000">
+                                          <p:val>
+                                            <p:strVal val="#ppt_y"/>
+                                          </p:val>
+                                        </p:tav>
+                                      </p:tavLst>
+                                    </p:anim>
+                                  </p:childTnLst>
+                                </p:cTn>
+                              </p:par>
+                            </p:childTnLst>
+                          </p:cTn>
+                        </p:par>
+                      </p:childTnLst>
+                    </p:cTn>
+                  </p:par>
+                  <p:par>
+                    <p:cTn id="39" fill="hold">
+                      <p:stCondLst>
+                        <p:cond delay="indefinite"/>
+                      </p:stCondLst>
+                      <p:childTnLst>
+                        <p:par>
+                          <p:cTn id="40" fill="hold">
+                            <p:stCondLst>
+                              <p:cond delay="0"/>
+                            </p:stCondLst>
+                            <p:childTnLst>
+                              <p:par>
+                                <p:cTn id="41" presetID="2" presetClass="entr" presetSubtype="8" fill="hold" grpId="0" nodeType="clickEffect">
+                                  <p:stCondLst>
+                                    <p:cond delay="0"/>
+                                  </p:stCondLst>
+                                  <p:childTnLst>
+                                    <p:set>
+                                      <p:cBhvr>
+                                        <p:cTn id="42" dur="1" fill="hold">
+                                          <p:stCondLst>
+                                            <p:cond delay="0"/>
+                                          </p:stCondLst>
+                                        </p:cTn>
+                                        <p:tgtEl>
+                                          <p:spTgt spid="12"/>
+                                        </p:tgtEl>
+                                        <p:attrNameLst>
+                                          <p:attrName>style.visibility</p:attrName>
+                                        </p:attrNameLst>
+                                      </p:cBhvr>
+                                      <p:to>
+                                        <p:strVal val="visible"/>
+                                      </p:to>
+                                    </p:set>
+                                    <p:anim calcmode="lin" valueType="num">
+                                      <p:cBhvr additive="base">
+                                        <p:cTn id="43" dur="500" fill="hold"/>
+                                        <p:tgtEl>
+                                          <p:spTgt spid="12"/>
+                                        </p:tgtEl>
+                                        <p:attrNameLst>
+                                          <p:attrName>ppt_x</p:attrName>
+                                        </p:attrNameLst>
+                                      </p:cBhvr>
+                                      <p:tavLst>
+                                        <p:tav tm="0">
+                                          <p:val>
+                                            <p:strVal val="0-#ppt_w/2"/>
+                                          </p:val>
+                                        </p:tav>
+                                        <p:tav tm="100000">
+                                          <p:val>
+                                            <p:strVal val="#ppt_x"/>
+                                          </p:val>
+                                        </p:tav>
+                                      </p:tavLst>
+                                    </p:anim>
+                                    <p:anim calcmode="lin" valueType="num">
+                                      <p:cBhvr additive="base">
+                                        <p:cTn id="44" dur="500" fill="hold"/>
+                                        <p:tgtEl>
+                                          <p:spTgt spid="12"/>
+                                        </p:tgtEl>
+                                        <p:attrNameLst>
+                                          <p:attrName>ppt_y</p:attrName>
+                                        </p:attrNameLst>
+                                      </p:cBhvr>
+                                      <p:tavLst>
+                                        <p:tav tm="0">
+                                          <p:val>
+                                            <p:strVal val="#ppt_y"/>
+                                          </p:val>
+                                        </p:tav>
+                                        <p:tav tm="100000">
+                                          <p:val>
+                                            <p:strVal val="#ppt_y"/>
+                                          </p:val>
+                                        </p:tav>
+                                      </p:tavLst>
+                                    </p:anim>
+                                  </p:childTnLst>
+                                </p:cTn>
+                              </p:par>
+                            </p:childTnLst>
+                          </p:cTn>
+                        </p:par>
+                      </p:childTnLst>
+                    </p:cTn>
+                  </p:par>
+                  <p:par>
+                    <p:cTn id="45" fill="hold">
+                      <p:stCondLst>
+                        <p:cond delay="indefinite"/>
+                      </p:stCondLst>
+                      <p:childTnLst>
+                        <p:par>
+                          <p:cTn id="46" fill="hold">
+                            <p:stCondLst>
+                              <p:cond delay="0"/>
+                            </p:stCondLst>
+                            <p:childTnLst>
+                              <p:par>
+                                <p:cTn id="47" presetID="2" presetClass="entr" presetSubtype="2" fill="hold" grpId="0" nodeType="clickEffect">
+                                  <p:stCondLst>
+                                    <p:cond delay="0"/>
+                                  </p:stCondLst>
+                                  <p:childTnLst>
+                                    <p:set>
+                                      <p:cBhvr>
+                                        <p:cTn id="48" dur="1" fill="hold">
+                                          <p:stCondLst>
+                                            <p:cond delay="0"/>
+                                          </p:stCondLst>
+                                        </p:cTn>
+                                        <p:tgtEl>
+                                          <p:spTgt spid="17"/>
+                                        </p:tgtEl>
+                                        <p:attrNameLst>
+                                          <p:attrName>style.visibility</p:attrName>
+                                        </p:attrNameLst>
+                                      </p:cBhvr>
+                                      <p:to>
+                                        <p:strVal val="visible"/>
+                                      </p:to>
+                                    </p:set>
+                                    <p:anim calcmode="lin" valueType="num">
+                                      <p:cBhvr additive="base">
+                                        <p:cTn id="49" dur="500" fill="hold"/>
+                                        <p:tgtEl>
+                                          <p:spTgt spid="17"/>
+                                        </p:tgtEl>
+                                        <p:attrNameLst>
+                                          <p:attrName>ppt_x</p:attrName>
+                                        </p:attrNameLst>
+                                      </p:cBhvr>
+                                      <p:tavLst>
+                                        <p:tav tm="0">
+                                          <p:val>
+                                            <p:strVal val="1+#ppt_w/2"/>
+                                          </p:val>
+                                        </p:tav>
+                                        <p:tav tm="100000">
+                                          <p:val>
+                                            <p:strVal val="#ppt_x"/>
+                                          </p:val>
+                                        </p:tav>
+                                      </p:tavLst>
+                                    </p:anim>
+                                    <p:anim calcmode="lin" valueType="num">
+                                      <p:cBhvr additive="base">
+                                        <p:cTn id="50" dur="500" fill="hold"/>
+                                        <p:tgtEl>
+                                          <p:spTgt spid="17"/>
+                                        </p:tgtEl>
+                                        <p:attrNameLst>
+                                          <p:attrName>ppt_y</p:attrName>
+                                        </p:attrNameLst>
+                                      </p:cBhvr>
+                                      <p:tavLst>
+                                        <p:tav tm="0">
+                                          <p:val>
+                                            <p:strVal val="#ppt_y"/>
+                                          </p:val>
+                                        </p:tav>
+                                        <p:tav tm="100000">
+                                          <p:val>
+                                            <p:strVal val="#ppt_y"/>
+                                          </p:val>
+                                        </p:tav>
+                                      </p:tavLst>
+                                    </p:anim>
+                                  </p:childTnLst>
+                                </p:cTn>
+                              </p:par>
+                            </p:childTnLst>
+                          </p:cTn>
+                        </p:par>
+                      </p:childTnLst>
+                    </p:cTn>
+                  </p:par>
+                  <p:par>
+                    <p:cTn id="51" fill="hold">
+                      <p:stCondLst>
+                        <p:cond delay="indefinite"/>
+                      </p:stCondLst>
+                      <p:childTnLst>
+                        <p:par>
+                          <p:cTn id="52" fill="hold">
+                            <p:stCondLst>
+                              <p:cond delay="0"/>
+                            </p:stCondLst>
+                            <p:childTnLst>
+                              <p:par>
+                                <p:cTn id="53" presetID="2" presetClass="entr" presetSubtype="8" fill="hold" grpId="0" nodeType="clickEffect">
+                                  <p:stCondLst>
+                                    <p:cond delay="0"/>
+                                  </p:stCondLst>
+                                  <p:childTnLst>
+                                    <p:set>
+                                      <p:cBhvr>
+                                        <p:cTn id="54" dur="1" fill="hold">
+                                          <p:stCondLst>
+                                            <p:cond delay="0"/>
+                                          </p:stCondLst>
+                                        </p:cTn>
+                                        <p:tgtEl>
+                                          <p:spTgt spid="13"/>
+                                        </p:tgtEl>
+                                        <p:attrNameLst>
+                                          <p:attrName>style.visibility</p:attrName>
+                                        </p:attrNameLst>
+                                      </p:cBhvr>
+                                      <p:to>
+                                        <p:strVal val="visible"/>
+                                      </p:to>
+                                    </p:set>
+                                    <p:anim calcmode="lin" valueType="num">
+                                      <p:cBhvr additive="base">
+                                        <p:cTn id="55" dur="500" fill="hold"/>
+                                        <p:tgtEl>
+                                          <p:spTgt spid="13"/>
+                                        </p:tgtEl>
+                                        <p:attrNameLst>
+                                          <p:attrName>ppt_x</p:attrName>
+                                        </p:attrNameLst>
+                                      </p:cBhvr>
+                                      <p:tavLst>
+                                        <p:tav tm="0">
+                                          <p:val>
+                                            <p:strVal val="0-#ppt_w/2"/>
+                                          </p:val>
+                                        </p:tav>
+                                        <p:tav tm="100000">
+                                          <p:val>
+                                            <p:strVal val="#ppt_x"/>
+                                          </p:val>
+                                        </p:tav>
+                                      </p:tavLst>
+                                    </p:anim>
+                                    <p:anim calcmode="lin" valueType="num">
+                                      <p:cBhvr additive="base">
+                                        <p:cTn id="56" dur="500" fill="hold"/>
+                                        <p:tgtEl>
+                                          <p:spTgt spid="13"/>
+                                        </p:tgtEl>
+                                        <p:attrNameLst>
+                                          <p:attrName>ppt_y</p:attrName>
+                                        </p:attrNameLst>
+                                      </p:cBhvr>
+                                      <p:tavLst>
+                                        <p:tav tm="0">
+                                          <p:val>
+                                            <p:strVal val="#ppt_y"/>
+                                          </p:val>
+                                        </p:tav>
+                                        <p:tav tm="100000">
+                                          <p:val>
+                                            <p:strVal val="#ppt_y"/>
+                                          </p:val>
+                                        </p:tav>
+                                      </p:tavLst>
+                                    </p:anim>
+                                  </p:childTnLst>
+                                </p:cTn>
+                              </p:par>
+                            </p:childTnLst>
+                          </p:cTn>
+                        </p:par>
+                      </p:childTnLst>
+                    </p:cTn>
+                  </p:par>
+                  <p:par>
+                    <p:cTn id="57" fill="hold">
+                      <p:stCondLst>
+                        <p:cond delay="indefinite"/>
+                      </p:stCondLst>
+                      <p:childTnLst>
+                        <p:par>
+                          <p:cTn id="58" fill="hold">
+                            <p:stCondLst>
+                              <p:cond delay="0"/>
+                            </p:stCondLst>
+                            <p:childTnLst>
+                              <p:par>
+                                <p:cTn id="59" presetID="2" presetClass="entr" presetSubtype="2" fill="hold" grpId="0" nodeType="clickEffect">
+                                  <p:stCondLst>
+                                    <p:cond delay="0"/>
+                                  </p:stCondLst>
+                                  <p:childTnLst>
+                                    <p:set>
+                                      <p:cBhvr>
+                                        <p:cTn id="60" dur="1" fill="hold">
+                                          <p:stCondLst>
+                                            <p:cond delay="0"/>
+                                          </p:stCondLst>
+                                        </p:cTn>
+                                        <p:tgtEl>
+                                          <p:spTgt spid="18"/>
+                                        </p:tgtEl>
+                                        <p:attrNameLst>
+                                          <p:attrName>style.visibility</p:attrName>
+                                        </p:attrNameLst>
+                                      </p:cBhvr>
+                                      <p:to>
+                                        <p:strVal val="visible"/>
+                                      </p:to>
+                                    </p:set>
+                                    <p:anim calcmode="lin" valueType="num">
+                                      <p:cBhvr additive="base">
+                                        <p:cTn id="61" dur="500" fill="hold"/>
+                                        <p:tgtEl>
+                                          <p:spTgt spid="18"/>
+                                        </p:tgtEl>
+                                        <p:attrNameLst>
+                                          <p:attrName>ppt_x</p:attrName>
+                                        </p:attrNameLst>
+                                      </p:cBhvr>
+                                      <p:tavLst>
+                                        <p:tav tm="0">
+                                          <p:val>
+                                            <p:strVal val="1+#ppt_w/2"/>
+                                          </p:val>
+                                        </p:tav>
+                                        <p:tav tm="100000">
+                                          <p:val>
+                                            <p:strVal val="#ppt_x"/>
+                                          </p:val>
+                                        </p:tav>
+                                      </p:tavLst>
+                                    </p:anim>
+                                    <p:anim calcmode="lin" valueType="num">
+                                      <p:cBhvr additive="base">
+                                        <p:cTn id="62" dur="500" fill="hold"/>
+                                        <p:tgtEl>
+                                          <p:spTgt spid="18"/>
+                                        </p:tgtEl>
+                                        <p:attrNameLst>
+                                          <p:attrName>ppt_y</p:attrName>
+                                        </p:attrNameLst>
+                                      </p:cBhvr>
+                                      <p:tavLst>
+                                        <p:tav tm="0">
+                                          <p:val>
+                                            <p:strVal val="#ppt_y"/>
+                                          </p:val>
+                                        </p:tav>
+                                        <p:tav tm="100000">
+                                          <p:val>
+                                            <p:strVal val="#ppt_y"/>
+                                          </p:val>
+                                        </p:tav>
+                                      </p:tavLst>
+                                    </p:anim>
+                                  </p:childTnLst>
+                                </p:cTn>
+                              </p:par>
+                            </p:childTnLst>
+                          </p:cTn>
+                        </p:par>
+                      </p:childTnLst>
+                    </p:cTn>
+                  </p:par>
+                  <p:par>
+                    <p:cTn id="63" fill="hold">
+                      <p:stCondLst>
+                        <p:cond delay="indefinite"/>
+                      </p:stCondLst>
+                      <p:childTnLst>
+                        <p:par>
+                          <p:cTn id="64" fill="hold">
+                            <p:stCondLst>
+                              <p:cond delay="0"/>
+                            </p:stCondLst>
+                            <p:childTnLst>
+                              <p:par>
+                                <p:cTn id="65" presetID="26" presetClass="entr" presetSubtype="0" fill="hold" grpId="0" nodeType="clickEffect">
+                                  <p:stCondLst>
+                                    <p:cond delay="0"/>
+                                  </p:stCondLst>
+                                  <p:childTnLst>
+                                    <p:set>
+                                      <p:cBhvr>
+                                        <p:cTn id="66" dur="1" fill="hold">
+                                          <p:stCondLst>
+                                            <p:cond delay="0"/>
+                                          </p:stCondLst>
+                                        </p:cTn>
+                                        <p:tgtEl>
+                                          <p:spTgt spid="10">
+                                            <p:txEl>
+                                              <p:pRg st="0" end="0"/>
+                                            </p:txEl>
+                                          </p:spTgt>
+                                        </p:tgtEl>
+                                        <p:attrNameLst>
+                                          <p:attrName>style.visibility</p:attrName>
+                                        </p:attrNameLst>
+                                      </p:cBhvr>
+                                      <p:to>
+                                        <p:strVal val="visible"/>
+                                      </p:to>
+                                    </p:set>
+                                    <p:animEffect transition="in" filter="wipe(down)">
+                                      <p:cBhvr>
+                                        <p:cTn id="67" dur="580">
+                                          <p:stCondLst>
+                                            <p:cond delay="0"/>
+                                          </p:stCondLst>
+                                        </p:cTn>
+                                        <p:tgtEl>
+                                          <p:spTgt spid="10">
+                                            <p:txEl>
+                                              <p:pRg st="0" end="0"/>
+                                            </p:txEl>
+                                          </p:spTgt>
+                                        </p:tgtEl>
+                                      </p:cBhvr>
+                                    </p:animEffect>
+                                    <p:anim calcmode="lin" valueType="num">
+                                      <p:cBhvr>
+                                        <p:cTn id="68" dur="1822" tmFilter="0,0; 0.14,0.36; 0.43,0.73; 0.71,0.91; 1.0,1.0">
+                                          <p:stCondLst>
+                                            <p:cond delay="0"/>
+                                          </p:stCondLst>
+                                        </p:cTn>
+                                        <p:tgtEl>
+                                          <p:spTgt spid="10">
+                                            <p:txEl>
+                                              <p:pRg st="0" end="0"/>
+                                            </p:txEl>
+                                          </p:spTgt>
+                                        </p:tgtEl>
+                                        <p:attrNameLst>
+                                          <p:attrName>ppt_x</p:attrName>
+                                        </p:attrNameLst>
+                                      </p:cBhvr>
+                                      <p:tavLst>
+                                        <p:tav tm="0">
+                                          <p:val>
+                                            <p:strVal val="#ppt_x-0.25"/>
+                                          </p:val>
+                                        </p:tav>
+                                        <p:tav tm="100000">
+                                          <p:val>
+                                            <p:strVal val="#ppt_x"/>
+                                          </p:val>
+                                        </p:tav>
+                                      </p:tavLst>
+                                    </p:anim>
+                                    <p:anim calcmode="lin" valueType="num">
+                                      <p:cBhvr>
+                                        <p:cTn id="69" dur="664" tmFilter="0.0,0.0; 0.25,0.07; 0.50,0.2; 0.75,0.467; 1.0,1.0">
+                                          <p:stCondLst>
+                                            <p:cond delay="0"/>
+                                          </p:stCondLst>
+                                        </p:cTn>
+                                        <p:tgtEl>
+                                          <p:spTgt spid="10">
+                                            <p:txEl>
+                                              <p:pRg st="0" end="0"/>
+                                            </p:txEl>
+                                          </p:spTgt>
+                                        </p:tgtEl>
+                                        <p:attrNameLst>
+                                          <p:attrName>ppt_y</p:attrName>
+                                        </p:attrNameLst>
+                                      </p:cBhvr>
+                                      <p:tavLst>
+                                        <p:tav tm="0" fmla="#ppt_y-sin(pi*$)/3">
+                                          <p:val>
+                                            <p:fltVal val="0.5"/>
+                                          </p:val>
+                                        </p:tav>
+                                        <p:tav tm="100000">
+                                          <p:val>
+                                            <p:fltVal val="1"/>
+                                          </p:val>
+                                        </p:tav>
+                                      </p:tavLst>
+                                    </p:anim>
+                                    <p:anim calcmode="lin" valueType="num">
+                                      <p:cBhvr>
+                                        <p:cTn id="70" dur="664" tmFilter="0, 0; 0.125,0.2665; 0.25,0.4; 0.375,0.465; 0.5,0.5;  0.625,0.535; 0.75,0.6; 0.875,0.7335; 1,1">
+                                          <p:stCondLst>
+                                            <p:cond delay="664"/>
+                                          </p:stCondLst>
+                                        </p:cTn>
+                                        <p:tgtEl>
+                                          <p:spTgt spid="10">
+                                            <p:txEl>
+                                              <p:pRg st="0" end="0"/>
+                                            </p:txEl>
+                                          </p:spTgt>
+                                        </p:tgtEl>
+                                        <p:attrNameLst>
+                                          <p:attrName>ppt_y</p:attrName>
+                                        </p:attrNameLst>
+                                      </p:cBhvr>
+                                      <p:tavLst>
+                                        <p:tav tm="0" fmla="#ppt_y-sin(pi*$)/9">
+                                          <p:val>
+                                            <p:fltVal val="0"/>
+                                          </p:val>
+                                        </p:tav>
+                                        <p:tav tm="100000">
+                                          <p:val>
+                                            <p:fltVal val="1"/>
+                                          </p:val>
+                                        </p:tav>
+                                      </p:tavLst>
+                                    </p:anim>
+                                    <p:anim calcmode="lin" valueType="num">
+                                      <p:cBhvr>
+                                        <p:cTn id="71" dur="332" tmFilter="0, 0; 0.125,0.2665; 0.25,0.4; 0.375,0.465; 0.5,0.5;  0.625,0.535; 0.75,0.6; 0.875,0.7335; 1,1">
+                                          <p:stCondLst>
+                                            <p:cond delay="1324"/>
+                                          </p:stCondLst>
+                                        </p:cTn>
+                                        <p:tgtEl>
+                                          <p:spTgt spid="10">
+                                            <p:txEl>
+                                              <p:pRg st="0" end="0"/>
+                                            </p:txEl>
+                                          </p:spTgt>
+                                        </p:tgtEl>
+                                        <p:attrNameLst>
+                                          <p:attrName>ppt_y</p:attrName>
+                                        </p:attrNameLst>
+                                      </p:cBhvr>
+                                      <p:tavLst>
+                                        <p:tav tm="0" fmla="#ppt_y-sin(pi*$)/27">
+                                          <p:val>
+                                            <p:fltVal val="0"/>
+                                          </p:val>
+                                        </p:tav>
+                                        <p:tav tm="100000">
+                                          <p:val>
+                                            <p:fltVal val="1"/>
+                                          </p:val>
+                                        </p:tav>
+                                      </p:tavLst>
+                                    </p:anim>
+                                    <p:anim calcmode="lin" valueType="num">
+                                      <p:cBhvr>
+                                        <p:cTn id="72" dur="164" tmFilter="0, 0; 0.125,0.2665; 0.25,0.4; 0.375,0.465; 0.5,0.5;  0.625,0.535; 0.75,0.6; 0.875,0.7335; 1,1">
+                                          <p:stCondLst>
+                                            <p:cond delay="1656"/>
+                                          </p:stCondLst>
+                                        </p:cTn>
+                                        <p:tgtEl>
+                                          <p:spTgt spid="10">
+                                            <p:txEl>
+                                              <p:pRg st="0" end="0"/>
+                                            </p:txEl>
+                                          </p:spTgt>
+                                        </p:tgtEl>
+                                        <p:attrNameLst>
+                                          <p:attrName>ppt_y</p:attrName>
+                                        </p:attrNameLst>
+                                      </p:cBhvr>
+                                      <p:tavLst>
+                                        <p:tav tm="0" fmla="#ppt_y-sin(pi*$)/81">
+                                          <p:val>
+                                            <p:fltVal val="0"/>
+                                          </p:val>
+                                        </p:tav>
+                                        <p:tav tm="100000">
+                                          <p:val>
+                                            <p:fltVal val="1"/>
+                                          </p:val>
+                                        </p:tav>
+                                      </p:tavLst>
+                                    </p:anim>
+                                    <p:animScale>
+                                      <p:cBhvr>
+                                        <p:cTn id="73" dur="26">
+                                          <p:stCondLst>
+                                            <p:cond delay="650"/>
+                                          </p:stCondLst>
+                                        </p:cTn>
+                                        <p:tgtEl>
+                                          <p:spTgt spid="10">
+                                            <p:txEl>
+                                              <p:pRg st="0" end="0"/>
+                                            </p:txEl>
+                                          </p:spTgt>
+                                        </p:tgtEl>
+                                      </p:cBhvr>
+                                      <p:to x="100000" y="60000"/>
+                                    </p:animScale>
+                                    <p:animScale>
+                                      <p:cBhvr>
+                                        <p:cTn id="74" dur="166" decel="50000">
+                                          <p:stCondLst>
+                                            <p:cond delay="676"/>
+                                          </p:stCondLst>
+                                        </p:cTn>
+                                        <p:tgtEl>
+                                          <p:spTgt spid="10">
+                                            <p:txEl>
+                                              <p:pRg st="0" end="0"/>
+                                            </p:txEl>
+                                          </p:spTgt>
+                                        </p:tgtEl>
+                                      </p:cBhvr>
+                                      <p:to x="100000" y="100000"/>
+                                    </p:animScale>
+                                    <p:animScale>
+                                      <p:cBhvr>
+                                        <p:cTn id="75" dur="26">
+                                          <p:stCondLst>
+                                            <p:cond delay="1312"/>
+                                          </p:stCondLst>
+                                        </p:cTn>
+                                        <p:tgtEl>
+                                          <p:spTgt spid="10">
+                                            <p:txEl>
+                                              <p:pRg st="0" end="0"/>
+                                            </p:txEl>
+                                          </p:spTgt>
+                                        </p:tgtEl>
+                                      </p:cBhvr>
+                                      <p:to x="100000" y="80000"/>
+                                    </p:animScale>
+                                    <p:animScale>
+                                      <p:cBhvr>
+                                        <p:cTn id="76" dur="166" decel="50000">
+                                          <p:stCondLst>
+                                            <p:cond delay="1338"/>
+                                          </p:stCondLst>
+                                        </p:cTn>
+                                        <p:tgtEl>
+                                          <p:spTgt spid="10">
+                                            <p:txEl>
+                                              <p:pRg st="0" end="0"/>
+                                            </p:txEl>
+                                          </p:spTgt>
+                                        </p:tgtEl>
+                                      </p:cBhvr>
+                                      <p:to x="100000" y="100000"/>
+                                    </p:animScale>
+                                    <p:animScale>
+                                      <p:cBhvr>
+                                        <p:cTn id="77" dur="26">
+                                          <p:stCondLst>
+                                            <p:cond delay="1642"/>
+                                          </p:stCondLst>
+                                        </p:cTn>
+                                        <p:tgtEl>
+                                          <p:spTgt spid="10">
+                                            <p:txEl>
+                                              <p:pRg st="0" end="0"/>
+                                            </p:txEl>
+                                          </p:spTgt>
+                                        </p:tgtEl>
+                                      </p:cBhvr>
+                                      <p:to x="100000" y="90000"/>
+                                    </p:animScale>
+                                    <p:animScale>
+                                      <p:cBhvr>
+                                        <p:cTn id="78" dur="166" decel="50000">
+                                          <p:stCondLst>
+                                            <p:cond delay="1668"/>
+                                          </p:stCondLst>
+                                        </p:cTn>
+                                        <p:tgtEl>
+                                          <p:spTgt spid="10">
+                                            <p:txEl>
+                                              <p:pRg st="0" end="0"/>
+                                            </p:txEl>
+                                          </p:spTgt>
+                                        </p:tgtEl>
+                                      </p:cBhvr>
+                                      <p:to x="100000" y="100000"/>
+                                    </p:animScale>
+                                    <p:animScale>
+                                      <p:cBhvr>
+                                        <p:cTn id="79" dur="26">
+                                          <p:stCondLst>
+                                            <p:cond delay="1808"/>
+                                          </p:stCondLst>
+                                        </p:cTn>
+                                        <p:tgtEl>
+                                          <p:spTgt spid="10">
+                                            <p:txEl>
+                                              <p:pRg st="0" end="0"/>
+                                            </p:txEl>
+                                          </p:spTgt>
+                                        </p:tgtEl>
+                                      </p:cBhvr>
+                                      <p:to x="100000" y="95000"/>
+                                    </p:animScale>
+                                    <p:animScale>
+                                      <p:cBhvr>
+                                        <p:cTn id="80" dur="166" decel="50000">
+                                          <p:stCondLst>
+                                            <p:cond delay="1834"/>
+                                          </p:stCondLst>
+                                        </p:cTn>
+                                        <p:tgtEl>
+                                          <p:spTgt spid="10">
+                                            <p:txEl>
+                                              <p:pRg st="0" end="0"/>
+                                            </p:txEl>
+                                          </p:spTgt>
+                                        </p:tgtEl>
+                                      </p:cBhvr>
+                                      <p:to x="100000" y="100000"/>
+                                    </p:animScale>
+                                  </p:childTnLst>
+                                </p:cTn>
+                              </p:par>
+                            </p:childTnLst>
+                          </p:cTn>
+                        </p:par>
+                      </p:childTnLst>
+                    </p:cTn>
+                  </p:par>
+                  <p:par>
+                    <p:cTn id="81" fill="hold">
+                      <p:stCondLst>
+                        <p:cond delay="indefinite"/>
+                      </p:stCondLst>
+                      <p:childTnLst>
+                        <p:par>
+                          <p:cTn id="82" fill="hold">
+                            <p:stCondLst>
+                              <p:cond delay="0"/>
+                            </p:stCondLst>
+                            <p:childTnLst>
+                              <p:par>
+                                <p:cTn id="83" presetID="26" presetClass="entr" presetSubtype="0" fill="hold" grpId="0" nodeType="clickEffect">
+                                  <p:stCondLst>
+                                    <p:cond delay="0"/>
+                                  </p:stCondLst>
+                                  <p:childTnLst>
+                                    <p:set>
+                                      <p:cBhvr>
+                                        <p:cTn id="84" dur="1" fill="hold">
+                                          <p:stCondLst>
+                                            <p:cond delay="0"/>
+                                          </p:stCondLst>
+                                        </p:cTn>
+                                        <p:tgtEl>
+                                          <p:spTgt spid="10">
+                                            <p:txEl>
+                                              <p:pRg st="2" end="2"/>
+                                            </p:txEl>
+                                          </p:spTgt>
+                                        </p:tgtEl>
+                                        <p:attrNameLst>
+                                          <p:attrName>style.visibility</p:attrName>
+                                        </p:attrNameLst>
+                                      </p:cBhvr>
+                                      <p:to>
+                                        <p:strVal val="visible"/>
+                                      </p:to>
+                                    </p:set>
+                                    <p:animEffect transition="in" filter="wipe(down)">
+                                      <p:cBhvr>
+                                        <p:cTn id="85" dur="580">
+                                          <p:stCondLst>
+                                            <p:cond delay="0"/>
+                                          </p:stCondLst>
+                                        </p:cTn>
+                                        <p:tgtEl>
+                                          <p:spTgt spid="10">
+                                            <p:txEl>
+                                              <p:pRg st="2" end="2"/>
+                                            </p:txEl>
+                                          </p:spTgt>
+                                        </p:tgtEl>
+                                      </p:cBhvr>
+                                    </p:animEffect>
+                                    <p:anim calcmode="lin" valueType="num">
+                                      <p:cBhvr>
+                                        <p:cTn id="86" dur="1822" tmFilter="0,0; 0.14,0.36; 0.43,0.73; 0.71,0.91; 1.0,1.0">
+                                          <p:stCondLst>
+                                            <p:cond delay="0"/>
+                                          </p:stCondLst>
+                                        </p:cTn>
+                                        <p:tgtEl>
+                                          <p:spTgt spid="10">
+                                            <p:txEl>
+                                              <p:pRg st="2" end="2"/>
+                                            </p:txEl>
+                                          </p:spTgt>
+                                        </p:tgtEl>
+                                        <p:attrNameLst>
+                                          <p:attrName>ppt_x</p:attrName>
+                                        </p:attrNameLst>
+                                      </p:cBhvr>
+                                      <p:tavLst>
+                                        <p:tav tm="0">
+                                          <p:val>
+                                            <p:strVal val="#ppt_x-0.25"/>
+                                          </p:val>
+                                        </p:tav>
+                                        <p:tav tm="100000">
+                                          <p:val>
+                                            <p:strVal val="#ppt_x"/>
+                                          </p:val>
+                                        </p:tav>
+                                      </p:tavLst>
+                                    </p:anim>
+                                    <p:anim calcmode="lin" valueType="num">
+                                      <p:cBhvr>
+                                        <p:cTn id="87" dur="664" tmFilter="0.0,0.0; 0.25,0.07; 0.50,0.2; 0.75,0.467; 1.0,1.0">
+                                          <p:stCondLst>
+                                            <p:cond delay="0"/>
+                                          </p:stCondLst>
+                                        </p:cTn>
+                                        <p:tgtEl>
+                                          <p:spTgt spid="10">
+                                            <p:txEl>
+                                              <p:pRg st="2" end="2"/>
+                                            </p:txEl>
+                                          </p:spTgt>
+                                        </p:tgtEl>
+                                        <p:attrNameLst>
+                                          <p:attrName>ppt_y</p:attrName>
+                                        </p:attrNameLst>
+                                      </p:cBhvr>
+                                      <p:tavLst>
+                                        <p:tav tm="0" fmla="#ppt_y-sin(pi*$)/3">
+                                          <p:val>
+                                            <p:fltVal val="0.5"/>
+                                          </p:val>
+                                        </p:tav>
+                                        <p:tav tm="100000">
+                                          <p:val>
+                                            <p:fltVal val="1"/>
+                                          </p:val>
+                                        </p:tav>
+                                      </p:tavLst>
+                                    </p:anim>
+                                    <p:anim calcmode="lin" valueType="num">
+                                      <p:cBhvr>
+                                        <p:cTn id="88" dur="664" tmFilter="0, 0; 0.125,0.2665; 0.25,0.4; 0.375,0.465; 0.5,0.5;  0.625,0.535; 0.75,0.6; 0.875,0.7335; 1,1">
+                                          <p:stCondLst>
+                                            <p:cond delay="664"/>
+                                          </p:stCondLst>
+                                        </p:cTn>
+                                        <p:tgtEl>
+                                          <p:spTgt spid="10">
+                                            <p:txEl>
+                                              <p:pRg st="2" end="2"/>
+                                            </p:txEl>
+                                          </p:spTgt>
+                                        </p:tgtEl>
+                                        <p:attrNameLst>
+                                          <p:attrName>ppt_y</p:attrName>
+                                        </p:attrNameLst>
+                                      </p:cBhvr>
+                                      <p:tavLst>
+                                        <p:tav tm="0" fmla="#ppt_y-sin(pi*$)/9">
+                                          <p:val>
+                                            <p:fltVal val="0"/>
+                                          </p:val>
+                                        </p:tav>
+                                        <p:tav tm="100000">
+                                          <p:val>
+                                            <p:fltVal val="1"/>
+                                          </p:val>
+                                        </p:tav>
+                                      </p:tavLst>
+                                    </p:anim>
+                                    <p:anim calcmode="lin" valueType="num">
+                                      <p:cBhvr>
+                                        <p:cTn id="89" dur="332" tmFilter="0, 0; 0.125,0.2665; 0.25,0.4; 0.375,0.465; 0.5,0.5;  0.625,0.535; 0.75,0.6; 0.875,0.7335; 1,1">
+                                          <p:stCondLst>
+                                            <p:cond delay="1324"/>
+                                          </p:stCondLst>
+                                        </p:cTn>
+                                        <p:tgtEl>
+                                          <p:spTgt spid="10">
+                                            <p:txEl>
+                                              <p:pRg st="2" end="2"/>
+                                            </p:txEl>
+                                          </p:spTgt>
+                                        </p:tgtEl>
+                                        <p:attrNameLst>
+                                          <p:attrName>ppt_y</p:attrName>
+                                        </p:attrNameLst>
+                                      </p:cBhvr>
+                                      <p:tavLst>
+                                        <p:tav tm="0" fmla="#ppt_y-sin(pi*$)/27">
+                                          <p:val>
+                                            <p:fltVal val="0"/>
+                                          </p:val>
+                                        </p:tav>
+                                        <p:tav tm="100000">
+                                          <p:val>
+                                            <p:fltVal val="1"/>
+                                          </p:val>
+                                        </p:tav>
+                                      </p:tavLst>
+                                    </p:anim>
+                                    <p:anim calcmode="lin" valueType="num">
+                                      <p:cBhvr>
+                                        <p:cTn id="90" dur="164" tmFilter="0, 0; 0.125,0.2665; 0.25,0.4; 0.375,0.465; 0.5,0.5;  0.625,0.535; 0.75,0.6; 0.875,0.7335; 1,1">
+                                          <p:stCondLst>
+                                            <p:cond delay="1656"/>
+                                          </p:stCondLst>
+                                        </p:cTn>
+                                        <p:tgtEl>
+                                          <p:spTgt spid="10">
+                                            <p:txEl>
+                                              <p:pRg st="2" end="2"/>
+                                            </p:txEl>
+                                          </p:spTgt>
+                                        </p:tgtEl>
+                                        <p:attrNameLst>
+                                          <p:attrName>ppt_y</p:attrName>
+                                        </p:attrNameLst>
+                                      </p:cBhvr>
+                                      <p:tavLst>
+                                        <p:tav tm="0" fmla="#ppt_y-sin(pi*$)/81">
+                                          <p:val>
+                                            <p:fltVal val="0"/>
+                                          </p:val>
+                                        </p:tav>
+                                        <p:tav tm="100000">
+                                          <p:val>
+                                            <p:fltVal val="1"/>
+                                          </p:val>
+                                        </p:tav>
+                                      </p:tavLst>
+                                    </p:anim>
+                                    <p:animScale>
+                                      <p:cBhvr>
+                                        <p:cTn id="91" dur="26">
+                                          <p:stCondLst>
+                                            <p:cond delay="650"/>
+                                          </p:stCondLst>
+                                        </p:cTn>
+                                        <p:tgtEl>
+                                          <p:spTgt spid="10">
+                                            <p:txEl>
+                                              <p:pRg st="2" end="2"/>
+                                            </p:txEl>
+                                          </p:spTgt>
+                                        </p:tgtEl>
+                                      </p:cBhvr>
+                                      <p:to x="100000" y="60000"/>
+                                    </p:animScale>
+                                    <p:animScale>
+                                      <p:cBhvr>
+                                        <p:cTn id="92" dur="166" decel="50000">
+                                          <p:stCondLst>
+                                            <p:cond delay="676"/>
+                                          </p:stCondLst>
+                                        </p:cTn>
+                                        <p:tgtEl>
+                                          <p:spTgt spid="10">
+                                            <p:txEl>
+                                              <p:pRg st="2" end="2"/>
+                                            </p:txEl>
+                                          </p:spTgt>
+                                        </p:tgtEl>
+                                      </p:cBhvr>
+                                      <p:to x="100000" y="100000"/>
+                                    </p:animScale>
+                                    <p:animScale>
+                                      <p:cBhvr>
+                                        <p:cTn id="93" dur="26">
+                                          <p:stCondLst>
+                                            <p:cond delay="1312"/>
+                                          </p:stCondLst>
+                                        </p:cTn>
+                                        <p:tgtEl>
+                                          <p:spTgt spid="10">
+                                            <p:txEl>
+                                              <p:pRg st="2" end="2"/>
+                                            </p:txEl>
+                                          </p:spTgt>
+                                        </p:tgtEl>
+                                      </p:cBhvr>
+                                      <p:to x="100000" y="80000"/>
+                                    </p:animScale>
+                                    <p:animScale>
+                                      <p:cBhvr>
+                                        <p:cTn id="94" dur="166" decel="50000">
+                                          <p:stCondLst>
+                                            <p:cond delay="1338"/>
+                                          </p:stCondLst>
+                                        </p:cTn>
+                                        <p:tgtEl>
+                                          <p:spTgt spid="10">
+                                            <p:txEl>
+                                              <p:pRg st="2" end="2"/>
+                                            </p:txEl>
+                                          </p:spTgt>
+                                        </p:tgtEl>
+                                      </p:cBhvr>
+                                      <p:to x="100000" y="100000"/>
+                                    </p:animScale>
+                                    <p:animScale>
+                                      <p:cBhvr>
+                                        <p:cTn id="95" dur="26">
+                                          <p:stCondLst>
+                                            <p:cond delay="1642"/>
+                                          </p:stCondLst>
+                                        </p:cTn>
+                                        <p:tgtEl>
+                                          <p:spTgt spid="10">
+                                            <p:txEl>
+                                              <p:pRg st="2" end="2"/>
+                                            </p:txEl>
+                                          </p:spTgt>
+                                        </p:tgtEl>
+                                      </p:cBhvr>
+                                      <p:to x="100000" y="90000"/>
+                                    </p:animScale>
+                                    <p:animScale>
+                                      <p:cBhvr>
+                                        <p:cTn id="96" dur="166" decel="50000">
+                                          <p:stCondLst>
+                                            <p:cond delay="1668"/>
+                                          </p:stCondLst>
+                                        </p:cTn>
+                                        <p:tgtEl>
+                                          <p:spTgt spid="10">
+                                            <p:txEl>
+                                              <p:pRg st="2" end="2"/>
+                                            </p:txEl>
+                                          </p:spTgt>
+                                        </p:tgtEl>
+                                      </p:cBhvr>
+                                      <p:to x="100000" y="100000"/>
+                                    </p:animScale>
+                                    <p:animScale>
+                                      <p:cBhvr>
+                                        <p:cTn id="97" dur="26">
+                                          <p:stCondLst>
+                                            <p:cond delay="1808"/>
+                                          </p:stCondLst>
+                                        </p:cTn>
+                                        <p:tgtEl>
+                                          <p:spTgt spid="10">
+                                            <p:txEl>
+                                              <p:pRg st="2" end="2"/>
+                                            </p:txEl>
+                                          </p:spTgt>
+                                        </p:tgtEl>
+                                      </p:cBhvr>
+                                      <p:to x="100000" y="95000"/>
+                                    </p:animScale>
+                                    <p:animScale>
+                                      <p:cBhvr>
+                                        <p:cTn id="98" dur="166" decel="50000">
+                                          <p:stCondLst>
+                                            <p:cond delay="1834"/>
+                                          </p:stCondLst>
+                                        </p:cTn>
+                                        <p:tgtEl>
+                                          <p:spTgt spid="10">
+                                            <p:txEl>
+                                              <p:pRg st="2" end="2"/>
+                                            </p:txEl>
+                                          </p:spTgt>
+                                        </p:tgtEl>
+                                      </p:cBhvr>
+                                      <p:to x="100000" y="100000"/>
+                                    </p:animScale>
+                                  </p:childTnLst>
+                                </p:cTn>
+                              </p:par>
+                            </p:childTnLst>
+                          </p:cTn>
+                        </p:par>
+                      </p:childTnLst>
+                    </p:cTn>
+                  </p:par>
+                  <p:par>
+                    <p:cTn id="99" fill="hold">
+                      <p:stCondLst>
+                        <p:cond delay="indefinite"/>
+                      </p:stCondLst>
+                      <p:childTnLst>
+                        <p:par>
+                          <p:cTn id="100" fill="hold">
+                            <p:stCondLst>
+                              <p:cond delay="0"/>
+                            </p:stCondLst>
+                            <p:childTnLst>
+                              <p:par>
+                                <p:cTn id="101" presetID="26" presetClass="entr" presetSubtype="0" fill="hold" grpId="0" nodeType="clickEffect">
+                                  <p:stCondLst>
+                                    <p:cond delay="0"/>
+                                  </p:stCondLst>
+                                  <p:childTnLst>
+                                    <p:set>
+                                      <p:cBhvr>
+                                        <p:cTn id="102" dur="1" fill="hold">
+                                          <p:stCondLst>
+                                            <p:cond delay="0"/>
+                                          </p:stCondLst>
+                                        </p:cTn>
+                                        <p:tgtEl>
+                                          <p:spTgt spid="10">
+                                            <p:txEl>
+                                              <p:pRg st="4" end="4"/>
+                                            </p:txEl>
+                                          </p:spTgt>
+                                        </p:tgtEl>
+                                        <p:attrNameLst>
+                                          <p:attrName>style.visibility</p:attrName>
+                                        </p:attrNameLst>
+                                      </p:cBhvr>
+                                      <p:to>
+                                        <p:strVal val="visible"/>
+                                      </p:to>
+                                    </p:set>
+                                    <p:animEffect transition="in" filter="wipe(down)">
+                                      <p:cBhvr>
+                                        <p:cTn id="103" dur="580">
+                                          <p:stCondLst>
+                                            <p:cond delay="0"/>
+                                          </p:stCondLst>
+                                        </p:cTn>
+                                        <p:tgtEl>
+                                          <p:spTgt spid="10">
+                                            <p:txEl>
+                                              <p:pRg st="4" end="4"/>
+                                            </p:txEl>
+                                          </p:spTgt>
+                                        </p:tgtEl>
+                                      </p:cBhvr>
+                                    </p:animEffect>
+                                    <p:anim calcmode="lin" valueType="num">
+                                      <p:cBhvr>
+                                        <p:cTn id="104" dur="1822" tmFilter="0,0; 0.14,0.36; 0.43,0.73; 0.71,0.91; 1.0,1.0">
+                                          <p:stCondLst>
+                                            <p:cond delay="0"/>
+                                          </p:stCondLst>
+                                        </p:cTn>
+                                        <p:tgtEl>
+                                          <p:spTgt spid="10">
+                                            <p:txEl>
+                                              <p:pRg st="4" end="4"/>
+                                            </p:txEl>
+                                          </p:spTgt>
+                                        </p:tgtEl>
+                                        <p:attrNameLst>
+                                          <p:attrName>ppt_x</p:attrName>
+                                        </p:attrNameLst>
+                                      </p:cBhvr>
+                                      <p:tavLst>
+                                        <p:tav tm="0">
+                                          <p:val>
+                                            <p:strVal val="#ppt_x-0.25"/>
+                                          </p:val>
+                                        </p:tav>
+                                        <p:tav tm="100000">
+                                          <p:val>
+                                            <p:strVal val="#ppt_x"/>
+                                          </p:val>
+                                        </p:tav>
+                                      </p:tavLst>
+                                    </p:anim>
+                                    <p:anim calcmode="lin" valueType="num">
+                                      <p:cBhvr>
+                                        <p:cTn id="105" dur="664" tmFilter="0.0,0.0; 0.25,0.07; 0.50,0.2; 0.75,0.467; 1.0,1.0">
+                                          <p:stCondLst>
+                                            <p:cond delay="0"/>
+                                          </p:stCondLst>
+                                        </p:cTn>
+                                        <p:tgtEl>
+                                          <p:spTgt spid="10">
+                                            <p:txEl>
+                                              <p:pRg st="4" end="4"/>
+                                            </p:txEl>
+                                          </p:spTgt>
+                                        </p:tgtEl>
+                                        <p:attrNameLst>
+                                          <p:attrName>ppt_y</p:attrName>
+                                        </p:attrNameLst>
+                                      </p:cBhvr>
+                                      <p:tavLst>
+                                        <p:tav tm="0" fmla="#ppt_y-sin(pi*$)/3">
+                                          <p:val>
+                                            <p:fltVal val="0.5"/>
+                                          </p:val>
+                                        </p:tav>
+                                        <p:tav tm="100000">
+                                          <p:val>
+                                            <p:fltVal val="1"/>
+                                          </p:val>
+                                        </p:tav>
+                                      </p:tavLst>
+                                    </p:anim>
+                                    <p:anim calcmode="lin" valueType="num">
+                                      <p:cBhvr>
+                                        <p:cTn id="106" dur="664" tmFilter="0, 0; 0.125,0.2665; 0.25,0.4; 0.375,0.465; 0.5,0.5;  0.625,0.535; 0.75,0.6; 0.875,0.7335; 1,1">
+                                          <p:stCondLst>
+                                            <p:cond delay="664"/>
+                                          </p:stCondLst>
+                                        </p:cTn>
+                                        <p:tgtEl>
+                                          <p:spTgt spid="10">
+                                            <p:txEl>
+                                              <p:pRg st="4" end="4"/>
+                                            </p:txEl>
+                                          </p:spTgt>
+                                        </p:tgtEl>
+                                        <p:attrNameLst>
+                                          <p:attrName>ppt_y</p:attrName>
+                                        </p:attrNameLst>
+                                      </p:cBhvr>
+                                      <p:tavLst>
+                                        <p:tav tm="0" fmla="#ppt_y-sin(pi*$)/9">
+                                          <p:val>
+                                            <p:fltVal val="0"/>
+                                          </p:val>
+                                        </p:tav>
+                                        <p:tav tm="100000">
+                                          <p:val>
+                                            <p:fltVal val="1"/>
+                                          </p:val>
+                                        </p:tav>
+                                      </p:tavLst>
+                                    </p:anim>
+                                    <p:anim calcmode="lin" valueType="num">
+                                      <p:cBhvr>
+                                        <p:cTn id="107" dur="332" tmFilter="0, 0; 0.125,0.2665; 0.25,0.4; 0.375,0.465; 0.5,0.5;  0.625,0.535; 0.75,0.6; 0.875,0.7335; 1,1">
+                                          <p:stCondLst>
+                                            <p:cond delay="1324"/>
+                                          </p:stCondLst>
+                                        </p:cTn>
+                                        <p:tgtEl>
+                                          <p:spTgt spid="10">
+                                            <p:txEl>
+                                              <p:pRg st="4" end="4"/>
+                                            </p:txEl>
+                                          </p:spTgt>
+                                        </p:tgtEl>
+                                        <p:attrNameLst>
+                                          <p:attrName>ppt_y</p:attrName>
+                                        </p:attrNameLst>
+                                      </p:cBhvr>
+                                      <p:tavLst>
+                                        <p:tav tm="0" fmla="#ppt_y-sin(pi*$)/27">
+                                          <p:val>
+                                            <p:fltVal val="0"/>
+                                          </p:val>
+                                        </p:tav>
+                                        <p:tav tm="100000">
+                                          <p:val>
+                                            <p:fltVal val="1"/>
+                                          </p:val>
+                                        </p:tav>
+                                      </p:tavLst>
+                                    </p:anim>
+                                    <p:anim calcmode="lin" valueType="num">
+                                      <p:cBhvr>
+                                        <p:cTn id="108" dur="164" tmFilter="0, 0; 0.125,0.2665; 0.25,0.4; 0.375,0.465; 0.5,0.5;  0.625,0.535; 0.75,0.6; 0.875,0.7335; 1,1">
+                                          <p:stCondLst>
+                                            <p:cond delay="1656"/>
+                                          </p:stCondLst>
+                                        </p:cTn>
+                                        <p:tgtEl>
+                                          <p:spTgt spid="10">
+                                            <p:txEl>
+                                              <p:pRg st="4" end="4"/>
+                                            </p:txEl>
+                                          </p:spTgt>
+                                        </p:tgtEl>
+                                        <p:attrNameLst>
+                                          <p:attrName>ppt_y</p:attrName>
+                                        </p:attrNameLst>
+                                      </p:cBhvr>
+                                      <p:tavLst>
+                                        <p:tav tm="0" fmla="#ppt_y-sin(pi*$)/81">
+                                          <p:val>
+                                            <p:fltVal val="0"/>
+                                          </p:val>
+                                        </p:tav>
+                                        <p:tav tm="100000">
+                                          <p:val>
+                                            <p:fltVal val="1"/>
+                                          </p:val>
+                                        </p:tav>
+                                      </p:tavLst>
+                                    </p:anim>
+                                    <p:animScale>
+                                      <p:cBhvr>
+                                        <p:cTn id="109" dur="26">
+                                          <p:stCondLst>
+                                            <p:cond delay="650"/>
+                                          </p:stCondLst>
+                                        </p:cTn>
+                                        <p:tgtEl>
+                                          <p:spTgt spid="10">
+                                            <p:txEl>
+                                              <p:pRg st="4" end="4"/>
+                                            </p:txEl>
+                                          </p:spTgt>
+                                        </p:tgtEl>
+                                      </p:cBhvr>
+                                      <p:to x="100000" y="60000"/>
+                                    </p:animScale>
+                                    <p:animScale>
+                                      <p:cBhvr>
+                                        <p:cTn id="110" dur="166" decel="50000">
+                                          <p:stCondLst>
+                                            <p:cond delay="676"/>
+                                          </p:stCondLst>
+                                        </p:cTn>
+                                        <p:tgtEl>
+                                          <p:spTgt spid="10">
+                                            <p:txEl>
+                                              <p:pRg st="4" end="4"/>
+                                            </p:txEl>
+                                          </p:spTgt>
+                                        </p:tgtEl>
+                                      </p:cBhvr>
+                                      <p:to x="100000" y="100000"/>
+                                    </p:animScale>
+                                    <p:animScale>
+                                      <p:cBhvr>
+                                        <p:cTn id="111" dur="26">
+                                          <p:stCondLst>
+                                            <p:cond delay="1312"/>
+                                          </p:stCondLst>
+                                        </p:cTn>
+                                        <p:tgtEl>
+                                          <p:spTgt spid="10">
+                                            <p:txEl>
+                                              <p:pRg st="4" end="4"/>
+                                            </p:txEl>
+                                          </p:spTgt>
+                                        </p:tgtEl>
+                                      </p:cBhvr>
+                                      <p:to x="100000" y="80000"/>
+                                    </p:animScale>
+                                    <p:animScale>
+                                      <p:cBhvr>
+                                        <p:cTn id="112" dur="166" decel="50000">
+                                          <p:stCondLst>
+                                            <p:cond delay="1338"/>
+                                          </p:stCondLst>
+                                        </p:cTn>
+                                        <p:tgtEl>
+                                          <p:spTgt spid="10">
+                                            <p:txEl>
+                                              <p:pRg st="4" end="4"/>
+                                            </p:txEl>
+                                          </p:spTgt>
+                                        </p:tgtEl>
+                                      </p:cBhvr>
+                                      <p:to x="100000" y="100000"/>
+                                    </p:animScale>
+                                    <p:animScale>
+                                      <p:cBhvr>
+                                        <p:cTn id="113" dur="26">
+                                          <p:stCondLst>
+                                            <p:cond delay="1642"/>
+                                          </p:stCondLst>
+                                        </p:cTn>
+                                        <p:tgtEl>
+                                          <p:spTgt spid="10">
+                                            <p:txEl>
+                                              <p:pRg st="4" end="4"/>
+                                            </p:txEl>
+                                          </p:spTgt>
+                                        </p:tgtEl>
+                                      </p:cBhvr>
+                                      <p:to x="100000" y="90000"/>
+                                    </p:animScale>
+                                    <p:animScale>
+                                      <p:cBhvr>
+                                        <p:cTn id="114" dur="166" decel="50000">
+                                          <p:stCondLst>
+                                            <p:cond delay="1668"/>
+                                          </p:stCondLst>
+                                        </p:cTn>
+                                        <p:tgtEl>
+                                          <p:spTgt spid="10">
+                                            <p:txEl>
+                                              <p:pRg st="4" end="4"/>
+                                            </p:txEl>
+                                          </p:spTgt>
+                                        </p:tgtEl>
+                                      </p:cBhvr>
+                                      <p:to x="100000" y="100000"/>
+                                    </p:animScale>
+                                    <p:animScale>
+                                      <p:cBhvr>
+                                        <p:cTn id="115" dur="26">
+                                          <p:stCondLst>
+                                            <p:cond delay="1808"/>
+                                          </p:stCondLst>
+                                        </p:cTn>
+                                        <p:tgtEl>
+                                          <p:spTgt spid="10">
+                                            <p:txEl>
+                                              <p:pRg st="4" end="4"/>
+                                            </p:txEl>
+                                          </p:spTgt>
+                                        </p:tgtEl>
+                                      </p:cBhvr>
+                                      <p:to x="100000" y="95000"/>
+                                    </p:animScale>
+                                    <p:animScale>
+                                      <p:cBhvr>
+                                        <p:cTn id="116" dur="166" decel="50000">
+                                          <p:stCondLst>
+                                            <p:cond delay="1834"/>
+                                          </p:stCondLst>
+                                        </p:cTn>
+                                        <p:tgtEl>
+                                          <p:spTgt spid="10">
+                                            <p:txEl>
+                                              <p:pRg st="4" end="4"/>
+                                            </p:txEl>
+                                          </p:spTgt>
+                                        </p:tgtEl>
+                                      </p:cBhvr>
+                                      <p:to x="100000" y="100000"/>
+                                    </p:animScale>
+                                  </p:childTnLst>
+                                </p:cTn>
+                              </p:par>
+                            </p:childTnLst>
+                          </p:cTn>
+                        </p:par>
+                      </p:childTnLst>
+                    </p:cTn>
+                  </p:par>
+                </p:childTnLst>
+              </p:cTn>
+              <p:prevCondLst>
+                <p:cond evt="onPrev" delay="0">
+                  <p:tgtEl>
+                    <p:sldTgt/>
+                  </p:tgtEl>
+                </p:cond>
+              </p:prevCondLst>
+              <p:nextCondLst>
+                <p:cond evt="onNext" delay="0">
+                  <p:tgtEl>
+                    <p:sldTgt/>
+                  </p:tgtEl>
+                </p:cond>
+              </p:nextCondLst>
+            </p:seq>
+          </p:childTnLst>
+        </p:cTn>
+      </p:par>
+    </p:tnLst>
+    <p:bldLst>
+      <p:bldP spid="8" grpId="0"/>
+      <p:bldP spid="9" grpId="0"/>
+      <p:bldP spid="10" grpId="0" build="p"/>
+      <p:bldP spid="3" grpId="0"/>
+      <p:bldP spid="12" grpId="0"/>
+      <p:bldP spid="13" grpId="0"/>
+      <p:bldP spid="14" grpId="0"/>
+      <p:bldP spid="15" grpId="0"/>
+      <p:bldP spid="16" grpId="0"/>
+      <p:bldP spid="17" grpId="0"/>
+      <p:bldP spid="18" grpId="0"/>
+    </p:bldLst>
+  </p:timing>
 </p:sld>
 </file>
 
@@ -7771,10 +10118,10 @@
       </p:sp>
       <p:pic>
         <p:nvPicPr>
-          <p:cNvPr id="49" name="Picture 9" descr="A close up of a logo&#10;&#10;Description automatically generated">
+          <p:cNvPr id="4" name="Picture 3" descr="A close up of a logo&#10;&#10;Description automatically generated">
             <a:extLst>
               <a:ext uri="{FF2B5EF4-FFF2-40B4-BE49-F238E27FC236}">
-                <a16:creationId xmlns:a16="http://schemas.microsoft.com/office/drawing/2014/main" id="{886B2336-EDAC-4D5C-9402-2554B70B39D6}"/>
+                <a16:creationId xmlns:a16="http://schemas.microsoft.com/office/drawing/2014/main" id="{9ECF0E3E-9A36-4DDE-8F9B-A2BD88EE4F4F}"/>
               </a:ext>
             </a:extLst>
           </p:cNvPr>
@@ -7783,106 +10130,33 @@
           </p:cNvPicPr>
           <p:nvPr/>
         </p:nvPicPr>
-        <p:blipFill>
-          <a:blip r:embed="rId2" cstate="print">
+        <p:blipFill rotWithShape="1">
+          <a:blip r:embed="rId2">
             <a:extLst>
               <a:ext uri="{28A0092B-C50C-407E-A947-70E740481C1C}">
                 <a14:useLocalDpi xmlns:a14="http://schemas.microsoft.com/office/drawing/2010/main" val="0"/>
               </a:ext>
             </a:extLst>
           </a:blip>
-          <a:stretch>
-            <a:fillRect/>
-          </a:stretch>
+          <a:srcRect l="10099" t="10098" r="13165" b="5311"/>
+          <a:stretch/>
         </p:blipFill>
         <p:spPr>
           <a:xfrm>
-            <a:off x="6601635" y="1882601"/>
-            <a:ext cx="360000" cy="360000"/>
+            <a:off x="1502136" y="1110192"/>
+            <a:ext cx="9187728" cy="4637615"/>
           </a:xfrm>
           <a:prstGeom prst="rect">
             <a:avLst/>
           </a:prstGeom>
         </p:spPr>
       </p:pic>
-      <p:pic>
-        <p:nvPicPr>
-          <p:cNvPr id="50" name="Picture 9" descr="A close up of a logo&#10;&#10;Description automatically generated">
+      <p:sp>
+        <p:nvSpPr>
+          <p:cNvPr id="5" name="Rectangle: Rounded Corners 4">
             <a:extLst>
               <a:ext uri="{FF2B5EF4-FFF2-40B4-BE49-F238E27FC236}">
-                <a16:creationId xmlns:a16="http://schemas.microsoft.com/office/drawing/2014/main" id="{F74DE2E9-F0A2-4D4A-B10B-9019F3DC7834}"/>
-              </a:ext>
-            </a:extLst>
-          </p:cNvPr>
-          <p:cNvPicPr>
-            <a:picLocks noChangeAspect="1"/>
-          </p:cNvPicPr>
-          <p:nvPr/>
-        </p:nvPicPr>
-        <p:blipFill>
-          <a:blip r:embed="rId2" cstate="print">
-            <a:extLst>
-              <a:ext uri="{28A0092B-C50C-407E-A947-70E740481C1C}">
-                <a14:useLocalDpi xmlns:a14="http://schemas.microsoft.com/office/drawing/2010/main" val="0"/>
-              </a:ext>
-            </a:extLst>
-          </a:blip>
-          <a:stretch>
-            <a:fillRect/>
-          </a:stretch>
-        </p:blipFill>
-        <p:spPr>
-          <a:xfrm>
-            <a:off x="4470085" y="6189621"/>
-            <a:ext cx="360000" cy="360000"/>
-          </a:xfrm>
-          <a:prstGeom prst="rect">
-            <a:avLst/>
-          </a:prstGeom>
-        </p:spPr>
-      </p:pic>
-      <p:pic>
-        <p:nvPicPr>
-          <p:cNvPr id="51" name="Picture 9" descr="A close up of a logo&#10;&#10;Description automatically generated">
-            <a:extLst>
-              <a:ext uri="{FF2B5EF4-FFF2-40B4-BE49-F238E27FC236}">
-                <a16:creationId xmlns:a16="http://schemas.microsoft.com/office/drawing/2014/main" id="{8FBB7558-2DA7-4F05-BF1A-306D7FF555F1}"/>
-              </a:ext>
-            </a:extLst>
-          </p:cNvPr>
-          <p:cNvPicPr>
-            <a:picLocks noChangeAspect="1"/>
-          </p:cNvPicPr>
-          <p:nvPr/>
-        </p:nvPicPr>
-        <p:blipFill>
-          <a:blip r:embed="rId3" cstate="print">
-            <a:extLst>
-              <a:ext uri="{28A0092B-C50C-407E-A947-70E740481C1C}">
-                <a14:useLocalDpi xmlns:a14="http://schemas.microsoft.com/office/drawing/2010/main" val="0"/>
-              </a:ext>
-            </a:extLst>
-          </a:blip>
-          <a:stretch>
-            <a:fillRect/>
-          </a:stretch>
-        </p:blipFill>
-        <p:spPr>
-          <a:xfrm>
-            <a:off x="7480085" y="5082382"/>
-            <a:ext cx="519781" cy="519781"/>
-          </a:xfrm>
-          <a:prstGeom prst="rect">
-            <a:avLst/>
-          </a:prstGeom>
-        </p:spPr>
-      </p:pic>
-      <p:sp>
-        <p:nvSpPr>
-          <p:cNvPr id="52" name="Rectangle: Rounded Corners 51">
-            <a:extLst>
-              <a:ext uri="{FF2B5EF4-FFF2-40B4-BE49-F238E27FC236}">
-                <a16:creationId xmlns:a16="http://schemas.microsoft.com/office/drawing/2014/main" id="{954F5F91-6A40-4A03-9882-6F4DC74009F5}"/>
+                <a16:creationId xmlns:a16="http://schemas.microsoft.com/office/drawing/2014/main" id="{0771AB54-F267-4DB8-8324-C7E3B78D945D}"/>
               </a:ext>
             </a:extLst>
           </p:cNvPr>
@@ -7891,16 +10165,15 @@
         </p:nvSpPr>
         <p:spPr>
           <a:xfrm>
-            <a:off x="321211" y="823789"/>
-            <a:ext cx="1570108" cy="864096"/>
+            <a:off x="2999656" y="2924944"/>
+            <a:ext cx="1512168" cy="792088"/>
           </a:xfrm>
           <a:prstGeom prst="roundRect">
             <a:avLst/>
           </a:prstGeom>
           <a:solidFill>
-            <a:schemeClr val="tx2">
-              <a:lumMod val="60000"/>
-              <a:lumOff val="40000"/>
+            <a:schemeClr val="bg1">
+              <a:lumMod val="85000"/>
             </a:schemeClr>
           </a:solidFill>
           <a:ln>
@@ -7928,33 +10201,18 @@
           <a:p>
             <a:pPr algn="ctr"/>
             <a:r>
-              <a:rPr lang="pt-BR" sz="1400" b="1" dirty="0"/>
-              <a:t>Novo teste BDD</a:t>
-            </a:r>
-            <a:br>
-              <a:rPr lang="pt-BR" sz="1400" b="1" dirty="0"/>
-            </a:br>
-            <a:r>
-              <a:rPr lang="pt-BR" sz="1300" b="1" dirty="0"/>
-              <a:t>(Uma US da nova </a:t>
-            </a:r>
-            <a:r>
-              <a:rPr lang="pt-BR" sz="1300" b="1" dirty="0" err="1"/>
-              <a:t>feature</a:t>
-            </a:r>
-            <a:r>
-              <a:rPr lang="pt-BR" sz="1300" b="1" dirty="0"/>
-              <a:t>)</a:t>
-            </a:r>
-          </a:p>
-        </p:txBody>
-      </p:sp>
-      <p:sp>
-        <p:nvSpPr>
-          <p:cNvPr id="53" name="Rectangle: Rounded Corners 52">
+              <a:rPr lang="pt-BR" dirty="0"/>
+              <a:t>BDD</a:t>
+            </a:r>
+          </a:p>
+        </p:txBody>
+      </p:sp>
+      <p:sp>
+        <p:nvSpPr>
+          <p:cNvPr id="44" name="Rectangle: Rounded Corners 43">
             <a:extLst>
               <a:ext uri="{FF2B5EF4-FFF2-40B4-BE49-F238E27FC236}">
-                <a16:creationId xmlns:a16="http://schemas.microsoft.com/office/drawing/2014/main" id="{9C9B9BCE-8471-4255-AFA8-6E3BFC03B57F}"/>
+                <a16:creationId xmlns:a16="http://schemas.microsoft.com/office/drawing/2014/main" id="{B3D809B3-FF7D-44B0-BC61-8943D78F2D42}"/>
               </a:ext>
             </a:extLst>
           </p:cNvPr>
@@ -7963,16 +10221,15 @@
         </p:nvSpPr>
         <p:spPr>
           <a:xfrm>
-            <a:off x="2855640" y="5373216"/>
-            <a:ext cx="1570108" cy="864096"/>
+            <a:off x="8256240" y="3488432"/>
+            <a:ext cx="1152128" cy="603907"/>
           </a:xfrm>
           <a:prstGeom prst="roundRect">
             <a:avLst/>
           </a:prstGeom>
           <a:solidFill>
-            <a:schemeClr val="tx2">
-              <a:lumMod val="60000"/>
-              <a:lumOff val="40000"/>
+            <a:schemeClr val="bg1">
+              <a:lumMod val="85000"/>
             </a:schemeClr>
           </a:solidFill>
           <a:ln>
@@ -8000,1762 +10257,8 @@
           <a:p>
             <a:pPr algn="ctr"/>
             <a:r>
-              <a:rPr lang="pt-BR" sz="1400" b="1" dirty="0"/>
-              <a:t>Rodar novo </a:t>
-            </a:r>
-            <a:br>
-              <a:rPr lang="pt-BR" sz="1400" b="1" dirty="0"/>
-            </a:br>
-            <a:r>
-              <a:rPr lang="pt-BR" sz="1400" b="1" dirty="0"/>
-              <a:t>teste BDD</a:t>
-            </a:r>
-          </a:p>
-        </p:txBody>
-      </p:sp>
-      <p:sp>
-        <p:nvSpPr>
-          <p:cNvPr id="54" name="Rectangle: Rounded Corners 53">
-            <a:extLst>
-              <a:ext uri="{FF2B5EF4-FFF2-40B4-BE49-F238E27FC236}">
-                <a16:creationId xmlns:a16="http://schemas.microsoft.com/office/drawing/2014/main" id="{C6330445-55AC-49EF-A9E4-F82493C51E6E}"/>
-              </a:ext>
-            </a:extLst>
-          </p:cNvPr>
-          <p:cNvSpPr/>
-          <p:nvPr/>
-        </p:nvSpPr>
-        <p:spPr>
-          <a:xfrm>
-            <a:off x="9638460" y="3856820"/>
-            <a:ext cx="1570108" cy="864096"/>
-          </a:xfrm>
-          <a:prstGeom prst="roundRect">
-            <a:avLst/>
-          </a:prstGeom>
-          <a:solidFill>
-            <a:schemeClr val="tx2">
-              <a:lumMod val="60000"/>
-              <a:lumOff val="40000"/>
-            </a:schemeClr>
-          </a:solidFill>
-          <a:ln>
-            <a:noFill/>
-          </a:ln>
-          <a:effectLst/>
-        </p:spPr>
-        <p:style>
-          <a:lnRef idx="1">
-            <a:schemeClr val="accent1"/>
-          </a:lnRef>
-          <a:fillRef idx="3">
-            <a:schemeClr val="accent1"/>
-          </a:fillRef>
-          <a:effectRef idx="2">
-            <a:schemeClr val="accent1"/>
-          </a:effectRef>
-          <a:fontRef idx="minor">
-            <a:schemeClr val="lt1"/>
-          </a:fontRef>
-        </p:style>
-        <p:txBody>
-          <a:bodyPr rtlCol="0" anchor="ctr"/>
-          <a:lstStyle/>
-          <a:p>
-            <a:pPr algn="ctr"/>
-            <a:r>
-              <a:rPr lang="pt-BR" sz="1400" b="1" dirty="0"/>
-              <a:t>Rodar suíte de </a:t>
-            </a:r>
-            <a:br>
-              <a:rPr lang="pt-BR" sz="1400" b="1" dirty="0"/>
-            </a:br>
-            <a:r>
-              <a:rPr lang="pt-BR" sz="1400" b="1" dirty="0"/>
-              <a:t>testes BDD</a:t>
-            </a:r>
-          </a:p>
-        </p:txBody>
-      </p:sp>
-      <p:sp>
-        <p:nvSpPr>
-          <p:cNvPr id="55" name="Rectangle: Rounded Corners 54">
-            <a:extLst>
-              <a:ext uri="{FF2B5EF4-FFF2-40B4-BE49-F238E27FC236}">
-                <a16:creationId xmlns:a16="http://schemas.microsoft.com/office/drawing/2014/main" id="{0E2D1123-1EEE-45B8-947C-8C7708DC4DDF}"/>
-              </a:ext>
-            </a:extLst>
-          </p:cNvPr>
-          <p:cNvSpPr/>
-          <p:nvPr/>
-        </p:nvSpPr>
-        <p:spPr>
-          <a:xfrm>
-            <a:off x="6096000" y="3861048"/>
-            <a:ext cx="1570108" cy="864096"/>
-          </a:xfrm>
-          <a:prstGeom prst="roundRect">
-            <a:avLst/>
-          </a:prstGeom>
-          <a:solidFill>
-            <a:schemeClr val="accent1">
-              <a:lumMod val="60000"/>
-              <a:lumOff val="40000"/>
-            </a:schemeClr>
-          </a:solidFill>
-          <a:ln>
-            <a:noFill/>
-          </a:ln>
-          <a:effectLst/>
-        </p:spPr>
-        <p:style>
-          <a:lnRef idx="1">
-            <a:schemeClr val="accent1"/>
-          </a:lnRef>
-          <a:fillRef idx="3">
-            <a:schemeClr val="accent1"/>
-          </a:fillRef>
-          <a:effectRef idx="2">
-            <a:schemeClr val="accent1"/>
-          </a:effectRef>
-          <a:fontRef idx="minor">
-            <a:schemeClr val="lt1"/>
-          </a:fontRef>
-        </p:style>
-        <p:txBody>
-          <a:bodyPr rtlCol="0" anchor="ctr"/>
-          <a:lstStyle/>
-          <a:p>
-            <a:pPr algn="ctr"/>
-            <a:r>
-              <a:rPr lang="pt-BR" sz="1400" b="1" dirty="0"/>
-              <a:t>Adicionar  novo teste TDD</a:t>
-            </a:r>
-            <a:br>
-              <a:rPr lang="pt-BR" sz="1400" b="1" dirty="0"/>
-            </a:br>
-            <a:r>
-              <a:rPr lang="pt-BR" sz="1300" b="1" dirty="0"/>
-              <a:t>(critério de aceite)</a:t>
-            </a:r>
-          </a:p>
-        </p:txBody>
-      </p:sp>
-      <p:sp>
-        <p:nvSpPr>
-          <p:cNvPr id="56" name="Rectangle: Rounded Corners 55">
-            <a:extLst>
-              <a:ext uri="{FF2B5EF4-FFF2-40B4-BE49-F238E27FC236}">
-                <a16:creationId xmlns:a16="http://schemas.microsoft.com/office/drawing/2014/main" id="{65C6E991-1365-4A1C-94AD-31BC9964E3A5}"/>
-              </a:ext>
-            </a:extLst>
-          </p:cNvPr>
-          <p:cNvSpPr/>
-          <p:nvPr/>
-        </p:nvSpPr>
-        <p:spPr>
-          <a:xfrm>
-            <a:off x="6877848" y="2113539"/>
-            <a:ext cx="1570108" cy="864096"/>
-          </a:xfrm>
-          <a:prstGeom prst="roundRect">
-            <a:avLst/>
-          </a:prstGeom>
-          <a:solidFill>
-            <a:schemeClr val="accent1">
-              <a:lumMod val="60000"/>
-              <a:lumOff val="40000"/>
-            </a:schemeClr>
-          </a:solidFill>
-          <a:ln>
-            <a:noFill/>
-          </a:ln>
-          <a:effectLst/>
-        </p:spPr>
-        <p:style>
-          <a:lnRef idx="1">
-            <a:schemeClr val="accent1"/>
-          </a:lnRef>
-          <a:fillRef idx="3">
-            <a:schemeClr val="accent1"/>
-          </a:fillRef>
-          <a:effectRef idx="2">
-            <a:schemeClr val="accent1"/>
-          </a:effectRef>
-          <a:fontRef idx="minor">
-            <a:schemeClr val="lt1"/>
-          </a:fontRef>
-        </p:style>
-        <p:txBody>
-          <a:bodyPr rtlCol="0" anchor="ctr"/>
-          <a:lstStyle/>
-          <a:p>
-            <a:pPr algn="ctr"/>
-            <a:r>
-              <a:rPr lang="pt-BR" sz="1400" b="1" dirty="0"/>
-              <a:t>Rodar novo teste TDD</a:t>
-            </a:r>
-          </a:p>
-        </p:txBody>
-      </p:sp>
-      <p:sp>
-        <p:nvSpPr>
-          <p:cNvPr id="57" name="Rectangle: Rounded Corners 56">
-            <a:extLst>
-              <a:ext uri="{FF2B5EF4-FFF2-40B4-BE49-F238E27FC236}">
-                <a16:creationId xmlns:a16="http://schemas.microsoft.com/office/drawing/2014/main" id="{96629A8A-40DF-4D16-BA48-6EC0E9CC25DC}"/>
-              </a:ext>
-            </a:extLst>
-          </p:cNvPr>
-          <p:cNvSpPr/>
-          <p:nvPr/>
-        </p:nvSpPr>
-        <p:spPr>
-          <a:xfrm>
-            <a:off x="4007768" y="1509867"/>
-            <a:ext cx="1570108" cy="864096"/>
-          </a:xfrm>
-          <a:prstGeom prst="roundRect">
-            <a:avLst/>
-          </a:prstGeom>
-          <a:solidFill>
-            <a:schemeClr val="accent1">
-              <a:lumMod val="60000"/>
-              <a:lumOff val="40000"/>
-            </a:schemeClr>
-          </a:solidFill>
-          <a:ln>
-            <a:noFill/>
-          </a:ln>
-          <a:effectLst/>
-        </p:spPr>
-        <p:style>
-          <a:lnRef idx="1">
-            <a:schemeClr val="accent1"/>
-          </a:lnRef>
-          <a:fillRef idx="3">
-            <a:schemeClr val="accent1"/>
-          </a:fillRef>
-          <a:effectRef idx="2">
-            <a:schemeClr val="accent1"/>
-          </a:effectRef>
-          <a:fontRef idx="minor">
-            <a:schemeClr val="lt1"/>
-          </a:fontRef>
-        </p:style>
-        <p:txBody>
-          <a:bodyPr rtlCol="0" anchor="ctr"/>
-          <a:lstStyle/>
-          <a:p>
-            <a:pPr algn="ctr"/>
-            <a:r>
-              <a:rPr lang="pt-BR" sz="1400" b="1" dirty="0"/>
-              <a:t>Rodar suíte de testes TDD</a:t>
-            </a:r>
-          </a:p>
-        </p:txBody>
-      </p:sp>
-      <p:sp>
-        <p:nvSpPr>
-          <p:cNvPr id="58" name="Rectangle: Rounded Corners 57">
-            <a:extLst>
-              <a:ext uri="{FF2B5EF4-FFF2-40B4-BE49-F238E27FC236}">
-                <a16:creationId xmlns:a16="http://schemas.microsoft.com/office/drawing/2014/main" id="{88B59F1C-6984-4A36-A6AC-5C63A96EE405}"/>
-              </a:ext>
-            </a:extLst>
-          </p:cNvPr>
-          <p:cNvSpPr/>
-          <p:nvPr/>
-        </p:nvSpPr>
-        <p:spPr>
-          <a:xfrm>
-            <a:off x="1919536" y="2705047"/>
-            <a:ext cx="1152129" cy="723953"/>
-          </a:xfrm>
-          <a:prstGeom prst="roundRect">
-            <a:avLst/>
-          </a:prstGeom>
-          <a:solidFill>
-            <a:srgbClr val="92D050"/>
-          </a:solidFill>
-          <a:ln>
-            <a:noFill/>
-          </a:ln>
-          <a:effectLst/>
-        </p:spPr>
-        <p:style>
-          <a:lnRef idx="1">
-            <a:schemeClr val="accent1"/>
-          </a:lnRef>
-          <a:fillRef idx="3">
-            <a:schemeClr val="accent1"/>
-          </a:fillRef>
-          <a:effectRef idx="2">
-            <a:schemeClr val="accent1"/>
-          </a:effectRef>
-          <a:fontRef idx="minor">
-            <a:schemeClr val="lt1"/>
-          </a:fontRef>
-        </p:style>
-        <p:txBody>
-          <a:bodyPr rtlCol="0" anchor="ctr"/>
-          <a:lstStyle/>
-          <a:p>
-            <a:pPr algn="ctr"/>
-            <a:r>
-              <a:rPr lang="pt-BR" sz="1400" b="1" dirty="0" err="1">
-                <a:solidFill>
-                  <a:schemeClr val="bg1"/>
-                </a:solidFill>
-              </a:rPr>
-              <a:t>Feature</a:t>
-            </a:r>
-            <a:r>
-              <a:rPr lang="pt-BR" sz="1400" b="1" dirty="0">
-                <a:solidFill>
-                  <a:schemeClr val="bg1"/>
-                </a:solidFill>
-              </a:rPr>
-              <a:t> concluída</a:t>
-            </a:r>
-          </a:p>
-        </p:txBody>
-      </p:sp>
-      <p:sp>
-        <p:nvSpPr>
-          <p:cNvPr id="59" name="Rectangle: Rounded Corners 58">
-            <a:extLst>
-              <a:ext uri="{FF2B5EF4-FFF2-40B4-BE49-F238E27FC236}">
-                <a16:creationId xmlns:a16="http://schemas.microsoft.com/office/drawing/2014/main" id="{0707BE36-5337-471E-A57E-EADAAA4908D5}"/>
-              </a:ext>
-            </a:extLst>
-          </p:cNvPr>
-          <p:cNvSpPr/>
-          <p:nvPr/>
-        </p:nvSpPr>
-        <p:spPr>
-          <a:xfrm>
-            <a:off x="1891319" y="4277760"/>
-            <a:ext cx="1152129" cy="723953"/>
-          </a:xfrm>
-          <a:prstGeom prst="roundRect">
-            <a:avLst/>
-          </a:prstGeom>
-          <a:solidFill>
-            <a:srgbClr val="92D050"/>
-          </a:solidFill>
-          <a:ln>
-            <a:noFill/>
-          </a:ln>
-          <a:effectLst/>
-        </p:spPr>
-        <p:style>
-          <a:lnRef idx="1">
-            <a:schemeClr val="accent1"/>
-          </a:lnRef>
-          <a:fillRef idx="3">
-            <a:schemeClr val="accent1"/>
-          </a:fillRef>
-          <a:effectRef idx="2">
-            <a:schemeClr val="accent1"/>
-          </a:effectRef>
-          <a:fontRef idx="minor">
-            <a:schemeClr val="lt1"/>
-          </a:fontRef>
-        </p:style>
-        <p:txBody>
-          <a:bodyPr rtlCol="0" anchor="ctr"/>
-          <a:lstStyle/>
-          <a:p>
-            <a:pPr algn="ctr"/>
-            <a:r>
-              <a:rPr lang="pt-BR" sz="1400" b="1" dirty="0" err="1">
-                <a:solidFill>
-                  <a:schemeClr val="bg1"/>
-                </a:solidFill>
-              </a:rPr>
-              <a:t>Refatorar</a:t>
-            </a:r>
-            <a:endParaRPr lang="pt-BR" sz="1400" b="1" dirty="0">
-              <a:solidFill>
-                <a:schemeClr val="bg1"/>
-              </a:solidFill>
-            </a:endParaRPr>
-          </a:p>
-        </p:txBody>
-      </p:sp>
-      <p:sp>
-        <p:nvSpPr>
-          <p:cNvPr id="60" name="Rectangle 59">
-            <a:extLst>
-              <a:ext uri="{FF2B5EF4-FFF2-40B4-BE49-F238E27FC236}">
-                <a16:creationId xmlns:a16="http://schemas.microsoft.com/office/drawing/2014/main" id="{0599F5B9-4FE6-4AF9-A9BD-0FB315193160}"/>
-              </a:ext>
-            </a:extLst>
-          </p:cNvPr>
-          <p:cNvSpPr/>
-          <p:nvPr/>
-        </p:nvSpPr>
-        <p:spPr>
-          <a:xfrm>
-            <a:off x="4295800" y="5517232"/>
-            <a:ext cx="720000" cy="324000"/>
-          </a:xfrm>
-          <a:prstGeom prst="rect">
-            <a:avLst/>
-          </a:prstGeom>
-          <a:solidFill>
-            <a:srgbClr val="FF0000"/>
-          </a:solidFill>
-          <a:ln>
-            <a:noFill/>
-          </a:ln>
-          <a:effectLst/>
-        </p:spPr>
-        <p:style>
-          <a:lnRef idx="1">
-            <a:schemeClr val="accent1"/>
-          </a:lnRef>
-          <a:fillRef idx="3">
-            <a:schemeClr val="accent1"/>
-          </a:fillRef>
-          <a:effectRef idx="2">
-            <a:schemeClr val="accent1"/>
-          </a:effectRef>
-          <a:fontRef idx="minor">
-            <a:schemeClr val="lt1"/>
-          </a:fontRef>
-        </p:style>
-        <p:txBody>
-          <a:bodyPr rtlCol="0" anchor="ctr"/>
-          <a:lstStyle/>
-          <a:p>
-            <a:pPr algn="ctr"/>
-            <a:r>
-              <a:rPr lang="pt-BR" sz="1400" dirty="0"/>
-              <a:t>Falhou</a:t>
-            </a:r>
-          </a:p>
-        </p:txBody>
-      </p:sp>
-      <p:sp>
-        <p:nvSpPr>
-          <p:cNvPr id="61" name="Rectangle 60">
-            <a:extLst>
-              <a:ext uri="{FF2B5EF4-FFF2-40B4-BE49-F238E27FC236}">
-                <a16:creationId xmlns:a16="http://schemas.microsoft.com/office/drawing/2014/main" id="{A1D69CB9-B810-4300-B93A-D1CD169BCB65}"/>
-              </a:ext>
-            </a:extLst>
-          </p:cNvPr>
-          <p:cNvSpPr/>
-          <p:nvPr/>
-        </p:nvSpPr>
-        <p:spPr>
-          <a:xfrm>
-            <a:off x="4295800" y="5873431"/>
-            <a:ext cx="720000" cy="324000"/>
-          </a:xfrm>
-          <a:prstGeom prst="rect">
-            <a:avLst/>
-          </a:prstGeom>
-          <a:solidFill>
-            <a:srgbClr val="00B050"/>
-          </a:solidFill>
-          <a:ln>
-            <a:noFill/>
-          </a:ln>
-          <a:effectLst/>
-        </p:spPr>
-        <p:style>
-          <a:lnRef idx="1">
-            <a:schemeClr val="accent1"/>
-          </a:lnRef>
-          <a:fillRef idx="3">
-            <a:schemeClr val="accent1"/>
-          </a:fillRef>
-          <a:effectRef idx="2">
-            <a:schemeClr val="accent1"/>
-          </a:effectRef>
-          <a:fontRef idx="minor">
-            <a:schemeClr val="lt1"/>
-          </a:fontRef>
-        </p:style>
-        <p:txBody>
-          <a:bodyPr rtlCol="0" anchor="ctr"/>
-          <a:lstStyle/>
-          <a:p>
-            <a:pPr algn="ctr"/>
-            <a:r>
-              <a:rPr lang="pt-BR" sz="1400" b="1" dirty="0">
-                <a:solidFill>
-                  <a:schemeClr val="bg1"/>
-                </a:solidFill>
-              </a:rPr>
-              <a:t>Passou</a:t>
-            </a:r>
-          </a:p>
-        </p:txBody>
-      </p:sp>
-      <p:sp>
-        <p:nvSpPr>
-          <p:cNvPr id="62" name="Rectangle 61">
-            <a:extLst>
-              <a:ext uri="{FF2B5EF4-FFF2-40B4-BE49-F238E27FC236}">
-                <a16:creationId xmlns:a16="http://schemas.microsoft.com/office/drawing/2014/main" id="{2A02614A-1187-4C9A-9C0B-41287B1015F2}"/>
-              </a:ext>
-            </a:extLst>
-          </p:cNvPr>
-          <p:cNvSpPr/>
-          <p:nvPr/>
-        </p:nvSpPr>
-        <p:spPr>
-          <a:xfrm>
-            <a:off x="9703514" y="3694820"/>
-            <a:ext cx="720000" cy="324000"/>
-          </a:xfrm>
-          <a:prstGeom prst="rect">
-            <a:avLst/>
-          </a:prstGeom>
-          <a:solidFill>
-            <a:srgbClr val="FF0000"/>
-          </a:solidFill>
-          <a:ln>
-            <a:noFill/>
-          </a:ln>
-          <a:effectLst/>
-        </p:spPr>
-        <p:style>
-          <a:lnRef idx="1">
-            <a:schemeClr val="accent1"/>
-          </a:lnRef>
-          <a:fillRef idx="3">
-            <a:schemeClr val="accent1"/>
-          </a:fillRef>
-          <a:effectRef idx="2">
-            <a:schemeClr val="accent1"/>
-          </a:effectRef>
-          <a:fontRef idx="minor">
-            <a:schemeClr val="lt1"/>
-          </a:fontRef>
-        </p:style>
-        <p:txBody>
-          <a:bodyPr rtlCol="0" anchor="ctr"/>
-          <a:lstStyle/>
-          <a:p>
-            <a:pPr algn="ctr"/>
-            <a:r>
-              <a:rPr lang="pt-BR" sz="1400" dirty="0"/>
-              <a:t>Falhou</a:t>
-            </a:r>
-          </a:p>
-        </p:txBody>
-      </p:sp>
-      <p:sp>
-        <p:nvSpPr>
-          <p:cNvPr id="63" name="Rectangle 62">
-            <a:extLst>
-              <a:ext uri="{FF2B5EF4-FFF2-40B4-BE49-F238E27FC236}">
-                <a16:creationId xmlns:a16="http://schemas.microsoft.com/office/drawing/2014/main" id="{1DA170D4-6E41-4F5F-81B3-5D26C815E30D}"/>
-              </a:ext>
-            </a:extLst>
-          </p:cNvPr>
-          <p:cNvSpPr/>
-          <p:nvPr/>
-        </p:nvSpPr>
-        <p:spPr>
-          <a:xfrm>
-            <a:off x="10456041" y="3694820"/>
-            <a:ext cx="720000" cy="324000"/>
-          </a:xfrm>
-          <a:prstGeom prst="rect">
-            <a:avLst/>
-          </a:prstGeom>
-          <a:solidFill>
-            <a:srgbClr val="00B050"/>
-          </a:solidFill>
-          <a:ln>
-            <a:noFill/>
-          </a:ln>
-          <a:effectLst/>
-        </p:spPr>
-        <p:style>
-          <a:lnRef idx="1">
-            <a:schemeClr val="accent1"/>
-          </a:lnRef>
-          <a:fillRef idx="3">
-            <a:schemeClr val="accent1"/>
-          </a:fillRef>
-          <a:effectRef idx="2">
-            <a:schemeClr val="accent1"/>
-          </a:effectRef>
-          <a:fontRef idx="minor">
-            <a:schemeClr val="lt1"/>
-          </a:fontRef>
-        </p:style>
-        <p:txBody>
-          <a:bodyPr rtlCol="0" anchor="ctr"/>
-          <a:lstStyle/>
-          <a:p>
-            <a:pPr algn="ctr"/>
-            <a:r>
-              <a:rPr lang="pt-BR" sz="1400" b="1" dirty="0"/>
-              <a:t>Passou</a:t>
-            </a:r>
-          </a:p>
-        </p:txBody>
-      </p:sp>
-      <p:sp>
-        <p:nvSpPr>
-          <p:cNvPr id="64" name="Rectangle 63">
-            <a:extLst>
-              <a:ext uri="{FF2B5EF4-FFF2-40B4-BE49-F238E27FC236}">
-                <a16:creationId xmlns:a16="http://schemas.microsoft.com/office/drawing/2014/main" id="{DF6275E5-6C20-4A68-962D-A4435EBF9518}"/>
-              </a:ext>
-            </a:extLst>
-          </p:cNvPr>
-          <p:cNvSpPr/>
-          <p:nvPr/>
-        </p:nvSpPr>
-        <p:spPr>
-          <a:xfrm>
-            <a:off x="4835431" y="2249530"/>
-            <a:ext cx="720000" cy="324000"/>
-          </a:xfrm>
-          <a:prstGeom prst="rect">
-            <a:avLst/>
-          </a:prstGeom>
-          <a:solidFill>
-            <a:srgbClr val="FF0000"/>
-          </a:solidFill>
-          <a:ln>
-            <a:noFill/>
-          </a:ln>
-          <a:effectLst/>
-        </p:spPr>
-        <p:style>
-          <a:lnRef idx="1">
-            <a:schemeClr val="accent1"/>
-          </a:lnRef>
-          <a:fillRef idx="3">
-            <a:schemeClr val="accent1"/>
-          </a:fillRef>
-          <a:effectRef idx="2">
-            <a:schemeClr val="accent1"/>
-          </a:effectRef>
-          <a:fontRef idx="minor">
-            <a:schemeClr val="lt1"/>
-          </a:fontRef>
-        </p:style>
-        <p:txBody>
-          <a:bodyPr rtlCol="0" anchor="ctr"/>
-          <a:lstStyle/>
-          <a:p>
-            <a:pPr algn="ctr"/>
-            <a:r>
-              <a:rPr lang="pt-BR" sz="1400" dirty="0"/>
-              <a:t>Falhou</a:t>
-            </a:r>
-          </a:p>
-        </p:txBody>
-      </p:sp>
-      <p:sp>
-        <p:nvSpPr>
-          <p:cNvPr id="65" name="Rectangle 64">
-            <a:extLst>
-              <a:ext uri="{FF2B5EF4-FFF2-40B4-BE49-F238E27FC236}">
-                <a16:creationId xmlns:a16="http://schemas.microsoft.com/office/drawing/2014/main" id="{830D4A21-69AA-425E-AA34-C574929195F5}"/>
-              </a:ext>
-            </a:extLst>
-          </p:cNvPr>
-          <p:cNvSpPr/>
-          <p:nvPr/>
-        </p:nvSpPr>
-        <p:spPr>
-          <a:xfrm>
-            <a:off x="4079776" y="2244162"/>
-            <a:ext cx="720000" cy="324000"/>
-          </a:xfrm>
-          <a:prstGeom prst="rect">
-            <a:avLst/>
-          </a:prstGeom>
-          <a:solidFill>
-            <a:srgbClr val="00B050"/>
-          </a:solidFill>
-          <a:ln>
-            <a:noFill/>
-          </a:ln>
-          <a:effectLst/>
-        </p:spPr>
-        <p:style>
-          <a:lnRef idx="1">
-            <a:schemeClr val="accent1"/>
-          </a:lnRef>
-          <a:fillRef idx="3">
-            <a:schemeClr val="accent1"/>
-          </a:fillRef>
-          <a:effectRef idx="2">
-            <a:schemeClr val="accent1"/>
-          </a:effectRef>
-          <a:fontRef idx="minor">
-            <a:schemeClr val="lt1"/>
-          </a:fontRef>
-        </p:style>
-        <p:txBody>
-          <a:bodyPr rtlCol="0" anchor="ctr"/>
-          <a:lstStyle/>
-          <a:p>
-            <a:pPr algn="ctr"/>
-            <a:r>
-              <a:rPr lang="pt-BR" sz="1400" b="1" dirty="0"/>
-              <a:t>Passou</a:t>
-            </a:r>
-          </a:p>
-        </p:txBody>
-      </p:sp>
-      <p:sp>
-        <p:nvSpPr>
-          <p:cNvPr id="66" name="Rectangle: Rounded Corners 65">
-            <a:extLst>
-              <a:ext uri="{FF2B5EF4-FFF2-40B4-BE49-F238E27FC236}">
-                <a16:creationId xmlns:a16="http://schemas.microsoft.com/office/drawing/2014/main" id="{298D4B24-8879-4812-8C61-829E588E3CF9}"/>
-              </a:ext>
-            </a:extLst>
-          </p:cNvPr>
-          <p:cNvSpPr/>
-          <p:nvPr/>
-        </p:nvSpPr>
-        <p:spPr>
-          <a:xfrm>
-            <a:off x="8995570" y="2049211"/>
-            <a:ext cx="1152000" cy="723600"/>
-          </a:xfrm>
-          <a:prstGeom prst="roundRect">
-            <a:avLst/>
-          </a:prstGeom>
-          <a:solidFill>
-            <a:srgbClr val="92D050"/>
-          </a:solidFill>
-          <a:ln>
-            <a:noFill/>
-          </a:ln>
-          <a:effectLst/>
-        </p:spPr>
-        <p:style>
-          <a:lnRef idx="1">
-            <a:schemeClr val="accent1"/>
-          </a:lnRef>
-          <a:fillRef idx="3">
-            <a:schemeClr val="accent1"/>
-          </a:fillRef>
-          <a:effectRef idx="2">
-            <a:schemeClr val="accent1"/>
-          </a:effectRef>
-          <a:fontRef idx="minor">
-            <a:schemeClr val="lt1"/>
-          </a:fontRef>
-        </p:style>
-        <p:txBody>
-          <a:bodyPr rtlCol="0" anchor="ctr"/>
-          <a:lstStyle/>
-          <a:p>
-            <a:pPr algn="ctr"/>
-            <a:r>
-              <a:rPr lang="pt-BR" sz="1400" b="1" dirty="0">
-                <a:solidFill>
-                  <a:schemeClr val="bg1"/>
-                </a:solidFill>
-              </a:rPr>
-              <a:t>Código de produção</a:t>
-            </a:r>
-          </a:p>
-        </p:txBody>
-      </p:sp>
-      <p:sp>
-        <p:nvSpPr>
-          <p:cNvPr id="67" name="Rectangle 66">
-            <a:extLst>
-              <a:ext uri="{FF2B5EF4-FFF2-40B4-BE49-F238E27FC236}">
-                <a16:creationId xmlns:a16="http://schemas.microsoft.com/office/drawing/2014/main" id="{C95C4FA2-D238-420D-B500-5872BAC4F9C8}"/>
-              </a:ext>
-            </a:extLst>
-          </p:cNvPr>
-          <p:cNvSpPr/>
-          <p:nvPr/>
-        </p:nvSpPr>
-        <p:spPr>
-          <a:xfrm>
-            <a:off x="7666108" y="1920162"/>
-            <a:ext cx="720000" cy="324000"/>
-          </a:xfrm>
-          <a:prstGeom prst="rect">
-            <a:avLst/>
-          </a:prstGeom>
-          <a:solidFill>
-            <a:srgbClr val="FF0000"/>
-          </a:solidFill>
-          <a:ln>
-            <a:noFill/>
-          </a:ln>
-          <a:effectLst/>
-        </p:spPr>
-        <p:style>
-          <a:lnRef idx="1">
-            <a:schemeClr val="accent1"/>
-          </a:lnRef>
-          <a:fillRef idx="3">
-            <a:schemeClr val="accent1"/>
-          </a:fillRef>
-          <a:effectRef idx="2">
-            <a:schemeClr val="accent1"/>
-          </a:effectRef>
-          <a:fontRef idx="minor">
-            <a:schemeClr val="lt1"/>
-          </a:fontRef>
-        </p:style>
-        <p:txBody>
-          <a:bodyPr rtlCol="0" anchor="ctr"/>
-          <a:lstStyle/>
-          <a:p>
-            <a:pPr algn="ctr"/>
-            <a:r>
-              <a:rPr lang="pt-BR" sz="1400" dirty="0"/>
-              <a:t>Falhou</a:t>
-            </a:r>
-          </a:p>
-        </p:txBody>
-      </p:sp>
-      <p:sp>
-        <p:nvSpPr>
-          <p:cNvPr id="68" name="Rectangle 67">
-            <a:extLst>
-              <a:ext uri="{FF2B5EF4-FFF2-40B4-BE49-F238E27FC236}">
-                <a16:creationId xmlns:a16="http://schemas.microsoft.com/office/drawing/2014/main" id="{FFFDE2C3-6809-46EF-A33D-29681FE36566}"/>
-              </a:ext>
-            </a:extLst>
-          </p:cNvPr>
-          <p:cNvSpPr/>
-          <p:nvPr/>
-        </p:nvSpPr>
-        <p:spPr>
-          <a:xfrm>
-            <a:off x="6921486" y="1920162"/>
-            <a:ext cx="720000" cy="324000"/>
-          </a:xfrm>
-          <a:prstGeom prst="rect">
-            <a:avLst/>
-          </a:prstGeom>
-          <a:solidFill>
-            <a:srgbClr val="00B050"/>
-          </a:solidFill>
-          <a:ln>
-            <a:noFill/>
-          </a:ln>
-          <a:effectLst/>
-        </p:spPr>
-        <p:style>
-          <a:lnRef idx="1">
-            <a:schemeClr val="accent1"/>
-          </a:lnRef>
-          <a:fillRef idx="3">
-            <a:schemeClr val="accent1"/>
-          </a:fillRef>
-          <a:effectRef idx="2">
-            <a:schemeClr val="accent1"/>
-          </a:effectRef>
-          <a:fontRef idx="minor">
-            <a:schemeClr val="lt1"/>
-          </a:fontRef>
-        </p:style>
-        <p:txBody>
-          <a:bodyPr rtlCol="0" anchor="ctr"/>
-          <a:lstStyle/>
-          <a:p>
-            <a:pPr algn="ctr"/>
-            <a:r>
-              <a:rPr lang="pt-BR" sz="1400" b="1" dirty="0">
-                <a:solidFill>
-                  <a:schemeClr val="bg1"/>
-                </a:solidFill>
-              </a:rPr>
-              <a:t>Passou</a:t>
-            </a:r>
-          </a:p>
-        </p:txBody>
-      </p:sp>
-      <p:cxnSp>
-        <p:nvCxnSpPr>
-          <p:cNvPr id="69" name="Connector: Elbow 68">
-            <a:extLst>
-              <a:ext uri="{FF2B5EF4-FFF2-40B4-BE49-F238E27FC236}">
-                <a16:creationId xmlns:a16="http://schemas.microsoft.com/office/drawing/2014/main" id="{8B093408-2091-460E-9150-3B38ADFEEF9E}"/>
-              </a:ext>
-            </a:extLst>
-          </p:cNvPr>
-          <p:cNvCxnSpPr>
-            <a:cxnSpLocks/>
-            <a:stCxn id="52" idx="2"/>
-            <a:endCxn id="53" idx="1"/>
-          </p:cNvCxnSpPr>
-          <p:nvPr/>
-        </p:nvCxnSpPr>
-        <p:spPr>
-          <a:xfrm rot="16200000" flipH="1">
-            <a:off x="-77737" y="2871886"/>
-            <a:ext cx="4117379" cy="1749375"/>
-          </a:xfrm>
-          <a:prstGeom prst="bentConnector2">
-            <a:avLst/>
-          </a:prstGeom>
-          <a:ln w="57150">
-            <a:solidFill>
-              <a:schemeClr val="tx2">
-                <a:lumMod val="60000"/>
-                <a:lumOff val="40000"/>
-              </a:schemeClr>
-            </a:solidFill>
-            <a:tailEnd type="triangle"/>
-          </a:ln>
-        </p:spPr>
-        <p:style>
-          <a:lnRef idx="2">
-            <a:schemeClr val="accent1"/>
-          </a:lnRef>
-          <a:fillRef idx="0">
-            <a:schemeClr val="accent1"/>
-          </a:fillRef>
-          <a:effectRef idx="1">
-            <a:schemeClr val="accent1"/>
-          </a:effectRef>
-          <a:fontRef idx="minor">
-            <a:schemeClr val="tx1"/>
-          </a:fontRef>
-        </p:style>
-      </p:cxnSp>
-      <p:cxnSp>
-        <p:nvCxnSpPr>
-          <p:cNvPr id="70" name="Connector: Elbow 69">
-            <a:extLst>
-              <a:ext uri="{FF2B5EF4-FFF2-40B4-BE49-F238E27FC236}">
-                <a16:creationId xmlns:a16="http://schemas.microsoft.com/office/drawing/2014/main" id="{6A7C6ADF-8924-463E-80CA-CE0D6EC90B08}"/>
-              </a:ext>
-            </a:extLst>
-          </p:cNvPr>
-          <p:cNvCxnSpPr>
-            <a:cxnSpLocks/>
-            <a:stCxn id="60" idx="3"/>
-            <a:endCxn id="55" idx="2"/>
-          </p:cNvCxnSpPr>
-          <p:nvPr/>
-        </p:nvCxnSpPr>
-        <p:spPr>
-          <a:xfrm flipV="1">
-            <a:off x="5015800" y="4725144"/>
-            <a:ext cx="1865254" cy="954088"/>
-          </a:xfrm>
-          <a:prstGeom prst="bentConnector2">
-            <a:avLst/>
-          </a:prstGeom>
-          <a:ln w="57150">
-            <a:solidFill>
-              <a:srgbClr val="FF0000"/>
-            </a:solidFill>
-            <a:tailEnd type="triangle"/>
-          </a:ln>
-        </p:spPr>
-        <p:style>
-          <a:lnRef idx="2">
-            <a:schemeClr val="accent1"/>
-          </a:lnRef>
-          <a:fillRef idx="0">
-            <a:schemeClr val="accent1"/>
-          </a:fillRef>
-          <a:effectRef idx="1">
-            <a:schemeClr val="accent1"/>
-          </a:effectRef>
-          <a:fontRef idx="minor">
-            <a:schemeClr val="tx1"/>
-          </a:fontRef>
-        </p:style>
-      </p:cxnSp>
-      <p:cxnSp>
-        <p:nvCxnSpPr>
-          <p:cNvPr id="71" name="Connector: Elbow 70">
-            <a:extLst>
-              <a:ext uri="{FF2B5EF4-FFF2-40B4-BE49-F238E27FC236}">
-                <a16:creationId xmlns:a16="http://schemas.microsoft.com/office/drawing/2014/main" id="{50F1BE97-5F51-448F-8EB4-4D94F040E4FB}"/>
-              </a:ext>
-            </a:extLst>
-          </p:cNvPr>
-          <p:cNvCxnSpPr>
-            <a:stCxn id="61" idx="3"/>
-            <a:endCxn id="54" idx="2"/>
-          </p:cNvCxnSpPr>
-          <p:nvPr/>
-        </p:nvCxnSpPr>
-        <p:spPr>
-          <a:xfrm flipV="1">
-            <a:off x="5015800" y="4720916"/>
-            <a:ext cx="5407714" cy="1314515"/>
-          </a:xfrm>
-          <a:prstGeom prst="bentConnector2">
-            <a:avLst/>
-          </a:prstGeom>
-          <a:ln w="57150">
-            <a:solidFill>
-              <a:srgbClr val="00B050"/>
-            </a:solidFill>
-            <a:tailEnd type="triangle"/>
-          </a:ln>
-        </p:spPr>
-        <p:style>
-          <a:lnRef idx="2">
-            <a:schemeClr val="accent1"/>
-          </a:lnRef>
-          <a:fillRef idx="0">
-            <a:schemeClr val="accent1"/>
-          </a:fillRef>
-          <a:effectRef idx="1">
-            <a:schemeClr val="accent1"/>
-          </a:effectRef>
-          <a:fontRef idx="minor">
-            <a:schemeClr val="tx1"/>
-          </a:fontRef>
-        </p:style>
-      </p:cxnSp>
-      <p:cxnSp>
-        <p:nvCxnSpPr>
-          <p:cNvPr id="72" name="Connector: Elbow 71">
-            <a:extLst>
-              <a:ext uri="{FF2B5EF4-FFF2-40B4-BE49-F238E27FC236}">
-                <a16:creationId xmlns:a16="http://schemas.microsoft.com/office/drawing/2014/main" id="{94680F6D-CCDE-4E7E-BBFA-2741193F0D15}"/>
-              </a:ext>
-            </a:extLst>
-          </p:cNvPr>
-          <p:cNvCxnSpPr>
-            <a:cxnSpLocks/>
-            <a:stCxn id="62" idx="1"/>
-            <a:endCxn id="55" idx="3"/>
-          </p:cNvCxnSpPr>
-          <p:nvPr/>
-        </p:nvCxnSpPr>
-        <p:spPr>
-          <a:xfrm rot="10800000" flipV="1">
-            <a:off x="7666108" y="3856820"/>
-            <a:ext cx="2037406" cy="436276"/>
-          </a:xfrm>
-          <a:prstGeom prst="bentConnector3">
-            <a:avLst/>
-          </a:prstGeom>
-          <a:ln w="57150">
-            <a:solidFill>
-              <a:srgbClr val="FF0000"/>
-            </a:solidFill>
-            <a:tailEnd type="triangle"/>
-          </a:ln>
-        </p:spPr>
-        <p:style>
-          <a:lnRef idx="2">
-            <a:schemeClr val="accent1"/>
-          </a:lnRef>
-          <a:fillRef idx="0">
-            <a:schemeClr val="accent1"/>
-          </a:fillRef>
-          <a:effectRef idx="1">
-            <a:schemeClr val="accent1"/>
-          </a:effectRef>
-          <a:fontRef idx="minor">
-            <a:schemeClr val="tx1"/>
-          </a:fontRef>
-        </p:style>
-      </p:cxnSp>
-      <p:cxnSp>
-        <p:nvCxnSpPr>
-          <p:cNvPr id="73" name="Connector: Elbow 72">
-            <a:extLst>
-              <a:ext uri="{FF2B5EF4-FFF2-40B4-BE49-F238E27FC236}">
-                <a16:creationId xmlns:a16="http://schemas.microsoft.com/office/drawing/2014/main" id="{CE54F923-0C75-483E-BB5B-74760DA7B0DF}"/>
-              </a:ext>
-            </a:extLst>
-          </p:cNvPr>
-          <p:cNvCxnSpPr>
-            <a:cxnSpLocks/>
-            <a:stCxn id="63" idx="0"/>
-            <a:endCxn id="52" idx="3"/>
-          </p:cNvCxnSpPr>
-          <p:nvPr/>
-        </p:nvCxnSpPr>
-        <p:spPr>
-          <a:xfrm rot="16200000" flipV="1">
-            <a:off x="5134189" y="-1987032"/>
-            <a:ext cx="2438983" cy="8924722"/>
-          </a:xfrm>
-          <a:prstGeom prst="bentConnector2">
-            <a:avLst/>
-          </a:prstGeom>
-          <a:ln w="57150">
-            <a:solidFill>
-              <a:srgbClr val="00B050"/>
-            </a:solidFill>
-            <a:tailEnd type="triangle"/>
-          </a:ln>
-        </p:spPr>
-        <p:style>
-          <a:lnRef idx="2">
-            <a:schemeClr val="accent1"/>
-          </a:lnRef>
-          <a:fillRef idx="0">
-            <a:schemeClr val="accent1"/>
-          </a:fillRef>
-          <a:effectRef idx="1">
-            <a:schemeClr val="accent1"/>
-          </a:effectRef>
-          <a:fontRef idx="minor">
-            <a:schemeClr val="tx1"/>
-          </a:fontRef>
-        </p:style>
-      </p:cxnSp>
-      <p:cxnSp>
-        <p:nvCxnSpPr>
-          <p:cNvPr id="74" name="Connector: Elbow 73">
-            <a:extLst>
-              <a:ext uri="{FF2B5EF4-FFF2-40B4-BE49-F238E27FC236}">
-                <a16:creationId xmlns:a16="http://schemas.microsoft.com/office/drawing/2014/main" id="{C811A053-1DE4-4B4D-9024-66C8F6E3ECB3}"/>
-              </a:ext>
-            </a:extLst>
-          </p:cNvPr>
-          <p:cNvCxnSpPr>
-            <a:cxnSpLocks/>
-            <a:stCxn id="68" idx="0"/>
-            <a:endCxn id="57" idx="3"/>
-          </p:cNvCxnSpPr>
-          <p:nvPr/>
-        </p:nvCxnSpPr>
-        <p:spPr>
-          <a:xfrm rot="16200000" flipH="1" flipV="1">
-            <a:off x="6418804" y="1079233"/>
-            <a:ext cx="21753" cy="1703610"/>
-          </a:xfrm>
-          <a:prstGeom prst="bentConnector4">
-            <a:avLst>
-              <a:gd name="adj1" fmla="val -1050890"/>
-              <a:gd name="adj2" fmla="val 60566"/>
-            </a:avLst>
-          </a:prstGeom>
-          <a:ln w="57150">
-            <a:solidFill>
-              <a:srgbClr val="00B050"/>
-            </a:solidFill>
-            <a:tailEnd type="triangle"/>
-          </a:ln>
-        </p:spPr>
-        <p:style>
-          <a:lnRef idx="2">
-            <a:schemeClr val="accent1"/>
-          </a:lnRef>
-          <a:fillRef idx="0">
-            <a:schemeClr val="accent1"/>
-          </a:fillRef>
-          <a:effectRef idx="1">
-            <a:schemeClr val="accent1"/>
-          </a:effectRef>
-          <a:fontRef idx="minor">
-            <a:schemeClr val="tx1"/>
-          </a:fontRef>
-        </p:style>
-      </p:cxnSp>
-      <p:cxnSp>
-        <p:nvCxnSpPr>
-          <p:cNvPr id="75" name="Connector: Elbow 74">
-            <a:extLst>
-              <a:ext uri="{FF2B5EF4-FFF2-40B4-BE49-F238E27FC236}">
-                <a16:creationId xmlns:a16="http://schemas.microsoft.com/office/drawing/2014/main" id="{5FE86D3C-BD3F-4AA3-9218-8D1A79CB0020}"/>
-              </a:ext>
-            </a:extLst>
-          </p:cNvPr>
-          <p:cNvCxnSpPr>
-            <a:stCxn id="67" idx="0"/>
-            <a:endCxn id="66" idx="0"/>
-          </p:cNvCxnSpPr>
-          <p:nvPr/>
-        </p:nvCxnSpPr>
-        <p:spPr>
-          <a:xfrm rot="16200000" flipH="1">
-            <a:off x="8734314" y="1211955"/>
-            <a:ext cx="129049" cy="1545462"/>
-          </a:xfrm>
-          <a:prstGeom prst="bentConnector3">
-            <a:avLst>
-              <a:gd name="adj1" fmla="val -177142"/>
-            </a:avLst>
-          </a:prstGeom>
-          <a:ln w="57150">
-            <a:solidFill>
-              <a:srgbClr val="FF0000"/>
-            </a:solidFill>
-            <a:tailEnd type="triangle"/>
-          </a:ln>
-        </p:spPr>
-        <p:style>
-          <a:lnRef idx="2">
-            <a:schemeClr val="accent1"/>
-          </a:lnRef>
-          <a:fillRef idx="0">
-            <a:schemeClr val="accent1"/>
-          </a:fillRef>
-          <a:effectRef idx="1">
-            <a:schemeClr val="accent1"/>
-          </a:effectRef>
-          <a:fontRef idx="minor">
-            <a:schemeClr val="tx1"/>
-          </a:fontRef>
-        </p:style>
-      </p:cxnSp>
-      <p:cxnSp>
-        <p:nvCxnSpPr>
-          <p:cNvPr id="76" name="Connector: Elbow 75">
-            <a:extLst>
-              <a:ext uri="{FF2B5EF4-FFF2-40B4-BE49-F238E27FC236}">
-                <a16:creationId xmlns:a16="http://schemas.microsoft.com/office/drawing/2014/main" id="{9B5367CF-215F-471A-8E5C-C3512FADFDE3}"/>
-              </a:ext>
-            </a:extLst>
-          </p:cNvPr>
-          <p:cNvCxnSpPr>
-            <a:stCxn id="66" idx="2"/>
-            <a:endCxn id="56" idx="3"/>
-          </p:cNvCxnSpPr>
-          <p:nvPr/>
-        </p:nvCxnSpPr>
-        <p:spPr>
-          <a:xfrm rot="5400000" flipH="1">
-            <a:off x="8896151" y="2097392"/>
-            <a:ext cx="227224" cy="1123614"/>
-          </a:xfrm>
-          <a:prstGeom prst="bentConnector4">
-            <a:avLst>
-              <a:gd name="adj1" fmla="val -100606"/>
-              <a:gd name="adj2" fmla="val 75632"/>
-            </a:avLst>
-          </a:prstGeom>
-          <a:ln w="57150">
-            <a:solidFill>
-              <a:schemeClr val="accent1">
-                <a:lumMod val="60000"/>
-                <a:lumOff val="40000"/>
-              </a:schemeClr>
-            </a:solidFill>
-            <a:tailEnd type="triangle"/>
-          </a:ln>
-        </p:spPr>
-        <p:style>
-          <a:lnRef idx="2">
-            <a:schemeClr val="accent1"/>
-          </a:lnRef>
-          <a:fillRef idx="0">
-            <a:schemeClr val="accent1"/>
-          </a:fillRef>
-          <a:effectRef idx="1">
-            <a:schemeClr val="accent1"/>
-          </a:effectRef>
-          <a:fontRef idx="minor">
-            <a:schemeClr val="tx1"/>
-          </a:fontRef>
-        </p:style>
-      </p:cxnSp>
-      <p:cxnSp>
-        <p:nvCxnSpPr>
-          <p:cNvPr id="77" name="Connector: Elbow 76">
-            <a:extLst>
-              <a:ext uri="{FF2B5EF4-FFF2-40B4-BE49-F238E27FC236}">
-                <a16:creationId xmlns:a16="http://schemas.microsoft.com/office/drawing/2014/main" id="{1BE8C206-01B0-4B42-8332-ECA9D438A97E}"/>
-              </a:ext>
-            </a:extLst>
-          </p:cNvPr>
-          <p:cNvCxnSpPr>
-            <a:cxnSpLocks/>
-            <a:stCxn id="64" idx="2"/>
-            <a:endCxn id="56" idx="1"/>
-          </p:cNvCxnSpPr>
-          <p:nvPr/>
-        </p:nvCxnSpPr>
-        <p:spPr>
-          <a:xfrm rot="5400000" flipH="1" flipV="1">
-            <a:off x="6022667" y="1718350"/>
-            <a:ext cx="27943" cy="1682417"/>
-          </a:xfrm>
-          <a:prstGeom prst="bentConnector4">
-            <a:avLst>
-              <a:gd name="adj1" fmla="val -2127044"/>
-              <a:gd name="adj2" fmla="val 83275"/>
-            </a:avLst>
-          </a:prstGeom>
-          <a:ln w="57150">
-            <a:solidFill>
-              <a:srgbClr val="FF0000"/>
-            </a:solidFill>
-            <a:tailEnd type="triangle"/>
-          </a:ln>
-        </p:spPr>
-        <p:style>
-          <a:lnRef idx="2">
-            <a:schemeClr val="accent1"/>
-          </a:lnRef>
-          <a:fillRef idx="0">
-            <a:schemeClr val="accent1"/>
-          </a:fillRef>
-          <a:effectRef idx="1">
-            <a:schemeClr val="accent1"/>
-          </a:effectRef>
-          <a:fontRef idx="minor">
-            <a:schemeClr val="tx1"/>
-          </a:fontRef>
-        </p:style>
-      </p:cxnSp>
-      <p:cxnSp>
-        <p:nvCxnSpPr>
-          <p:cNvPr id="78" name="Connector: Elbow 77">
-            <a:extLst>
-              <a:ext uri="{FF2B5EF4-FFF2-40B4-BE49-F238E27FC236}">
-                <a16:creationId xmlns:a16="http://schemas.microsoft.com/office/drawing/2014/main" id="{693DC5BD-C033-492D-9559-7CCB54E6EB8A}"/>
-              </a:ext>
-            </a:extLst>
-          </p:cNvPr>
-          <p:cNvCxnSpPr>
-            <a:stCxn id="65" idx="2"/>
-            <a:endCxn id="58" idx="3"/>
-          </p:cNvCxnSpPr>
-          <p:nvPr/>
-        </p:nvCxnSpPr>
-        <p:spPr>
-          <a:xfrm rot="5400000">
-            <a:off x="3506290" y="2133538"/>
-            <a:ext cx="498862" cy="1368111"/>
-          </a:xfrm>
-          <a:prstGeom prst="bentConnector2">
-            <a:avLst/>
-          </a:prstGeom>
-          <a:ln w="57150">
-            <a:solidFill>
-              <a:srgbClr val="00B050"/>
-            </a:solidFill>
-            <a:tailEnd type="triangle"/>
-          </a:ln>
-        </p:spPr>
-        <p:style>
-          <a:lnRef idx="2">
-            <a:schemeClr val="accent1"/>
-          </a:lnRef>
-          <a:fillRef idx="0">
-            <a:schemeClr val="accent1"/>
-          </a:fillRef>
-          <a:effectRef idx="1">
-            <a:schemeClr val="accent1"/>
-          </a:effectRef>
-          <a:fontRef idx="minor">
-            <a:schemeClr val="tx1"/>
-          </a:fontRef>
-        </p:style>
-      </p:cxnSp>
-      <p:sp>
-        <p:nvSpPr>
-          <p:cNvPr id="79" name="Rectangle 78">
-            <a:extLst>
-              <a:ext uri="{FF2B5EF4-FFF2-40B4-BE49-F238E27FC236}">
-                <a16:creationId xmlns:a16="http://schemas.microsoft.com/office/drawing/2014/main" id="{C186309D-1E78-4C4F-A8C0-809CFD7BD49F}"/>
-              </a:ext>
-            </a:extLst>
-          </p:cNvPr>
-          <p:cNvSpPr/>
-          <p:nvPr/>
-        </p:nvSpPr>
-        <p:spPr>
-          <a:xfrm>
-            <a:off x="2518494" y="3315787"/>
-            <a:ext cx="493844" cy="318632"/>
-          </a:xfrm>
-          <a:prstGeom prst="rect">
-            <a:avLst/>
-          </a:prstGeom>
-          <a:solidFill>
-            <a:srgbClr val="FF0000"/>
-          </a:solidFill>
-          <a:ln>
-            <a:noFill/>
-          </a:ln>
-          <a:effectLst/>
-        </p:spPr>
-        <p:style>
-          <a:lnRef idx="1">
-            <a:schemeClr val="accent1"/>
-          </a:lnRef>
-          <a:fillRef idx="3">
-            <a:schemeClr val="accent1"/>
-          </a:fillRef>
-          <a:effectRef idx="2">
-            <a:schemeClr val="accent1"/>
-          </a:effectRef>
-          <a:fontRef idx="minor">
-            <a:schemeClr val="lt1"/>
-          </a:fontRef>
-        </p:style>
-        <p:txBody>
-          <a:bodyPr rtlCol="0" anchor="ctr"/>
-          <a:lstStyle/>
-          <a:p>
-            <a:pPr algn="ctr"/>
-            <a:r>
-              <a:rPr lang="pt-BR" sz="1400" dirty="0"/>
-              <a:t>Não</a:t>
-            </a:r>
-          </a:p>
-        </p:txBody>
-      </p:sp>
-      <p:sp>
-        <p:nvSpPr>
-          <p:cNvPr id="80" name="Rectangle 79">
-            <a:extLst>
-              <a:ext uri="{FF2B5EF4-FFF2-40B4-BE49-F238E27FC236}">
-                <a16:creationId xmlns:a16="http://schemas.microsoft.com/office/drawing/2014/main" id="{D3DC8879-0B5B-4B82-82ED-22BA64D1F675}"/>
-              </a:ext>
-            </a:extLst>
-          </p:cNvPr>
-          <p:cNvSpPr/>
-          <p:nvPr/>
-        </p:nvSpPr>
-        <p:spPr>
-          <a:xfrm>
-            <a:off x="1988995" y="3315785"/>
-            <a:ext cx="493844" cy="318633"/>
-          </a:xfrm>
-          <a:prstGeom prst="rect">
-            <a:avLst/>
-          </a:prstGeom>
-          <a:solidFill>
-            <a:srgbClr val="00B050"/>
-          </a:solidFill>
-          <a:ln>
-            <a:noFill/>
-          </a:ln>
-          <a:effectLst/>
-        </p:spPr>
-        <p:style>
-          <a:lnRef idx="1">
-            <a:schemeClr val="accent1"/>
-          </a:lnRef>
-          <a:fillRef idx="3">
-            <a:schemeClr val="accent1"/>
-          </a:fillRef>
-          <a:effectRef idx="2">
-            <a:schemeClr val="accent1"/>
-          </a:effectRef>
-          <a:fontRef idx="minor">
-            <a:schemeClr val="lt1"/>
-          </a:fontRef>
-        </p:style>
-        <p:txBody>
-          <a:bodyPr rtlCol="0" anchor="ctr"/>
-          <a:lstStyle/>
-          <a:p>
-            <a:pPr algn="ctr"/>
-            <a:r>
-              <a:rPr lang="pt-BR" sz="1400" b="1" dirty="0"/>
-              <a:t>Sim</a:t>
-            </a:r>
-          </a:p>
-        </p:txBody>
-      </p:sp>
-      <p:cxnSp>
-        <p:nvCxnSpPr>
-          <p:cNvPr id="81" name="Connector: Elbow 80">
-            <a:extLst>
-              <a:ext uri="{FF2B5EF4-FFF2-40B4-BE49-F238E27FC236}">
-                <a16:creationId xmlns:a16="http://schemas.microsoft.com/office/drawing/2014/main" id="{1A61A086-9C63-4358-BD0B-FF1B3940ADE9}"/>
-              </a:ext>
-            </a:extLst>
-          </p:cNvPr>
-          <p:cNvCxnSpPr>
-            <a:stCxn id="80" idx="2"/>
-            <a:endCxn id="59" idx="1"/>
-          </p:cNvCxnSpPr>
-          <p:nvPr/>
-        </p:nvCxnSpPr>
-        <p:spPr>
-          <a:xfrm rot="5400000">
-            <a:off x="1560959" y="3964778"/>
-            <a:ext cx="1005319" cy="344598"/>
-          </a:xfrm>
-          <a:prstGeom prst="bentConnector4">
-            <a:avLst>
-              <a:gd name="adj1" fmla="val 31997"/>
-              <a:gd name="adj2" fmla="val 166338"/>
-            </a:avLst>
-          </a:prstGeom>
-          <a:ln w="57150">
-            <a:solidFill>
-              <a:srgbClr val="00B050"/>
-            </a:solidFill>
-            <a:tailEnd type="triangle"/>
-          </a:ln>
-        </p:spPr>
-        <p:style>
-          <a:lnRef idx="2">
-            <a:schemeClr val="accent1"/>
-          </a:lnRef>
-          <a:fillRef idx="0">
-            <a:schemeClr val="accent1"/>
-          </a:fillRef>
-          <a:effectRef idx="1">
-            <a:schemeClr val="accent1"/>
-          </a:effectRef>
-          <a:fontRef idx="minor">
-            <a:schemeClr val="tx1"/>
-          </a:fontRef>
-        </p:style>
-      </p:cxnSp>
-      <p:cxnSp>
-        <p:nvCxnSpPr>
-          <p:cNvPr id="82" name="Connector: Elbow 81">
-            <a:extLst>
-              <a:ext uri="{FF2B5EF4-FFF2-40B4-BE49-F238E27FC236}">
-                <a16:creationId xmlns:a16="http://schemas.microsoft.com/office/drawing/2014/main" id="{D7A71782-6348-4D88-BCAC-8B0A0E560F3B}"/>
-              </a:ext>
-            </a:extLst>
-          </p:cNvPr>
-          <p:cNvCxnSpPr>
-            <a:cxnSpLocks/>
-            <a:stCxn id="79" idx="3"/>
-            <a:endCxn id="55" idx="1"/>
-          </p:cNvCxnSpPr>
-          <p:nvPr/>
-        </p:nvCxnSpPr>
-        <p:spPr>
-          <a:xfrm>
-            <a:off x="3012338" y="3475103"/>
-            <a:ext cx="3083662" cy="817993"/>
-          </a:xfrm>
-          <a:prstGeom prst="bentConnector3">
-            <a:avLst>
-              <a:gd name="adj1" fmla="val 50000"/>
-            </a:avLst>
-          </a:prstGeom>
-          <a:ln w="57150">
-            <a:solidFill>
-              <a:srgbClr val="FF0000"/>
-            </a:solidFill>
-            <a:tailEnd type="triangle"/>
-          </a:ln>
-        </p:spPr>
-        <p:style>
-          <a:lnRef idx="2">
-            <a:schemeClr val="accent1"/>
-          </a:lnRef>
-          <a:fillRef idx="0">
-            <a:schemeClr val="accent1"/>
-          </a:fillRef>
-          <a:effectRef idx="1">
-            <a:schemeClr val="accent1"/>
-          </a:effectRef>
-          <a:fontRef idx="minor">
-            <a:schemeClr val="tx1"/>
-          </a:fontRef>
-        </p:style>
-      </p:cxnSp>
-      <p:cxnSp>
-        <p:nvCxnSpPr>
-          <p:cNvPr id="83" name="Connector: Elbow 82">
-            <a:extLst>
-              <a:ext uri="{FF2B5EF4-FFF2-40B4-BE49-F238E27FC236}">
-                <a16:creationId xmlns:a16="http://schemas.microsoft.com/office/drawing/2014/main" id="{E7E4D75F-E229-449D-BC33-EA1849BC553B}"/>
-              </a:ext>
-            </a:extLst>
-          </p:cNvPr>
-          <p:cNvCxnSpPr>
-            <a:stCxn id="55" idx="0"/>
-            <a:endCxn id="56" idx="2"/>
-          </p:cNvCxnSpPr>
-          <p:nvPr/>
-        </p:nvCxnSpPr>
-        <p:spPr>
-          <a:xfrm rot="5400000" flipH="1" flipV="1">
-            <a:off x="6830272" y="3028418"/>
-            <a:ext cx="883413" cy="781848"/>
-          </a:xfrm>
-          <a:prstGeom prst="bentConnector3">
-            <a:avLst/>
-          </a:prstGeom>
-          <a:ln w="57150">
-            <a:solidFill>
-              <a:schemeClr val="accent1">
-                <a:lumMod val="60000"/>
-                <a:lumOff val="40000"/>
-              </a:schemeClr>
-            </a:solidFill>
-            <a:tailEnd type="triangle"/>
-          </a:ln>
-        </p:spPr>
-        <p:style>
-          <a:lnRef idx="2">
-            <a:schemeClr val="accent1"/>
-          </a:lnRef>
-          <a:fillRef idx="0">
-            <a:schemeClr val="accent1"/>
-          </a:fillRef>
-          <a:effectRef idx="1">
-            <a:schemeClr val="accent1"/>
-          </a:effectRef>
-          <a:fontRef idx="minor">
-            <a:schemeClr val="tx1"/>
-          </a:fontRef>
-        </p:style>
-      </p:cxnSp>
-      <p:cxnSp>
-        <p:nvCxnSpPr>
-          <p:cNvPr id="84" name="Connector: Elbow 83">
-            <a:extLst>
-              <a:ext uri="{FF2B5EF4-FFF2-40B4-BE49-F238E27FC236}">
-                <a16:creationId xmlns:a16="http://schemas.microsoft.com/office/drawing/2014/main" id="{F9C050A1-7F2A-43CC-999C-841D9B63B626}"/>
-              </a:ext>
-            </a:extLst>
-          </p:cNvPr>
-          <p:cNvCxnSpPr>
-            <a:stCxn id="59" idx="3"/>
-            <a:endCxn id="53" idx="0"/>
-          </p:cNvCxnSpPr>
-          <p:nvPr/>
-        </p:nvCxnSpPr>
-        <p:spPr>
-          <a:xfrm>
-            <a:off x="3043448" y="4639737"/>
-            <a:ext cx="597246" cy="733479"/>
-          </a:xfrm>
-          <a:prstGeom prst="bentConnector2">
-            <a:avLst/>
-          </a:prstGeom>
-          <a:ln w="57150">
-            <a:solidFill>
-              <a:schemeClr val="tx2">
-                <a:lumMod val="60000"/>
-                <a:lumOff val="40000"/>
-              </a:schemeClr>
-            </a:solidFill>
-            <a:tailEnd type="triangle"/>
-          </a:ln>
-        </p:spPr>
-        <p:style>
-          <a:lnRef idx="2">
-            <a:schemeClr val="accent1"/>
-          </a:lnRef>
-          <a:fillRef idx="0">
-            <a:schemeClr val="accent1"/>
-          </a:fillRef>
-          <a:effectRef idx="1">
-            <a:schemeClr val="accent1"/>
-          </a:effectRef>
-          <a:fontRef idx="minor">
-            <a:schemeClr val="tx1"/>
-          </a:fontRef>
-        </p:style>
-      </p:cxnSp>
-      <p:sp>
-        <p:nvSpPr>
-          <p:cNvPr id="85" name="Rectangle 84">
-            <a:extLst>
-              <a:ext uri="{FF2B5EF4-FFF2-40B4-BE49-F238E27FC236}">
-                <a16:creationId xmlns:a16="http://schemas.microsoft.com/office/drawing/2014/main" id="{9B9CD4E1-1FD1-402D-83A3-22A952FE884D}"/>
-              </a:ext>
-            </a:extLst>
-          </p:cNvPr>
-          <p:cNvSpPr/>
-          <p:nvPr/>
-        </p:nvSpPr>
-        <p:spPr>
-          <a:xfrm>
-            <a:off x="7963166" y="4851176"/>
-            <a:ext cx="1608404" cy="954087"/>
-          </a:xfrm>
-          <a:prstGeom prst="rect">
-            <a:avLst/>
-          </a:prstGeom>
-          <a:solidFill>
-            <a:srgbClr val="00B050"/>
-          </a:solidFill>
-          <a:ln>
-            <a:noFill/>
-          </a:ln>
-          <a:effectLst/>
-        </p:spPr>
-        <p:style>
-          <a:lnRef idx="1">
-            <a:schemeClr val="accent1"/>
-          </a:lnRef>
-          <a:fillRef idx="3">
-            <a:schemeClr val="accent1"/>
-          </a:fillRef>
-          <a:effectRef idx="2">
-            <a:schemeClr val="accent1"/>
-          </a:effectRef>
-          <a:fontRef idx="minor">
-            <a:schemeClr val="lt1"/>
-          </a:fontRef>
-        </p:style>
-        <p:txBody>
-          <a:bodyPr rtlCol="0" anchor="ctr"/>
-          <a:lstStyle/>
-          <a:p>
-            <a:pPr algn="ctr"/>
-            <a:r>
-              <a:rPr lang="pt-BR" sz="1400" b="1" dirty="0">
-                <a:solidFill>
-                  <a:schemeClr val="bg1"/>
-                </a:solidFill>
-              </a:rPr>
-              <a:t>Passar de primeira sem codificar é indicativo de algo errado...</a:t>
-            </a:r>
-          </a:p>
-        </p:txBody>
-      </p:sp>
-      <p:sp>
-        <p:nvSpPr>
-          <p:cNvPr id="86" name="TextBox 85">
-            <a:extLst>
-              <a:ext uri="{FF2B5EF4-FFF2-40B4-BE49-F238E27FC236}">
-                <a16:creationId xmlns:a16="http://schemas.microsoft.com/office/drawing/2014/main" id="{43C3D004-8328-4073-8CCB-027AFF256413}"/>
-              </a:ext>
-            </a:extLst>
-          </p:cNvPr>
-          <p:cNvSpPr txBox="1"/>
-          <p:nvPr/>
-        </p:nvSpPr>
-        <p:spPr>
-          <a:xfrm>
-            <a:off x="5418124" y="2894125"/>
-            <a:ext cx="975635" cy="461665"/>
-          </a:xfrm>
-          <a:prstGeom prst="rect">
-            <a:avLst/>
-          </a:prstGeom>
-          <a:solidFill>
-            <a:srgbClr val="FF0000"/>
-          </a:solidFill>
-          <a:ln>
-            <a:solidFill>
-              <a:srgbClr val="FF0000"/>
-            </a:solidFill>
-          </a:ln>
-        </p:spPr>
-        <p:txBody>
-          <a:bodyPr wrap="square" rtlCol="0">
-            <a:spAutoFit/>
-          </a:bodyPr>
-          <a:lstStyle/>
-          <a:p>
-            <a:pPr algn="ctr"/>
-            <a:r>
-              <a:rPr lang="pt-BR" sz="1200" b="1" dirty="0">
-                <a:solidFill>
-                  <a:schemeClr val="bg1"/>
-                </a:solidFill>
-              </a:rPr>
-              <a:t>Reverter mudanças</a:t>
+              <a:rPr lang="pt-BR" dirty="0"/>
+              <a:t>TDD</a:t>
             </a:r>
           </a:p>
         </p:txBody>
@@ -9795,6 +10298,2055 @@
       </p:grpSpPr>
       <p:sp>
         <p:nvSpPr>
+          <p:cNvPr id="2" name="Título 1"/>
+          <p:cNvSpPr>
+            <a:spLocks noGrp="1"/>
+          </p:cNvSpPr>
+          <p:nvPr>
+            <p:ph type="title"/>
+          </p:nvPr>
+        </p:nvSpPr>
+        <p:spPr/>
+        <p:txBody>
+          <a:bodyPr/>
+          <a:lstStyle/>
+          <a:p>
+            <a:r>
+              <a:rPr lang="pt-BR" dirty="0">
+                <a:latin typeface="Segoe UI" panose="020B0502040204020203" pitchFamily="34" charset="0"/>
+                <a:cs typeface="Segoe UI" panose="020B0502040204020203" pitchFamily="34" charset="0"/>
+              </a:rPr>
+              <a:t>BDD + TDD = Double loop</a:t>
+            </a:r>
+          </a:p>
+        </p:txBody>
+      </p:sp>
+      <p:pic>
+        <p:nvPicPr>
+          <p:cNvPr id="49" name="Picture 9" descr="A close up of a logo&#10;&#10;Description automatically generated">
+            <a:extLst>
+              <a:ext uri="{FF2B5EF4-FFF2-40B4-BE49-F238E27FC236}">
+                <a16:creationId xmlns:a16="http://schemas.microsoft.com/office/drawing/2014/main" id="{886B2336-EDAC-4D5C-9402-2554B70B39D6}"/>
+              </a:ext>
+            </a:extLst>
+          </p:cNvPr>
+          <p:cNvPicPr>
+            <a:picLocks noChangeAspect="1"/>
+          </p:cNvPicPr>
+          <p:nvPr/>
+        </p:nvPicPr>
+        <p:blipFill>
+          <a:blip r:embed="rId2" cstate="print">
+            <a:extLst>
+              <a:ext uri="{28A0092B-C50C-407E-A947-70E740481C1C}">
+                <a14:useLocalDpi xmlns:a14="http://schemas.microsoft.com/office/drawing/2010/main" val="0"/>
+              </a:ext>
+            </a:extLst>
+          </a:blip>
+          <a:stretch>
+            <a:fillRect/>
+          </a:stretch>
+        </p:blipFill>
+        <p:spPr>
+          <a:xfrm>
+            <a:off x="6601635" y="1882601"/>
+            <a:ext cx="360000" cy="360000"/>
+          </a:xfrm>
+          <a:prstGeom prst="rect">
+            <a:avLst/>
+          </a:prstGeom>
+        </p:spPr>
+      </p:pic>
+      <p:pic>
+        <p:nvPicPr>
+          <p:cNvPr id="50" name="Picture 9" descr="A close up of a logo&#10;&#10;Description automatically generated">
+            <a:extLst>
+              <a:ext uri="{FF2B5EF4-FFF2-40B4-BE49-F238E27FC236}">
+                <a16:creationId xmlns:a16="http://schemas.microsoft.com/office/drawing/2014/main" id="{F74DE2E9-F0A2-4D4A-B10B-9019F3DC7834}"/>
+              </a:ext>
+            </a:extLst>
+          </p:cNvPr>
+          <p:cNvPicPr>
+            <a:picLocks noChangeAspect="1"/>
+          </p:cNvPicPr>
+          <p:nvPr/>
+        </p:nvPicPr>
+        <p:blipFill>
+          <a:blip r:embed="rId2" cstate="print">
+            <a:extLst>
+              <a:ext uri="{28A0092B-C50C-407E-A947-70E740481C1C}">
+                <a14:useLocalDpi xmlns:a14="http://schemas.microsoft.com/office/drawing/2010/main" val="0"/>
+              </a:ext>
+            </a:extLst>
+          </a:blip>
+          <a:stretch>
+            <a:fillRect/>
+          </a:stretch>
+        </p:blipFill>
+        <p:spPr>
+          <a:xfrm>
+            <a:off x="4470085" y="6189621"/>
+            <a:ext cx="360000" cy="360000"/>
+          </a:xfrm>
+          <a:prstGeom prst="rect">
+            <a:avLst/>
+          </a:prstGeom>
+        </p:spPr>
+      </p:pic>
+      <p:pic>
+        <p:nvPicPr>
+          <p:cNvPr id="51" name="Picture 9" descr="A close up of a logo&#10;&#10;Description automatically generated">
+            <a:extLst>
+              <a:ext uri="{FF2B5EF4-FFF2-40B4-BE49-F238E27FC236}">
+                <a16:creationId xmlns:a16="http://schemas.microsoft.com/office/drawing/2014/main" id="{8FBB7558-2DA7-4F05-BF1A-306D7FF555F1}"/>
+              </a:ext>
+            </a:extLst>
+          </p:cNvPr>
+          <p:cNvPicPr>
+            <a:picLocks noChangeAspect="1"/>
+          </p:cNvPicPr>
+          <p:nvPr/>
+        </p:nvPicPr>
+        <p:blipFill>
+          <a:blip r:embed="rId3" cstate="print">
+            <a:extLst>
+              <a:ext uri="{28A0092B-C50C-407E-A947-70E740481C1C}">
+                <a14:useLocalDpi xmlns:a14="http://schemas.microsoft.com/office/drawing/2010/main" val="0"/>
+              </a:ext>
+            </a:extLst>
+          </a:blip>
+          <a:stretch>
+            <a:fillRect/>
+          </a:stretch>
+        </p:blipFill>
+        <p:spPr>
+          <a:xfrm>
+            <a:off x="7480085" y="5082382"/>
+            <a:ext cx="519781" cy="519781"/>
+          </a:xfrm>
+          <a:prstGeom prst="rect">
+            <a:avLst/>
+          </a:prstGeom>
+        </p:spPr>
+      </p:pic>
+      <p:sp>
+        <p:nvSpPr>
+          <p:cNvPr id="52" name="Rectangle: Rounded Corners 51">
+            <a:extLst>
+              <a:ext uri="{FF2B5EF4-FFF2-40B4-BE49-F238E27FC236}">
+                <a16:creationId xmlns:a16="http://schemas.microsoft.com/office/drawing/2014/main" id="{954F5F91-6A40-4A03-9882-6F4DC74009F5}"/>
+              </a:ext>
+            </a:extLst>
+          </p:cNvPr>
+          <p:cNvSpPr/>
+          <p:nvPr/>
+        </p:nvSpPr>
+        <p:spPr>
+          <a:xfrm>
+            <a:off x="321211" y="823789"/>
+            <a:ext cx="1570108" cy="864096"/>
+          </a:xfrm>
+          <a:prstGeom prst="roundRect">
+            <a:avLst/>
+          </a:prstGeom>
+          <a:solidFill>
+            <a:schemeClr val="tx2">
+              <a:lumMod val="60000"/>
+              <a:lumOff val="40000"/>
+            </a:schemeClr>
+          </a:solidFill>
+          <a:ln>
+            <a:noFill/>
+          </a:ln>
+          <a:effectLst/>
+        </p:spPr>
+        <p:style>
+          <a:lnRef idx="1">
+            <a:schemeClr val="accent1"/>
+          </a:lnRef>
+          <a:fillRef idx="3">
+            <a:schemeClr val="accent1"/>
+          </a:fillRef>
+          <a:effectRef idx="2">
+            <a:schemeClr val="accent1"/>
+          </a:effectRef>
+          <a:fontRef idx="minor">
+            <a:schemeClr val="lt1"/>
+          </a:fontRef>
+        </p:style>
+        <p:txBody>
+          <a:bodyPr rtlCol="0" anchor="ctr"/>
+          <a:lstStyle/>
+          <a:p>
+            <a:pPr algn="ctr"/>
+            <a:r>
+              <a:rPr lang="pt-BR" sz="1400" b="1" dirty="0"/>
+              <a:t>Novo teste BDD</a:t>
+            </a:r>
+            <a:br>
+              <a:rPr lang="pt-BR" sz="1400" b="1" dirty="0"/>
+            </a:br>
+            <a:r>
+              <a:rPr lang="pt-BR" sz="1300" b="1" dirty="0"/>
+              <a:t>(Uma US da nova </a:t>
+            </a:r>
+            <a:r>
+              <a:rPr lang="pt-BR" sz="1300" b="1" dirty="0" err="1"/>
+              <a:t>feature</a:t>
+            </a:r>
+            <a:r>
+              <a:rPr lang="pt-BR" sz="1300" b="1" dirty="0"/>
+              <a:t>)</a:t>
+            </a:r>
+          </a:p>
+        </p:txBody>
+      </p:sp>
+      <p:sp>
+        <p:nvSpPr>
+          <p:cNvPr id="53" name="Rectangle: Rounded Corners 52">
+            <a:extLst>
+              <a:ext uri="{FF2B5EF4-FFF2-40B4-BE49-F238E27FC236}">
+                <a16:creationId xmlns:a16="http://schemas.microsoft.com/office/drawing/2014/main" id="{9C9B9BCE-8471-4255-AFA8-6E3BFC03B57F}"/>
+              </a:ext>
+            </a:extLst>
+          </p:cNvPr>
+          <p:cNvSpPr/>
+          <p:nvPr/>
+        </p:nvSpPr>
+        <p:spPr>
+          <a:xfrm>
+            <a:off x="2855640" y="5373216"/>
+            <a:ext cx="1570108" cy="864096"/>
+          </a:xfrm>
+          <a:prstGeom prst="roundRect">
+            <a:avLst/>
+          </a:prstGeom>
+          <a:solidFill>
+            <a:schemeClr val="tx2">
+              <a:lumMod val="60000"/>
+              <a:lumOff val="40000"/>
+            </a:schemeClr>
+          </a:solidFill>
+          <a:ln>
+            <a:noFill/>
+          </a:ln>
+          <a:effectLst/>
+        </p:spPr>
+        <p:style>
+          <a:lnRef idx="1">
+            <a:schemeClr val="accent1"/>
+          </a:lnRef>
+          <a:fillRef idx="3">
+            <a:schemeClr val="accent1"/>
+          </a:fillRef>
+          <a:effectRef idx="2">
+            <a:schemeClr val="accent1"/>
+          </a:effectRef>
+          <a:fontRef idx="minor">
+            <a:schemeClr val="lt1"/>
+          </a:fontRef>
+        </p:style>
+        <p:txBody>
+          <a:bodyPr rtlCol="0" anchor="ctr"/>
+          <a:lstStyle/>
+          <a:p>
+            <a:pPr algn="ctr"/>
+            <a:r>
+              <a:rPr lang="pt-BR" sz="1400" b="1" dirty="0"/>
+              <a:t>Rodar novo </a:t>
+            </a:r>
+            <a:br>
+              <a:rPr lang="pt-BR" sz="1400" b="1" dirty="0"/>
+            </a:br>
+            <a:r>
+              <a:rPr lang="pt-BR" sz="1400" b="1" dirty="0"/>
+              <a:t>teste BDD</a:t>
+            </a:r>
+          </a:p>
+        </p:txBody>
+      </p:sp>
+      <p:sp>
+        <p:nvSpPr>
+          <p:cNvPr id="54" name="Rectangle: Rounded Corners 53">
+            <a:extLst>
+              <a:ext uri="{FF2B5EF4-FFF2-40B4-BE49-F238E27FC236}">
+                <a16:creationId xmlns:a16="http://schemas.microsoft.com/office/drawing/2014/main" id="{C6330445-55AC-49EF-A9E4-F82493C51E6E}"/>
+              </a:ext>
+            </a:extLst>
+          </p:cNvPr>
+          <p:cNvSpPr/>
+          <p:nvPr/>
+        </p:nvSpPr>
+        <p:spPr>
+          <a:xfrm>
+            <a:off x="9638460" y="3856820"/>
+            <a:ext cx="1570108" cy="864096"/>
+          </a:xfrm>
+          <a:prstGeom prst="roundRect">
+            <a:avLst/>
+          </a:prstGeom>
+          <a:solidFill>
+            <a:schemeClr val="tx2">
+              <a:lumMod val="60000"/>
+              <a:lumOff val="40000"/>
+            </a:schemeClr>
+          </a:solidFill>
+          <a:ln>
+            <a:noFill/>
+          </a:ln>
+          <a:effectLst/>
+        </p:spPr>
+        <p:style>
+          <a:lnRef idx="1">
+            <a:schemeClr val="accent1"/>
+          </a:lnRef>
+          <a:fillRef idx="3">
+            <a:schemeClr val="accent1"/>
+          </a:fillRef>
+          <a:effectRef idx="2">
+            <a:schemeClr val="accent1"/>
+          </a:effectRef>
+          <a:fontRef idx="minor">
+            <a:schemeClr val="lt1"/>
+          </a:fontRef>
+        </p:style>
+        <p:txBody>
+          <a:bodyPr rtlCol="0" anchor="ctr"/>
+          <a:lstStyle/>
+          <a:p>
+            <a:pPr algn="ctr"/>
+            <a:r>
+              <a:rPr lang="pt-BR" sz="1400" b="1" dirty="0"/>
+              <a:t>Rodar suíte de </a:t>
+            </a:r>
+            <a:br>
+              <a:rPr lang="pt-BR" sz="1400" b="1" dirty="0"/>
+            </a:br>
+            <a:r>
+              <a:rPr lang="pt-BR" sz="1400" b="1" dirty="0"/>
+              <a:t>testes BDD</a:t>
+            </a:r>
+          </a:p>
+        </p:txBody>
+      </p:sp>
+      <p:sp>
+        <p:nvSpPr>
+          <p:cNvPr id="55" name="Rectangle: Rounded Corners 54">
+            <a:extLst>
+              <a:ext uri="{FF2B5EF4-FFF2-40B4-BE49-F238E27FC236}">
+                <a16:creationId xmlns:a16="http://schemas.microsoft.com/office/drawing/2014/main" id="{0E2D1123-1EEE-45B8-947C-8C7708DC4DDF}"/>
+              </a:ext>
+            </a:extLst>
+          </p:cNvPr>
+          <p:cNvSpPr/>
+          <p:nvPr/>
+        </p:nvSpPr>
+        <p:spPr>
+          <a:xfrm>
+            <a:off x="6096000" y="3861048"/>
+            <a:ext cx="1570108" cy="864096"/>
+          </a:xfrm>
+          <a:prstGeom prst="roundRect">
+            <a:avLst/>
+          </a:prstGeom>
+          <a:solidFill>
+            <a:schemeClr val="accent1">
+              <a:lumMod val="60000"/>
+              <a:lumOff val="40000"/>
+            </a:schemeClr>
+          </a:solidFill>
+          <a:ln>
+            <a:noFill/>
+          </a:ln>
+          <a:effectLst/>
+        </p:spPr>
+        <p:style>
+          <a:lnRef idx="1">
+            <a:schemeClr val="accent1"/>
+          </a:lnRef>
+          <a:fillRef idx="3">
+            <a:schemeClr val="accent1"/>
+          </a:fillRef>
+          <a:effectRef idx="2">
+            <a:schemeClr val="accent1"/>
+          </a:effectRef>
+          <a:fontRef idx="minor">
+            <a:schemeClr val="lt1"/>
+          </a:fontRef>
+        </p:style>
+        <p:txBody>
+          <a:bodyPr rtlCol="0" anchor="ctr"/>
+          <a:lstStyle/>
+          <a:p>
+            <a:pPr algn="ctr"/>
+            <a:r>
+              <a:rPr lang="pt-BR" sz="1400" b="1" dirty="0"/>
+              <a:t>Adicionar  novo teste TDD</a:t>
+            </a:r>
+            <a:br>
+              <a:rPr lang="pt-BR" sz="1400" b="1" dirty="0"/>
+            </a:br>
+            <a:r>
+              <a:rPr lang="pt-BR" sz="1300" b="1" dirty="0"/>
+              <a:t>(critério de aceite)</a:t>
+            </a:r>
+          </a:p>
+        </p:txBody>
+      </p:sp>
+      <p:sp>
+        <p:nvSpPr>
+          <p:cNvPr id="56" name="Rectangle: Rounded Corners 55">
+            <a:extLst>
+              <a:ext uri="{FF2B5EF4-FFF2-40B4-BE49-F238E27FC236}">
+                <a16:creationId xmlns:a16="http://schemas.microsoft.com/office/drawing/2014/main" id="{65C6E991-1365-4A1C-94AD-31BC9964E3A5}"/>
+              </a:ext>
+            </a:extLst>
+          </p:cNvPr>
+          <p:cNvSpPr/>
+          <p:nvPr/>
+        </p:nvSpPr>
+        <p:spPr>
+          <a:xfrm>
+            <a:off x="6877848" y="2113539"/>
+            <a:ext cx="1570108" cy="864096"/>
+          </a:xfrm>
+          <a:prstGeom prst="roundRect">
+            <a:avLst/>
+          </a:prstGeom>
+          <a:solidFill>
+            <a:schemeClr val="accent1">
+              <a:lumMod val="60000"/>
+              <a:lumOff val="40000"/>
+            </a:schemeClr>
+          </a:solidFill>
+          <a:ln>
+            <a:noFill/>
+          </a:ln>
+          <a:effectLst/>
+        </p:spPr>
+        <p:style>
+          <a:lnRef idx="1">
+            <a:schemeClr val="accent1"/>
+          </a:lnRef>
+          <a:fillRef idx="3">
+            <a:schemeClr val="accent1"/>
+          </a:fillRef>
+          <a:effectRef idx="2">
+            <a:schemeClr val="accent1"/>
+          </a:effectRef>
+          <a:fontRef idx="minor">
+            <a:schemeClr val="lt1"/>
+          </a:fontRef>
+        </p:style>
+        <p:txBody>
+          <a:bodyPr rtlCol="0" anchor="ctr"/>
+          <a:lstStyle/>
+          <a:p>
+            <a:pPr algn="ctr"/>
+            <a:r>
+              <a:rPr lang="pt-BR" sz="1400" b="1" dirty="0"/>
+              <a:t>Rodar novo teste TDD</a:t>
+            </a:r>
+          </a:p>
+        </p:txBody>
+      </p:sp>
+      <p:sp>
+        <p:nvSpPr>
+          <p:cNvPr id="57" name="Rectangle: Rounded Corners 56">
+            <a:extLst>
+              <a:ext uri="{FF2B5EF4-FFF2-40B4-BE49-F238E27FC236}">
+                <a16:creationId xmlns:a16="http://schemas.microsoft.com/office/drawing/2014/main" id="{96629A8A-40DF-4D16-BA48-6EC0E9CC25DC}"/>
+              </a:ext>
+            </a:extLst>
+          </p:cNvPr>
+          <p:cNvSpPr/>
+          <p:nvPr/>
+        </p:nvSpPr>
+        <p:spPr>
+          <a:xfrm>
+            <a:off x="4007768" y="1509867"/>
+            <a:ext cx="1570108" cy="864096"/>
+          </a:xfrm>
+          <a:prstGeom prst="roundRect">
+            <a:avLst/>
+          </a:prstGeom>
+          <a:solidFill>
+            <a:schemeClr val="accent1">
+              <a:lumMod val="60000"/>
+              <a:lumOff val="40000"/>
+            </a:schemeClr>
+          </a:solidFill>
+          <a:ln>
+            <a:noFill/>
+          </a:ln>
+          <a:effectLst/>
+        </p:spPr>
+        <p:style>
+          <a:lnRef idx="1">
+            <a:schemeClr val="accent1"/>
+          </a:lnRef>
+          <a:fillRef idx="3">
+            <a:schemeClr val="accent1"/>
+          </a:fillRef>
+          <a:effectRef idx="2">
+            <a:schemeClr val="accent1"/>
+          </a:effectRef>
+          <a:fontRef idx="minor">
+            <a:schemeClr val="lt1"/>
+          </a:fontRef>
+        </p:style>
+        <p:txBody>
+          <a:bodyPr rtlCol="0" anchor="ctr"/>
+          <a:lstStyle/>
+          <a:p>
+            <a:pPr algn="ctr"/>
+            <a:r>
+              <a:rPr lang="pt-BR" sz="1400" b="1" dirty="0"/>
+              <a:t>Rodar suíte de testes TDD</a:t>
+            </a:r>
+          </a:p>
+        </p:txBody>
+      </p:sp>
+      <p:sp>
+        <p:nvSpPr>
+          <p:cNvPr id="58" name="Rectangle: Rounded Corners 57">
+            <a:extLst>
+              <a:ext uri="{FF2B5EF4-FFF2-40B4-BE49-F238E27FC236}">
+                <a16:creationId xmlns:a16="http://schemas.microsoft.com/office/drawing/2014/main" id="{88B59F1C-6984-4A36-A6AC-5C63A96EE405}"/>
+              </a:ext>
+            </a:extLst>
+          </p:cNvPr>
+          <p:cNvSpPr/>
+          <p:nvPr/>
+        </p:nvSpPr>
+        <p:spPr>
+          <a:xfrm>
+            <a:off x="1919536" y="2705047"/>
+            <a:ext cx="1152129" cy="723953"/>
+          </a:xfrm>
+          <a:prstGeom prst="roundRect">
+            <a:avLst/>
+          </a:prstGeom>
+          <a:solidFill>
+            <a:srgbClr val="92D050"/>
+          </a:solidFill>
+          <a:ln>
+            <a:noFill/>
+          </a:ln>
+          <a:effectLst/>
+        </p:spPr>
+        <p:style>
+          <a:lnRef idx="1">
+            <a:schemeClr val="accent1"/>
+          </a:lnRef>
+          <a:fillRef idx="3">
+            <a:schemeClr val="accent1"/>
+          </a:fillRef>
+          <a:effectRef idx="2">
+            <a:schemeClr val="accent1"/>
+          </a:effectRef>
+          <a:fontRef idx="minor">
+            <a:schemeClr val="lt1"/>
+          </a:fontRef>
+        </p:style>
+        <p:txBody>
+          <a:bodyPr rtlCol="0" anchor="ctr"/>
+          <a:lstStyle/>
+          <a:p>
+            <a:pPr algn="ctr"/>
+            <a:r>
+              <a:rPr lang="pt-BR" sz="1400" b="1" dirty="0" err="1">
+                <a:solidFill>
+                  <a:schemeClr val="bg1"/>
+                </a:solidFill>
+              </a:rPr>
+              <a:t>Feature</a:t>
+            </a:r>
+            <a:r>
+              <a:rPr lang="pt-BR" sz="1400" b="1" dirty="0">
+                <a:solidFill>
+                  <a:schemeClr val="bg1"/>
+                </a:solidFill>
+              </a:rPr>
+              <a:t> concluída</a:t>
+            </a:r>
+          </a:p>
+        </p:txBody>
+      </p:sp>
+      <p:sp>
+        <p:nvSpPr>
+          <p:cNvPr id="59" name="Rectangle: Rounded Corners 58">
+            <a:extLst>
+              <a:ext uri="{FF2B5EF4-FFF2-40B4-BE49-F238E27FC236}">
+                <a16:creationId xmlns:a16="http://schemas.microsoft.com/office/drawing/2014/main" id="{0707BE36-5337-471E-A57E-EADAAA4908D5}"/>
+              </a:ext>
+            </a:extLst>
+          </p:cNvPr>
+          <p:cNvSpPr/>
+          <p:nvPr/>
+        </p:nvSpPr>
+        <p:spPr>
+          <a:xfrm>
+            <a:off x="1891319" y="4277760"/>
+            <a:ext cx="1152129" cy="723953"/>
+          </a:xfrm>
+          <a:prstGeom prst="roundRect">
+            <a:avLst/>
+          </a:prstGeom>
+          <a:solidFill>
+            <a:srgbClr val="92D050"/>
+          </a:solidFill>
+          <a:ln>
+            <a:noFill/>
+          </a:ln>
+          <a:effectLst/>
+        </p:spPr>
+        <p:style>
+          <a:lnRef idx="1">
+            <a:schemeClr val="accent1"/>
+          </a:lnRef>
+          <a:fillRef idx="3">
+            <a:schemeClr val="accent1"/>
+          </a:fillRef>
+          <a:effectRef idx="2">
+            <a:schemeClr val="accent1"/>
+          </a:effectRef>
+          <a:fontRef idx="minor">
+            <a:schemeClr val="lt1"/>
+          </a:fontRef>
+        </p:style>
+        <p:txBody>
+          <a:bodyPr rtlCol="0" anchor="ctr"/>
+          <a:lstStyle/>
+          <a:p>
+            <a:pPr algn="ctr"/>
+            <a:r>
+              <a:rPr lang="pt-BR" sz="1400" b="1" dirty="0" err="1">
+                <a:solidFill>
+                  <a:schemeClr val="bg1"/>
+                </a:solidFill>
+              </a:rPr>
+              <a:t>Refatorar</a:t>
+            </a:r>
+            <a:endParaRPr lang="pt-BR" sz="1400" b="1" dirty="0">
+              <a:solidFill>
+                <a:schemeClr val="bg1"/>
+              </a:solidFill>
+            </a:endParaRPr>
+          </a:p>
+        </p:txBody>
+      </p:sp>
+      <p:sp>
+        <p:nvSpPr>
+          <p:cNvPr id="60" name="Rectangle 59">
+            <a:extLst>
+              <a:ext uri="{FF2B5EF4-FFF2-40B4-BE49-F238E27FC236}">
+                <a16:creationId xmlns:a16="http://schemas.microsoft.com/office/drawing/2014/main" id="{0599F5B9-4FE6-4AF9-A9BD-0FB315193160}"/>
+              </a:ext>
+            </a:extLst>
+          </p:cNvPr>
+          <p:cNvSpPr/>
+          <p:nvPr/>
+        </p:nvSpPr>
+        <p:spPr>
+          <a:xfrm>
+            <a:off x="4295800" y="5517232"/>
+            <a:ext cx="720000" cy="324000"/>
+          </a:xfrm>
+          <a:prstGeom prst="rect">
+            <a:avLst/>
+          </a:prstGeom>
+          <a:solidFill>
+            <a:srgbClr val="FF0000"/>
+          </a:solidFill>
+          <a:ln>
+            <a:noFill/>
+          </a:ln>
+          <a:effectLst/>
+        </p:spPr>
+        <p:style>
+          <a:lnRef idx="1">
+            <a:schemeClr val="accent1"/>
+          </a:lnRef>
+          <a:fillRef idx="3">
+            <a:schemeClr val="accent1"/>
+          </a:fillRef>
+          <a:effectRef idx="2">
+            <a:schemeClr val="accent1"/>
+          </a:effectRef>
+          <a:fontRef idx="minor">
+            <a:schemeClr val="lt1"/>
+          </a:fontRef>
+        </p:style>
+        <p:txBody>
+          <a:bodyPr rtlCol="0" anchor="ctr"/>
+          <a:lstStyle/>
+          <a:p>
+            <a:pPr algn="ctr"/>
+            <a:r>
+              <a:rPr lang="pt-BR" sz="1400" dirty="0"/>
+              <a:t>Falhou</a:t>
+            </a:r>
+          </a:p>
+        </p:txBody>
+      </p:sp>
+      <p:sp>
+        <p:nvSpPr>
+          <p:cNvPr id="61" name="Rectangle 60">
+            <a:extLst>
+              <a:ext uri="{FF2B5EF4-FFF2-40B4-BE49-F238E27FC236}">
+                <a16:creationId xmlns:a16="http://schemas.microsoft.com/office/drawing/2014/main" id="{A1D69CB9-B810-4300-B93A-D1CD169BCB65}"/>
+              </a:ext>
+            </a:extLst>
+          </p:cNvPr>
+          <p:cNvSpPr/>
+          <p:nvPr/>
+        </p:nvSpPr>
+        <p:spPr>
+          <a:xfrm>
+            <a:off x="4295800" y="5873431"/>
+            <a:ext cx="720000" cy="324000"/>
+          </a:xfrm>
+          <a:prstGeom prst="rect">
+            <a:avLst/>
+          </a:prstGeom>
+          <a:solidFill>
+            <a:srgbClr val="00B050"/>
+          </a:solidFill>
+          <a:ln>
+            <a:noFill/>
+          </a:ln>
+          <a:effectLst/>
+        </p:spPr>
+        <p:style>
+          <a:lnRef idx="1">
+            <a:schemeClr val="accent1"/>
+          </a:lnRef>
+          <a:fillRef idx="3">
+            <a:schemeClr val="accent1"/>
+          </a:fillRef>
+          <a:effectRef idx="2">
+            <a:schemeClr val="accent1"/>
+          </a:effectRef>
+          <a:fontRef idx="minor">
+            <a:schemeClr val="lt1"/>
+          </a:fontRef>
+        </p:style>
+        <p:txBody>
+          <a:bodyPr rtlCol="0" anchor="ctr"/>
+          <a:lstStyle/>
+          <a:p>
+            <a:pPr algn="ctr"/>
+            <a:r>
+              <a:rPr lang="pt-BR" sz="1400" b="1" dirty="0">
+                <a:solidFill>
+                  <a:schemeClr val="bg1"/>
+                </a:solidFill>
+              </a:rPr>
+              <a:t>Passou</a:t>
+            </a:r>
+          </a:p>
+        </p:txBody>
+      </p:sp>
+      <p:sp>
+        <p:nvSpPr>
+          <p:cNvPr id="62" name="Rectangle 61">
+            <a:extLst>
+              <a:ext uri="{FF2B5EF4-FFF2-40B4-BE49-F238E27FC236}">
+                <a16:creationId xmlns:a16="http://schemas.microsoft.com/office/drawing/2014/main" id="{2A02614A-1187-4C9A-9C0B-41287B1015F2}"/>
+              </a:ext>
+            </a:extLst>
+          </p:cNvPr>
+          <p:cNvSpPr/>
+          <p:nvPr/>
+        </p:nvSpPr>
+        <p:spPr>
+          <a:xfrm>
+            <a:off x="9703514" y="3694820"/>
+            <a:ext cx="720000" cy="324000"/>
+          </a:xfrm>
+          <a:prstGeom prst="rect">
+            <a:avLst/>
+          </a:prstGeom>
+          <a:solidFill>
+            <a:srgbClr val="FF0000"/>
+          </a:solidFill>
+          <a:ln>
+            <a:noFill/>
+          </a:ln>
+          <a:effectLst/>
+        </p:spPr>
+        <p:style>
+          <a:lnRef idx="1">
+            <a:schemeClr val="accent1"/>
+          </a:lnRef>
+          <a:fillRef idx="3">
+            <a:schemeClr val="accent1"/>
+          </a:fillRef>
+          <a:effectRef idx="2">
+            <a:schemeClr val="accent1"/>
+          </a:effectRef>
+          <a:fontRef idx="minor">
+            <a:schemeClr val="lt1"/>
+          </a:fontRef>
+        </p:style>
+        <p:txBody>
+          <a:bodyPr rtlCol="0" anchor="ctr"/>
+          <a:lstStyle/>
+          <a:p>
+            <a:pPr algn="ctr"/>
+            <a:r>
+              <a:rPr lang="pt-BR" sz="1400" dirty="0"/>
+              <a:t>Falhou</a:t>
+            </a:r>
+          </a:p>
+        </p:txBody>
+      </p:sp>
+      <p:sp>
+        <p:nvSpPr>
+          <p:cNvPr id="63" name="Rectangle 62">
+            <a:extLst>
+              <a:ext uri="{FF2B5EF4-FFF2-40B4-BE49-F238E27FC236}">
+                <a16:creationId xmlns:a16="http://schemas.microsoft.com/office/drawing/2014/main" id="{1DA170D4-6E41-4F5F-81B3-5D26C815E30D}"/>
+              </a:ext>
+            </a:extLst>
+          </p:cNvPr>
+          <p:cNvSpPr/>
+          <p:nvPr/>
+        </p:nvSpPr>
+        <p:spPr>
+          <a:xfrm>
+            <a:off x="10456041" y="3694820"/>
+            <a:ext cx="720000" cy="324000"/>
+          </a:xfrm>
+          <a:prstGeom prst="rect">
+            <a:avLst/>
+          </a:prstGeom>
+          <a:solidFill>
+            <a:srgbClr val="00B050"/>
+          </a:solidFill>
+          <a:ln>
+            <a:noFill/>
+          </a:ln>
+          <a:effectLst/>
+        </p:spPr>
+        <p:style>
+          <a:lnRef idx="1">
+            <a:schemeClr val="accent1"/>
+          </a:lnRef>
+          <a:fillRef idx="3">
+            <a:schemeClr val="accent1"/>
+          </a:fillRef>
+          <a:effectRef idx="2">
+            <a:schemeClr val="accent1"/>
+          </a:effectRef>
+          <a:fontRef idx="minor">
+            <a:schemeClr val="lt1"/>
+          </a:fontRef>
+        </p:style>
+        <p:txBody>
+          <a:bodyPr rtlCol="0" anchor="ctr"/>
+          <a:lstStyle/>
+          <a:p>
+            <a:pPr algn="ctr"/>
+            <a:r>
+              <a:rPr lang="pt-BR" sz="1400" b="1" dirty="0"/>
+              <a:t>Passou</a:t>
+            </a:r>
+          </a:p>
+        </p:txBody>
+      </p:sp>
+      <p:sp>
+        <p:nvSpPr>
+          <p:cNvPr id="64" name="Rectangle 63">
+            <a:extLst>
+              <a:ext uri="{FF2B5EF4-FFF2-40B4-BE49-F238E27FC236}">
+                <a16:creationId xmlns:a16="http://schemas.microsoft.com/office/drawing/2014/main" id="{DF6275E5-6C20-4A68-962D-A4435EBF9518}"/>
+              </a:ext>
+            </a:extLst>
+          </p:cNvPr>
+          <p:cNvSpPr/>
+          <p:nvPr/>
+        </p:nvSpPr>
+        <p:spPr>
+          <a:xfrm>
+            <a:off x="4835431" y="2249530"/>
+            <a:ext cx="720000" cy="324000"/>
+          </a:xfrm>
+          <a:prstGeom prst="rect">
+            <a:avLst/>
+          </a:prstGeom>
+          <a:solidFill>
+            <a:srgbClr val="FF0000"/>
+          </a:solidFill>
+          <a:ln>
+            <a:noFill/>
+          </a:ln>
+          <a:effectLst/>
+        </p:spPr>
+        <p:style>
+          <a:lnRef idx="1">
+            <a:schemeClr val="accent1"/>
+          </a:lnRef>
+          <a:fillRef idx="3">
+            <a:schemeClr val="accent1"/>
+          </a:fillRef>
+          <a:effectRef idx="2">
+            <a:schemeClr val="accent1"/>
+          </a:effectRef>
+          <a:fontRef idx="minor">
+            <a:schemeClr val="lt1"/>
+          </a:fontRef>
+        </p:style>
+        <p:txBody>
+          <a:bodyPr rtlCol="0" anchor="ctr"/>
+          <a:lstStyle/>
+          <a:p>
+            <a:pPr algn="ctr"/>
+            <a:r>
+              <a:rPr lang="pt-BR" sz="1400" dirty="0"/>
+              <a:t>Falhou</a:t>
+            </a:r>
+          </a:p>
+        </p:txBody>
+      </p:sp>
+      <p:sp>
+        <p:nvSpPr>
+          <p:cNvPr id="65" name="Rectangle 64">
+            <a:extLst>
+              <a:ext uri="{FF2B5EF4-FFF2-40B4-BE49-F238E27FC236}">
+                <a16:creationId xmlns:a16="http://schemas.microsoft.com/office/drawing/2014/main" id="{830D4A21-69AA-425E-AA34-C574929195F5}"/>
+              </a:ext>
+            </a:extLst>
+          </p:cNvPr>
+          <p:cNvSpPr/>
+          <p:nvPr/>
+        </p:nvSpPr>
+        <p:spPr>
+          <a:xfrm>
+            <a:off x="4079776" y="2244162"/>
+            <a:ext cx="720000" cy="324000"/>
+          </a:xfrm>
+          <a:prstGeom prst="rect">
+            <a:avLst/>
+          </a:prstGeom>
+          <a:solidFill>
+            <a:srgbClr val="00B050"/>
+          </a:solidFill>
+          <a:ln>
+            <a:noFill/>
+          </a:ln>
+          <a:effectLst/>
+        </p:spPr>
+        <p:style>
+          <a:lnRef idx="1">
+            <a:schemeClr val="accent1"/>
+          </a:lnRef>
+          <a:fillRef idx="3">
+            <a:schemeClr val="accent1"/>
+          </a:fillRef>
+          <a:effectRef idx="2">
+            <a:schemeClr val="accent1"/>
+          </a:effectRef>
+          <a:fontRef idx="minor">
+            <a:schemeClr val="lt1"/>
+          </a:fontRef>
+        </p:style>
+        <p:txBody>
+          <a:bodyPr rtlCol="0" anchor="ctr"/>
+          <a:lstStyle/>
+          <a:p>
+            <a:pPr algn="ctr"/>
+            <a:r>
+              <a:rPr lang="pt-BR" sz="1400" b="1" dirty="0"/>
+              <a:t>Passou</a:t>
+            </a:r>
+          </a:p>
+        </p:txBody>
+      </p:sp>
+      <p:sp>
+        <p:nvSpPr>
+          <p:cNvPr id="66" name="Rectangle: Rounded Corners 65">
+            <a:extLst>
+              <a:ext uri="{FF2B5EF4-FFF2-40B4-BE49-F238E27FC236}">
+                <a16:creationId xmlns:a16="http://schemas.microsoft.com/office/drawing/2014/main" id="{298D4B24-8879-4812-8C61-829E588E3CF9}"/>
+              </a:ext>
+            </a:extLst>
+          </p:cNvPr>
+          <p:cNvSpPr/>
+          <p:nvPr/>
+        </p:nvSpPr>
+        <p:spPr>
+          <a:xfrm>
+            <a:off x="8995570" y="2049211"/>
+            <a:ext cx="1152000" cy="723600"/>
+          </a:xfrm>
+          <a:prstGeom prst="roundRect">
+            <a:avLst/>
+          </a:prstGeom>
+          <a:solidFill>
+            <a:srgbClr val="92D050"/>
+          </a:solidFill>
+          <a:ln>
+            <a:noFill/>
+          </a:ln>
+          <a:effectLst/>
+        </p:spPr>
+        <p:style>
+          <a:lnRef idx="1">
+            <a:schemeClr val="accent1"/>
+          </a:lnRef>
+          <a:fillRef idx="3">
+            <a:schemeClr val="accent1"/>
+          </a:fillRef>
+          <a:effectRef idx="2">
+            <a:schemeClr val="accent1"/>
+          </a:effectRef>
+          <a:fontRef idx="minor">
+            <a:schemeClr val="lt1"/>
+          </a:fontRef>
+        </p:style>
+        <p:txBody>
+          <a:bodyPr rtlCol="0" anchor="ctr"/>
+          <a:lstStyle/>
+          <a:p>
+            <a:pPr algn="ctr"/>
+            <a:r>
+              <a:rPr lang="pt-BR" sz="1400" b="1" dirty="0">
+                <a:solidFill>
+                  <a:schemeClr val="bg1"/>
+                </a:solidFill>
+              </a:rPr>
+              <a:t>Código de produção</a:t>
+            </a:r>
+          </a:p>
+        </p:txBody>
+      </p:sp>
+      <p:sp>
+        <p:nvSpPr>
+          <p:cNvPr id="67" name="Rectangle 66">
+            <a:extLst>
+              <a:ext uri="{FF2B5EF4-FFF2-40B4-BE49-F238E27FC236}">
+                <a16:creationId xmlns:a16="http://schemas.microsoft.com/office/drawing/2014/main" id="{C95C4FA2-D238-420D-B500-5872BAC4F9C8}"/>
+              </a:ext>
+            </a:extLst>
+          </p:cNvPr>
+          <p:cNvSpPr/>
+          <p:nvPr/>
+        </p:nvSpPr>
+        <p:spPr>
+          <a:xfrm>
+            <a:off x="7666108" y="1920162"/>
+            <a:ext cx="720000" cy="324000"/>
+          </a:xfrm>
+          <a:prstGeom prst="rect">
+            <a:avLst/>
+          </a:prstGeom>
+          <a:solidFill>
+            <a:srgbClr val="FF0000"/>
+          </a:solidFill>
+          <a:ln>
+            <a:noFill/>
+          </a:ln>
+          <a:effectLst/>
+        </p:spPr>
+        <p:style>
+          <a:lnRef idx="1">
+            <a:schemeClr val="accent1"/>
+          </a:lnRef>
+          <a:fillRef idx="3">
+            <a:schemeClr val="accent1"/>
+          </a:fillRef>
+          <a:effectRef idx="2">
+            <a:schemeClr val="accent1"/>
+          </a:effectRef>
+          <a:fontRef idx="minor">
+            <a:schemeClr val="lt1"/>
+          </a:fontRef>
+        </p:style>
+        <p:txBody>
+          <a:bodyPr rtlCol="0" anchor="ctr"/>
+          <a:lstStyle/>
+          <a:p>
+            <a:pPr algn="ctr"/>
+            <a:r>
+              <a:rPr lang="pt-BR" sz="1400" dirty="0"/>
+              <a:t>Falhou</a:t>
+            </a:r>
+          </a:p>
+        </p:txBody>
+      </p:sp>
+      <p:sp>
+        <p:nvSpPr>
+          <p:cNvPr id="68" name="Rectangle 67">
+            <a:extLst>
+              <a:ext uri="{FF2B5EF4-FFF2-40B4-BE49-F238E27FC236}">
+                <a16:creationId xmlns:a16="http://schemas.microsoft.com/office/drawing/2014/main" id="{FFFDE2C3-6809-46EF-A33D-29681FE36566}"/>
+              </a:ext>
+            </a:extLst>
+          </p:cNvPr>
+          <p:cNvSpPr/>
+          <p:nvPr/>
+        </p:nvSpPr>
+        <p:spPr>
+          <a:xfrm>
+            <a:off x="6921486" y="1920162"/>
+            <a:ext cx="720000" cy="324000"/>
+          </a:xfrm>
+          <a:prstGeom prst="rect">
+            <a:avLst/>
+          </a:prstGeom>
+          <a:solidFill>
+            <a:srgbClr val="00B050"/>
+          </a:solidFill>
+          <a:ln>
+            <a:noFill/>
+          </a:ln>
+          <a:effectLst/>
+        </p:spPr>
+        <p:style>
+          <a:lnRef idx="1">
+            <a:schemeClr val="accent1"/>
+          </a:lnRef>
+          <a:fillRef idx="3">
+            <a:schemeClr val="accent1"/>
+          </a:fillRef>
+          <a:effectRef idx="2">
+            <a:schemeClr val="accent1"/>
+          </a:effectRef>
+          <a:fontRef idx="minor">
+            <a:schemeClr val="lt1"/>
+          </a:fontRef>
+        </p:style>
+        <p:txBody>
+          <a:bodyPr rtlCol="0" anchor="ctr"/>
+          <a:lstStyle/>
+          <a:p>
+            <a:pPr algn="ctr"/>
+            <a:r>
+              <a:rPr lang="pt-BR" sz="1400" b="1" dirty="0">
+                <a:solidFill>
+                  <a:schemeClr val="bg1"/>
+                </a:solidFill>
+              </a:rPr>
+              <a:t>Passou</a:t>
+            </a:r>
+          </a:p>
+        </p:txBody>
+      </p:sp>
+      <p:cxnSp>
+        <p:nvCxnSpPr>
+          <p:cNvPr id="69" name="Connector: Elbow 68">
+            <a:extLst>
+              <a:ext uri="{FF2B5EF4-FFF2-40B4-BE49-F238E27FC236}">
+                <a16:creationId xmlns:a16="http://schemas.microsoft.com/office/drawing/2014/main" id="{8B093408-2091-460E-9150-3B38ADFEEF9E}"/>
+              </a:ext>
+            </a:extLst>
+          </p:cNvPr>
+          <p:cNvCxnSpPr>
+            <a:cxnSpLocks/>
+            <a:stCxn id="52" idx="2"/>
+            <a:endCxn id="53" idx="1"/>
+          </p:cNvCxnSpPr>
+          <p:nvPr/>
+        </p:nvCxnSpPr>
+        <p:spPr>
+          <a:xfrm rot="16200000" flipH="1">
+            <a:off x="-77737" y="2871886"/>
+            <a:ext cx="4117379" cy="1749375"/>
+          </a:xfrm>
+          <a:prstGeom prst="bentConnector2">
+            <a:avLst/>
+          </a:prstGeom>
+          <a:ln w="57150">
+            <a:solidFill>
+              <a:schemeClr val="tx2">
+                <a:lumMod val="60000"/>
+                <a:lumOff val="40000"/>
+              </a:schemeClr>
+            </a:solidFill>
+            <a:tailEnd type="triangle"/>
+          </a:ln>
+        </p:spPr>
+        <p:style>
+          <a:lnRef idx="2">
+            <a:schemeClr val="accent1"/>
+          </a:lnRef>
+          <a:fillRef idx="0">
+            <a:schemeClr val="accent1"/>
+          </a:fillRef>
+          <a:effectRef idx="1">
+            <a:schemeClr val="accent1"/>
+          </a:effectRef>
+          <a:fontRef idx="minor">
+            <a:schemeClr val="tx1"/>
+          </a:fontRef>
+        </p:style>
+      </p:cxnSp>
+      <p:cxnSp>
+        <p:nvCxnSpPr>
+          <p:cNvPr id="70" name="Connector: Elbow 69">
+            <a:extLst>
+              <a:ext uri="{FF2B5EF4-FFF2-40B4-BE49-F238E27FC236}">
+                <a16:creationId xmlns:a16="http://schemas.microsoft.com/office/drawing/2014/main" id="{6A7C6ADF-8924-463E-80CA-CE0D6EC90B08}"/>
+              </a:ext>
+            </a:extLst>
+          </p:cNvPr>
+          <p:cNvCxnSpPr>
+            <a:cxnSpLocks/>
+            <a:stCxn id="60" idx="3"/>
+            <a:endCxn id="55" idx="2"/>
+          </p:cNvCxnSpPr>
+          <p:nvPr/>
+        </p:nvCxnSpPr>
+        <p:spPr>
+          <a:xfrm flipV="1">
+            <a:off x="5015800" y="4725144"/>
+            <a:ext cx="1865254" cy="954088"/>
+          </a:xfrm>
+          <a:prstGeom prst="bentConnector2">
+            <a:avLst/>
+          </a:prstGeom>
+          <a:ln w="57150">
+            <a:solidFill>
+              <a:srgbClr val="FF0000"/>
+            </a:solidFill>
+            <a:tailEnd type="triangle"/>
+          </a:ln>
+        </p:spPr>
+        <p:style>
+          <a:lnRef idx="2">
+            <a:schemeClr val="accent1"/>
+          </a:lnRef>
+          <a:fillRef idx="0">
+            <a:schemeClr val="accent1"/>
+          </a:fillRef>
+          <a:effectRef idx="1">
+            <a:schemeClr val="accent1"/>
+          </a:effectRef>
+          <a:fontRef idx="minor">
+            <a:schemeClr val="tx1"/>
+          </a:fontRef>
+        </p:style>
+      </p:cxnSp>
+      <p:cxnSp>
+        <p:nvCxnSpPr>
+          <p:cNvPr id="71" name="Connector: Elbow 70">
+            <a:extLst>
+              <a:ext uri="{FF2B5EF4-FFF2-40B4-BE49-F238E27FC236}">
+                <a16:creationId xmlns:a16="http://schemas.microsoft.com/office/drawing/2014/main" id="{50F1BE97-5F51-448F-8EB4-4D94F040E4FB}"/>
+              </a:ext>
+            </a:extLst>
+          </p:cNvPr>
+          <p:cNvCxnSpPr>
+            <a:stCxn id="61" idx="3"/>
+            <a:endCxn id="54" idx="2"/>
+          </p:cNvCxnSpPr>
+          <p:nvPr/>
+        </p:nvCxnSpPr>
+        <p:spPr>
+          <a:xfrm flipV="1">
+            <a:off x="5015800" y="4720916"/>
+            <a:ext cx="5407714" cy="1314515"/>
+          </a:xfrm>
+          <a:prstGeom prst="bentConnector2">
+            <a:avLst/>
+          </a:prstGeom>
+          <a:ln w="57150">
+            <a:solidFill>
+              <a:srgbClr val="00B050"/>
+            </a:solidFill>
+            <a:tailEnd type="triangle"/>
+          </a:ln>
+        </p:spPr>
+        <p:style>
+          <a:lnRef idx="2">
+            <a:schemeClr val="accent1"/>
+          </a:lnRef>
+          <a:fillRef idx="0">
+            <a:schemeClr val="accent1"/>
+          </a:fillRef>
+          <a:effectRef idx="1">
+            <a:schemeClr val="accent1"/>
+          </a:effectRef>
+          <a:fontRef idx="minor">
+            <a:schemeClr val="tx1"/>
+          </a:fontRef>
+        </p:style>
+      </p:cxnSp>
+      <p:cxnSp>
+        <p:nvCxnSpPr>
+          <p:cNvPr id="72" name="Connector: Elbow 71">
+            <a:extLst>
+              <a:ext uri="{FF2B5EF4-FFF2-40B4-BE49-F238E27FC236}">
+                <a16:creationId xmlns:a16="http://schemas.microsoft.com/office/drawing/2014/main" id="{94680F6D-CCDE-4E7E-BBFA-2741193F0D15}"/>
+              </a:ext>
+            </a:extLst>
+          </p:cNvPr>
+          <p:cNvCxnSpPr>
+            <a:cxnSpLocks/>
+            <a:stCxn id="62" idx="1"/>
+            <a:endCxn id="55" idx="3"/>
+          </p:cNvCxnSpPr>
+          <p:nvPr/>
+        </p:nvCxnSpPr>
+        <p:spPr>
+          <a:xfrm rot="10800000" flipV="1">
+            <a:off x="7666108" y="3856820"/>
+            <a:ext cx="2037406" cy="436276"/>
+          </a:xfrm>
+          <a:prstGeom prst="bentConnector3">
+            <a:avLst/>
+          </a:prstGeom>
+          <a:ln w="57150">
+            <a:solidFill>
+              <a:srgbClr val="FF0000"/>
+            </a:solidFill>
+            <a:tailEnd type="triangle"/>
+          </a:ln>
+        </p:spPr>
+        <p:style>
+          <a:lnRef idx="2">
+            <a:schemeClr val="accent1"/>
+          </a:lnRef>
+          <a:fillRef idx="0">
+            <a:schemeClr val="accent1"/>
+          </a:fillRef>
+          <a:effectRef idx="1">
+            <a:schemeClr val="accent1"/>
+          </a:effectRef>
+          <a:fontRef idx="minor">
+            <a:schemeClr val="tx1"/>
+          </a:fontRef>
+        </p:style>
+      </p:cxnSp>
+      <p:cxnSp>
+        <p:nvCxnSpPr>
+          <p:cNvPr id="73" name="Connector: Elbow 72">
+            <a:extLst>
+              <a:ext uri="{FF2B5EF4-FFF2-40B4-BE49-F238E27FC236}">
+                <a16:creationId xmlns:a16="http://schemas.microsoft.com/office/drawing/2014/main" id="{CE54F923-0C75-483E-BB5B-74760DA7B0DF}"/>
+              </a:ext>
+            </a:extLst>
+          </p:cNvPr>
+          <p:cNvCxnSpPr>
+            <a:cxnSpLocks/>
+            <a:stCxn id="63" idx="0"/>
+            <a:endCxn id="52" idx="3"/>
+          </p:cNvCxnSpPr>
+          <p:nvPr/>
+        </p:nvCxnSpPr>
+        <p:spPr>
+          <a:xfrm rot="16200000" flipV="1">
+            <a:off x="5134189" y="-1987032"/>
+            <a:ext cx="2438983" cy="8924722"/>
+          </a:xfrm>
+          <a:prstGeom prst="bentConnector2">
+            <a:avLst/>
+          </a:prstGeom>
+          <a:ln w="57150">
+            <a:solidFill>
+              <a:srgbClr val="00B050"/>
+            </a:solidFill>
+            <a:tailEnd type="triangle"/>
+          </a:ln>
+        </p:spPr>
+        <p:style>
+          <a:lnRef idx="2">
+            <a:schemeClr val="accent1"/>
+          </a:lnRef>
+          <a:fillRef idx="0">
+            <a:schemeClr val="accent1"/>
+          </a:fillRef>
+          <a:effectRef idx="1">
+            <a:schemeClr val="accent1"/>
+          </a:effectRef>
+          <a:fontRef idx="minor">
+            <a:schemeClr val="tx1"/>
+          </a:fontRef>
+        </p:style>
+      </p:cxnSp>
+      <p:cxnSp>
+        <p:nvCxnSpPr>
+          <p:cNvPr id="74" name="Connector: Elbow 73">
+            <a:extLst>
+              <a:ext uri="{FF2B5EF4-FFF2-40B4-BE49-F238E27FC236}">
+                <a16:creationId xmlns:a16="http://schemas.microsoft.com/office/drawing/2014/main" id="{C811A053-1DE4-4B4D-9024-66C8F6E3ECB3}"/>
+              </a:ext>
+            </a:extLst>
+          </p:cNvPr>
+          <p:cNvCxnSpPr>
+            <a:cxnSpLocks/>
+            <a:stCxn id="68" idx="0"/>
+            <a:endCxn id="57" idx="3"/>
+          </p:cNvCxnSpPr>
+          <p:nvPr/>
+        </p:nvCxnSpPr>
+        <p:spPr>
+          <a:xfrm rot="16200000" flipH="1" flipV="1">
+            <a:off x="6418804" y="1079233"/>
+            <a:ext cx="21753" cy="1703610"/>
+          </a:xfrm>
+          <a:prstGeom prst="bentConnector4">
+            <a:avLst>
+              <a:gd name="adj1" fmla="val -1050890"/>
+              <a:gd name="adj2" fmla="val 60566"/>
+            </a:avLst>
+          </a:prstGeom>
+          <a:ln w="57150">
+            <a:solidFill>
+              <a:srgbClr val="00B050"/>
+            </a:solidFill>
+            <a:tailEnd type="triangle"/>
+          </a:ln>
+        </p:spPr>
+        <p:style>
+          <a:lnRef idx="2">
+            <a:schemeClr val="accent1"/>
+          </a:lnRef>
+          <a:fillRef idx="0">
+            <a:schemeClr val="accent1"/>
+          </a:fillRef>
+          <a:effectRef idx="1">
+            <a:schemeClr val="accent1"/>
+          </a:effectRef>
+          <a:fontRef idx="minor">
+            <a:schemeClr val="tx1"/>
+          </a:fontRef>
+        </p:style>
+      </p:cxnSp>
+      <p:cxnSp>
+        <p:nvCxnSpPr>
+          <p:cNvPr id="75" name="Connector: Elbow 74">
+            <a:extLst>
+              <a:ext uri="{FF2B5EF4-FFF2-40B4-BE49-F238E27FC236}">
+                <a16:creationId xmlns:a16="http://schemas.microsoft.com/office/drawing/2014/main" id="{5FE86D3C-BD3F-4AA3-9218-8D1A79CB0020}"/>
+              </a:ext>
+            </a:extLst>
+          </p:cNvPr>
+          <p:cNvCxnSpPr>
+            <a:stCxn id="67" idx="0"/>
+            <a:endCxn id="66" idx="0"/>
+          </p:cNvCxnSpPr>
+          <p:nvPr/>
+        </p:nvCxnSpPr>
+        <p:spPr>
+          <a:xfrm rot="16200000" flipH="1">
+            <a:off x="8734314" y="1211955"/>
+            <a:ext cx="129049" cy="1545462"/>
+          </a:xfrm>
+          <a:prstGeom prst="bentConnector3">
+            <a:avLst>
+              <a:gd name="adj1" fmla="val -177142"/>
+            </a:avLst>
+          </a:prstGeom>
+          <a:ln w="57150">
+            <a:solidFill>
+              <a:srgbClr val="FF0000"/>
+            </a:solidFill>
+            <a:tailEnd type="triangle"/>
+          </a:ln>
+        </p:spPr>
+        <p:style>
+          <a:lnRef idx="2">
+            <a:schemeClr val="accent1"/>
+          </a:lnRef>
+          <a:fillRef idx="0">
+            <a:schemeClr val="accent1"/>
+          </a:fillRef>
+          <a:effectRef idx="1">
+            <a:schemeClr val="accent1"/>
+          </a:effectRef>
+          <a:fontRef idx="minor">
+            <a:schemeClr val="tx1"/>
+          </a:fontRef>
+        </p:style>
+      </p:cxnSp>
+      <p:cxnSp>
+        <p:nvCxnSpPr>
+          <p:cNvPr id="76" name="Connector: Elbow 75">
+            <a:extLst>
+              <a:ext uri="{FF2B5EF4-FFF2-40B4-BE49-F238E27FC236}">
+                <a16:creationId xmlns:a16="http://schemas.microsoft.com/office/drawing/2014/main" id="{9B5367CF-215F-471A-8E5C-C3512FADFDE3}"/>
+              </a:ext>
+            </a:extLst>
+          </p:cNvPr>
+          <p:cNvCxnSpPr>
+            <a:stCxn id="66" idx="2"/>
+            <a:endCxn id="56" idx="3"/>
+          </p:cNvCxnSpPr>
+          <p:nvPr/>
+        </p:nvCxnSpPr>
+        <p:spPr>
+          <a:xfrm rot="5400000" flipH="1">
+            <a:off x="8896151" y="2097392"/>
+            <a:ext cx="227224" cy="1123614"/>
+          </a:xfrm>
+          <a:prstGeom prst="bentConnector4">
+            <a:avLst>
+              <a:gd name="adj1" fmla="val -100606"/>
+              <a:gd name="adj2" fmla="val 75632"/>
+            </a:avLst>
+          </a:prstGeom>
+          <a:ln w="57150">
+            <a:solidFill>
+              <a:schemeClr val="accent1">
+                <a:lumMod val="60000"/>
+                <a:lumOff val="40000"/>
+              </a:schemeClr>
+            </a:solidFill>
+            <a:tailEnd type="triangle"/>
+          </a:ln>
+        </p:spPr>
+        <p:style>
+          <a:lnRef idx="2">
+            <a:schemeClr val="accent1"/>
+          </a:lnRef>
+          <a:fillRef idx="0">
+            <a:schemeClr val="accent1"/>
+          </a:fillRef>
+          <a:effectRef idx="1">
+            <a:schemeClr val="accent1"/>
+          </a:effectRef>
+          <a:fontRef idx="minor">
+            <a:schemeClr val="tx1"/>
+          </a:fontRef>
+        </p:style>
+      </p:cxnSp>
+      <p:cxnSp>
+        <p:nvCxnSpPr>
+          <p:cNvPr id="77" name="Connector: Elbow 76">
+            <a:extLst>
+              <a:ext uri="{FF2B5EF4-FFF2-40B4-BE49-F238E27FC236}">
+                <a16:creationId xmlns:a16="http://schemas.microsoft.com/office/drawing/2014/main" id="{1BE8C206-01B0-4B42-8332-ECA9D438A97E}"/>
+              </a:ext>
+            </a:extLst>
+          </p:cNvPr>
+          <p:cNvCxnSpPr>
+            <a:cxnSpLocks/>
+            <a:stCxn id="64" idx="2"/>
+            <a:endCxn id="56" idx="1"/>
+          </p:cNvCxnSpPr>
+          <p:nvPr/>
+        </p:nvCxnSpPr>
+        <p:spPr>
+          <a:xfrm rot="5400000" flipH="1" flipV="1">
+            <a:off x="6022667" y="1718350"/>
+            <a:ext cx="27943" cy="1682417"/>
+          </a:xfrm>
+          <a:prstGeom prst="bentConnector4">
+            <a:avLst>
+              <a:gd name="adj1" fmla="val -2127044"/>
+              <a:gd name="adj2" fmla="val 83275"/>
+            </a:avLst>
+          </a:prstGeom>
+          <a:ln w="57150">
+            <a:solidFill>
+              <a:srgbClr val="FF0000"/>
+            </a:solidFill>
+            <a:tailEnd type="triangle"/>
+          </a:ln>
+        </p:spPr>
+        <p:style>
+          <a:lnRef idx="2">
+            <a:schemeClr val="accent1"/>
+          </a:lnRef>
+          <a:fillRef idx="0">
+            <a:schemeClr val="accent1"/>
+          </a:fillRef>
+          <a:effectRef idx="1">
+            <a:schemeClr val="accent1"/>
+          </a:effectRef>
+          <a:fontRef idx="minor">
+            <a:schemeClr val="tx1"/>
+          </a:fontRef>
+        </p:style>
+      </p:cxnSp>
+      <p:cxnSp>
+        <p:nvCxnSpPr>
+          <p:cNvPr id="78" name="Connector: Elbow 77">
+            <a:extLst>
+              <a:ext uri="{FF2B5EF4-FFF2-40B4-BE49-F238E27FC236}">
+                <a16:creationId xmlns:a16="http://schemas.microsoft.com/office/drawing/2014/main" id="{693DC5BD-C033-492D-9559-7CCB54E6EB8A}"/>
+              </a:ext>
+            </a:extLst>
+          </p:cNvPr>
+          <p:cNvCxnSpPr>
+            <a:stCxn id="65" idx="2"/>
+            <a:endCxn id="58" idx="3"/>
+          </p:cNvCxnSpPr>
+          <p:nvPr/>
+        </p:nvCxnSpPr>
+        <p:spPr>
+          <a:xfrm rot="5400000">
+            <a:off x="3506290" y="2133538"/>
+            <a:ext cx="498862" cy="1368111"/>
+          </a:xfrm>
+          <a:prstGeom prst="bentConnector2">
+            <a:avLst/>
+          </a:prstGeom>
+          <a:ln w="57150">
+            <a:solidFill>
+              <a:srgbClr val="00B050"/>
+            </a:solidFill>
+            <a:tailEnd type="triangle"/>
+          </a:ln>
+        </p:spPr>
+        <p:style>
+          <a:lnRef idx="2">
+            <a:schemeClr val="accent1"/>
+          </a:lnRef>
+          <a:fillRef idx="0">
+            <a:schemeClr val="accent1"/>
+          </a:fillRef>
+          <a:effectRef idx="1">
+            <a:schemeClr val="accent1"/>
+          </a:effectRef>
+          <a:fontRef idx="minor">
+            <a:schemeClr val="tx1"/>
+          </a:fontRef>
+        </p:style>
+      </p:cxnSp>
+      <p:sp>
+        <p:nvSpPr>
+          <p:cNvPr id="79" name="Rectangle 78">
+            <a:extLst>
+              <a:ext uri="{FF2B5EF4-FFF2-40B4-BE49-F238E27FC236}">
+                <a16:creationId xmlns:a16="http://schemas.microsoft.com/office/drawing/2014/main" id="{C186309D-1E78-4C4F-A8C0-809CFD7BD49F}"/>
+              </a:ext>
+            </a:extLst>
+          </p:cNvPr>
+          <p:cNvSpPr/>
+          <p:nvPr/>
+        </p:nvSpPr>
+        <p:spPr>
+          <a:xfrm>
+            <a:off x="2518494" y="3315787"/>
+            <a:ext cx="493844" cy="318632"/>
+          </a:xfrm>
+          <a:prstGeom prst="rect">
+            <a:avLst/>
+          </a:prstGeom>
+          <a:solidFill>
+            <a:srgbClr val="FF0000"/>
+          </a:solidFill>
+          <a:ln>
+            <a:noFill/>
+          </a:ln>
+          <a:effectLst/>
+        </p:spPr>
+        <p:style>
+          <a:lnRef idx="1">
+            <a:schemeClr val="accent1"/>
+          </a:lnRef>
+          <a:fillRef idx="3">
+            <a:schemeClr val="accent1"/>
+          </a:fillRef>
+          <a:effectRef idx="2">
+            <a:schemeClr val="accent1"/>
+          </a:effectRef>
+          <a:fontRef idx="minor">
+            <a:schemeClr val="lt1"/>
+          </a:fontRef>
+        </p:style>
+        <p:txBody>
+          <a:bodyPr rtlCol="0" anchor="ctr"/>
+          <a:lstStyle/>
+          <a:p>
+            <a:pPr algn="ctr"/>
+            <a:r>
+              <a:rPr lang="pt-BR" sz="1400" dirty="0"/>
+              <a:t>Não</a:t>
+            </a:r>
+          </a:p>
+        </p:txBody>
+      </p:sp>
+      <p:sp>
+        <p:nvSpPr>
+          <p:cNvPr id="80" name="Rectangle 79">
+            <a:extLst>
+              <a:ext uri="{FF2B5EF4-FFF2-40B4-BE49-F238E27FC236}">
+                <a16:creationId xmlns:a16="http://schemas.microsoft.com/office/drawing/2014/main" id="{D3DC8879-0B5B-4B82-82ED-22BA64D1F675}"/>
+              </a:ext>
+            </a:extLst>
+          </p:cNvPr>
+          <p:cNvSpPr/>
+          <p:nvPr/>
+        </p:nvSpPr>
+        <p:spPr>
+          <a:xfrm>
+            <a:off x="1988995" y="3315785"/>
+            <a:ext cx="493844" cy="318633"/>
+          </a:xfrm>
+          <a:prstGeom prst="rect">
+            <a:avLst/>
+          </a:prstGeom>
+          <a:solidFill>
+            <a:srgbClr val="00B050"/>
+          </a:solidFill>
+          <a:ln>
+            <a:noFill/>
+          </a:ln>
+          <a:effectLst/>
+        </p:spPr>
+        <p:style>
+          <a:lnRef idx="1">
+            <a:schemeClr val="accent1"/>
+          </a:lnRef>
+          <a:fillRef idx="3">
+            <a:schemeClr val="accent1"/>
+          </a:fillRef>
+          <a:effectRef idx="2">
+            <a:schemeClr val="accent1"/>
+          </a:effectRef>
+          <a:fontRef idx="minor">
+            <a:schemeClr val="lt1"/>
+          </a:fontRef>
+        </p:style>
+        <p:txBody>
+          <a:bodyPr rtlCol="0" anchor="ctr"/>
+          <a:lstStyle/>
+          <a:p>
+            <a:pPr algn="ctr"/>
+            <a:r>
+              <a:rPr lang="pt-BR" sz="1400" b="1" dirty="0"/>
+              <a:t>Sim</a:t>
+            </a:r>
+          </a:p>
+        </p:txBody>
+      </p:sp>
+      <p:cxnSp>
+        <p:nvCxnSpPr>
+          <p:cNvPr id="81" name="Connector: Elbow 80">
+            <a:extLst>
+              <a:ext uri="{FF2B5EF4-FFF2-40B4-BE49-F238E27FC236}">
+                <a16:creationId xmlns:a16="http://schemas.microsoft.com/office/drawing/2014/main" id="{1A61A086-9C63-4358-BD0B-FF1B3940ADE9}"/>
+              </a:ext>
+            </a:extLst>
+          </p:cNvPr>
+          <p:cNvCxnSpPr>
+            <a:stCxn id="80" idx="2"/>
+            <a:endCxn id="59" idx="1"/>
+          </p:cNvCxnSpPr>
+          <p:nvPr/>
+        </p:nvCxnSpPr>
+        <p:spPr>
+          <a:xfrm rot="5400000">
+            <a:off x="1560959" y="3964778"/>
+            <a:ext cx="1005319" cy="344598"/>
+          </a:xfrm>
+          <a:prstGeom prst="bentConnector4">
+            <a:avLst>
+              <a:gd name="adj1" fmla="val 31997"/>
+              <a:gd name="adj2" fmla="val 166338"/>
+            </a:avLst>
+          </a:prstGeom>
+          <a:ln w="57150">
+            <a:solidFill>
+              <a:srgbClr val="00B050"/>
+            </a:solidFill>
+            <a:tailEnd type="triangle"/>
+          </a:ln>
+        </p:spPr>
+        <p:style>
+          <a:lnRef idx="2">
+            <a:schemeClr val="accent1"/>
+          </a:lnRef>
+          <a:fillRef idx="0">
+            <a:schemeClr val="accent1"/>
+          </a:fillRef>
+          <a:effectRef idx="1">
+            <a:schemeClr val="accent1"/>
+          </a:effectRef>
+          <a:fontRef idx="minor">
+            <a:schemeClr val="tx1"/>
+          </a:fontRef>
+        </p:style>
+      </p:cxnSp>
+      <p:cxnSp>
+        <p:nvCxnSpPr>
+          <p:cNvPr id="82" name="Connector: Elbow 81">
+            <a:extLst>
+              <a:ext uri="{FF2B5EF4-FFF2-40B4-BE49-F238E27FC236}">
+                <a16:creationId xmlns:a16="http://schemas.microsoft.com/office/drawing/2014/main" id="{D7A71782-6348-4D88-BCAC-8B0A0E560F3B}"/>
+              </a:ext>
+            </a:extLst>
+          </p:cNvPr>
+          <p:cNvCxnSpPr>
+            <a:cxnSpLocks/>
+            <a:stCxn id="79" idx="3"/>
+            <a:endCxn id="55" idx="1"/>
+          </p:cNvCxnSpPr>
+          <p:nvPr/>
+        </p:nvCxnSpPr>
+        <p:spPr>
+          <a:xfrm>
+            <a:off x="3012338" y="3475103"/>
+            <a:ext cx="3083662" cy="817993"/>
+          </a:xfrm>
+          <a:prstGeom prst="bentConnector3">
+            <a:avLst>
+              <a:gd name="adj1" fmla="val 50000"/>
+            </a:avLst>
+          </a:prstGeom>
+          <a:ln w="57150">
+            <a:solidFill>
+              <a:srgbClr val="FF0000"/>
+            </a:solidFill>
+            <a:tailEnd type="triangle"/>
+          </a:ln>
+        </p:spPr>
+        <p:style>
+          <a:lnRef idx="2">
+            <a:schemeClr val="accent1"/>
+          </a:lnRef>
+          <a:fillRef idx="0">
+            <a:schemeClr val="accent1"/>
+          </a:fillRef>
+          <a:effectRef idx="1">
+            <a:schemeClr val="accent1"/>
+          </a:effectRef>
+          <a:fontRef idx="minor">
+            <a:schemeClr val="tx1"/>
+          </a:fontRef>
+        </p:style>
+      </p:cxnSp>
+      <p:cxnSp>
+        <p:nvCxnSpPr>
+          <p:cNvPr id="83" name="Connector: Elbow 82">
+            <a:extLst>
+              <a:ext uri="{FF2B5EF4-FFF2-40B4-BE49-F238E27FC236}">
+                <a16:creationId xmlns:a16="http://schemas.microsoft.com/office/drawing/2014/main" id="{E7E4D75F-E229-449D-BC33-EA1849BC553B}"/>
+              </a:ext>
+            </a:extLst>
+          </p:cNvPr>
+          <p:cNvCxnSpPr>
+            <a:stCxn id="55" idx="0"/>
+            <a:endCxn id="56" idx="2"/>
+          </p:cNvCxnSpPr>
+          <p:nvPr/>
+        </p:nvCxnSpPr>
+        <p:spPr>
+          <a:xfrm rot="5400000" flipH="1" flipV="1">
+            <a:off x="6830272" y="3028418"/>
+            <a:ext cx="883413" cy="781848"/>
+          </a:xfrm>
+          <a:prstGeom prst="bentConnector3">
+            <a:avLst/>
+          </a:prstGeom>
+          <a:ln w="57150">
+            <a:solidFill>
+              <a:schemeClr val="accent1">
+                <a:lumMod val="60000"/>
+                <a:lumOff val="40000"/>
+              </a:schemeClr>
+            </a:solidFill>
+            <a:tailEnd type="triangle"/>
+          </a:ln>
+        </p:spPr>
+        <p:style>
+          <a:lnRef idx="2">
+            <a:schemeClr val="accent1"/>
+          </a:lnRef>
+          <a:fillRef idx="0">
+            <a:schemeClr val="accent1"/>
+          </a:fillRef>
+          <a:effectRef idx="1">
+            <a:schemeClr val="accent1"/>
+          </a:effectRef>
+          <a:fontRef idx="minor">
+            <a:schemeClr val="tx1"/>
+          </a:fontRef>
+        </p:style>
+      </p:cxnSp>
+      <p:cxnSp>
+        <p:nvCxnSpPr>
+          <p:cNvPr id="84" name="Connector: Elbow 83">
+            <a:extLst>
+              <a:ext uri="{FF2B5EF4-FFF2-40B4-BE49-F238E27FC236}">
+                <a16:creationId xmlns:a16="http://schemas.microsoft.com/office/drawing/2014/main" id="{F9C050A1-7F2A-43CC-999C-841D9B63B626}"/>
+              </a:ext>
+            </a:extLst>
+          </p:cNvPr>
+          <p:cNvCxnSpPr>
+            <a:stCxn id="59" idx="3"/>
+            <a:endCxn id="53" idx="0"/>
+          </p:cNvCxnSpPr>
+          <p:nvPr/>
+        </p:nvCxnSpPr>
+        <p:spPr>
+          <a:xfrm>
+            <a:off x="3043448" y="4639737"/>
+            <a:ext cx="597246" cy="733479"/>
+          </a:xfrm>
+          <a:prstGeom prst="bentConnector2">
+            <a:avLst/>
+          </a:prstGeom>
+          <a:ln w="57150">
+            <a:solidFill>
+              <a:schemeClr val="tx2">
+                <a:lumMod val="60000"/>
+                <a:lumOff val="40000"/>
+              </a:schemeClr>
+            </a:solidFill>
+            <a:tailEnd type="triangle"/>
+          </a:ln>
+        </p:spPr>
+        <p:style>
+          <a:lnRef idx="2">
+            <a:schemeClr val="accent1"/>
+          </a:lnRef>
+          <a:fillRef idx="0">
+            <a:schemeClr val="accent1"/>
+          </a:fillRef>
+          <a:effectRef idx="1">
+            <a:schemeClr val="accent1"/>
+          </a:effectRef>
+          <a:fontRef idx="minor">
+            <a:schemeClr val="tx1"/>
+          </a:fontRef>
+        </p:style>
+      </p:cxnSp>
+      <p:sp>
+        <p:nvSpPr>
+          <p:cNvPr id="85" name="Rectangle 84">
+            <a:extLst>
+              <a:ext uri="{FF2B5EF4-FFF2-40B4-BE49-F238E27FC236}">
+                <a16:creationId xmlns:a16="http://schemas.microsoft.com/office/drawing/2014/main" id="{9B9CD4E1-1FD1-402D-83A3-22A952FE884D}"/>
+              </a:ext>
+            </a:extLst>
+          </p:cNvPr>
+          <p:cNvSpPr/>
+          <p:nvPr/>
+        </p:nvSpPr>
+        <p:spPr>
+          <a:xfrm>
+            <a:off x="7963166" y="4851176"/>
+            <a:ext cx="1608404" cy="954087"/>
+          </a:xfrm>
+          <a:prstGeom prst="rect">
+            <a:avLst/>
+          </a:prstGeom>
+          <a:solidFill>
+            <a:srgbClr val="00B050"/>
+          </a:solidFill>
+          <a:ln>
+            <a:noFill/>
+          </a:ln>
+          <a:effectLst/>
+        </p:spPr>
+        <p:style>
+          <a:lnRef idx="1">
+            <a:schemeClr val="accent1"/>
+          </a:lnRef>
+          <a:fillRef idx="3">
+            <a:schemeClr val="accent1"/>
+          </a:fillRef>
+          <a:effectRef idx="2">
+            <a:schemeClr val="accent1"/>
+          </a:effectRef>
+          <a:fontRef idx="minor">
+            <a:schemeClr val="lt1"/>
+          </a:fontRef>
+        </p:style>
+        <p:txBody>
+          <a:bodyPr rtlCol="0" anchor="ctr"/>
+          <a:lstStyle/>
+          <a:p>
+            <a:pPr algn="ctr"/>
+            <a:r>
+              <a:rPr lang="pt-BR" sz="1400" b="1" dirty="0">
+                <a:solidFill>
+                  <a:schemeClr val="bg1"/>
+                </a:solidFill>
+              </a:rPr>
+              <a:t>Passar de primeira sem codificar é indicativo de algo errado...</a:t>
+            </a:r>
+          </a:p>
+        </p:txBody>
+      </p:sp>
+      <p:sp>
+        <p:nvSpPr>
+          <p:cNvPr id="86" name="TextBox 85">
+            <a:extLst>
+              <a:ext uri="{FF2B5EF4-FFF2-40B4-BE49-F238E27FC236}">
+                <a16:creationId xmlns:a16="http://schemas.microsoft.com/office/drawing/2014/main" id="{43C3D004-8328-4073-8CCB-027AFF256413}"/>
+              </a:ext>
+            </a:extLst>
+          </p:cNvPr>
+          <p:cNvSpPr txBox="1"/>
+          <p:nvPr/>
+        </p:nvSpPr>
+        <p:spPr>
+          <a:xfrm>
+            <a:off x="5418124" y="2894125"/>
+            <a:ext cx="975635" cy="461665"/>
+          </a:xfrm>
+          <a:prstGeom prst="rect">
+            <a:avLst/>
+          </a:prstGeom>
+          <a:solidFill>
+            <a:srgbClr val="FF0000"/>
+          </a:solidFill>
+          <a:ln>
+            <a:solidFill>
+              <a:srgbClr val="FF0000"/>
+            </a:solidFill>
+          </a:ln>
+        </p:spPr>
+        <p:txBody>
+          <a:bodyPr wrap="square" rtlCol="0">
+            <a:spAutoFit/>
+          </a:bodyPr>
+          <a:lstStyle/>
+          <a:p>
+            <a:pPr algn="ctr"/>
+            <a:r>
+              <a:rPr lang="pt-BR" sz="1200" b="1" dirty="0">
+                <a:solidFill>
+                  <a:schemeClr val="bg1"/>
+                </a:solidFill>
+              </a:rPr>
+              <a:t>Reverter mudanças</a:t>
+            </a:r>
+          </a:p>
+        </p:txBody>
+      </p:sp>
+    </p:spTree>
+    <p:extLst>
+      <p:ext uri="{BB962C8B-B14F-4D97-AF65-F5344CB8AC3E}">
+        <p14:creationId xmlns:p14="http://schemas.microsoft.com/office/powerpoint/2010/main" val="4099533764"/>
+      </p:ext>
+    </p:extLst>
+  </p:cSld>
+  <p:clrMapOvr>
+    <a:masterClrMapping/>
+  </p:clrMapOvr>
+  <p:transition>
+    <p:fade/>
+  </p:transition>
+</p:sld>
+</file>
+
+<file path=ppt/slides/slide7.xml><?xml version="1.0" encoding="utf-8"?>
+<p:sld xmlns:a="http://schemas.openxmlformats.org/drawingml/2006/main" xmlns:r="http://schemas.openxmlformats.org/officeDocument/2006/relationships" xmlns:p="http://schemas.openxmlformats.org/presentationml/2006/main">
+  <p:cSld>
+    <p:spTree>
+      <p:nvGrpSpPr>
+        <p:cNvPr id="1" name=""/>
+        <p:cNvGrpSpPr/>
+        <p:nvPr/>
+      </p:nvGrpSpPr>
+      <p:grpSpPr>
+        <a:xfrm>
+          <a:off x="0" y="0"/>
+          <a:ext cx="0" cy="0"/>
+          <a:chOff x="0" y="0"/>
+          <a:chExt cx="0" cy="0"/>
+        </a:xfrm>
+      </p:grpSpPr>
+      <p:sp>
+        <p:nvSpPr>
           <p:cNvPr id="6" name="Rectangle 13"/>
           <p:cNvSpPr/>
           <p:nvPr/>
@@ -9901,7 +12453,7 @@
 </p:sld>
 </file>
 
-<file path=ppt/slides/slide7.xml><?xml version="1.0" encoding="utf-8"?>
+<file path=ppt/slides/slide8.xml><?xml version="1.0" encoding="utf-8"?>
 <p:sld xmlns:a="http://schemas.openxmlformats.org/drawingml/2006/main" xmlns:r="http://schemas.openxmlformats.org/officeDocument/2006/relationships" xmlns:p="http://schemas.openxmlformats.org/presentationml/2006/main">
   <p:cSld>
     <p:spTree>
@@ -10260,7 +12812,7 @@
 </p:sld>
 </file>
 
-<file path=ppt/slides/slide8.xml><?xml version="1.0" encoding="utf-8"?>
+<file path=ppt/slides/slide9.xml><?xml version="1.0" encoding="utf-8"?>
 <p:sld xmlns:a="http://schemas.openxmlformats.org/drawingml/2006/main" xmlns:r="http://schemas.openxmlformats.org/officeDocument/2006/relationships" xmlns:p="http://schemas.openxmlformats.org/presentationml/2006/main">
   <p:cSld>
     <p:spTree>
@@ -10331,37 +12883,28 @@
               </a:rPr>
             </a:br>
             <a:br>
-              <a:rPr lang="pt-BR" dirty="0">
+              <a:rPr lang="pt-BR">
                 <a:latin typeface="Segoe UI" panose="020B0502040204020203" pitchFamily="34" charset="0"/>
                 <a:cs typeface="Segoe UI" panose="020B0502040204020203" pitchFamily="34" charset="0"/>
               </a:rPr>
             </a:br>
             <a:r>
-              <a:rPr lang="pt-BR" sz="2000" dirty="0">
+              <a:rPr lang="pt-BR" sz="2000">
                 <a:solidFill>
                   <a:schemeClr val="accent1"/>
                 </a:solidFill>
                 <a:latin typeface="Segoe UI" panose="020B0502040204020203" pitchFamily="34" charset="0"/>
                 <a:cs typeface="Segoe UI" panose="020B0502040204020203" pitchFamily="34" charset="0"/>
               </a:rPr>
-              <a:t>prestador-paulo.kolbe@b3.com.br/</a:t>
-            </a:r>
-            <a:br>
-              <a:rPr lang="pt-BR" sz="2000" dirty="0">
-                <a:latin typeface="Segoe UI" panose="020B0502040204020203" pitchFamily="34" charset="0"/>
-                <a:cs typeface="Segoe UI" panose="020B0502040204020203" pitchFamily="34" charset="0"/>
-              </a:rPr>
-            </a:br>
-            <a:r>
-              <a:rPr lang="pt-BR" sz="2000" dirty="0">
-                <a:solidFill>
-                  <a:schemeClr val="accent1"/>
-                </a:solidFill>
-                <a:latin typeface="Segoe UI" panose="020B0502040204020203" pitchFamily="34" charset="0"/>
-                <a:cs typeface="Segoe UI" panose="020B0502040204020203" pitchFamily="34" charset="0"/>
-              </a:rPr>
-              <a:t>paulo.kolbe@gft.com</a:t>
-            </a:r>
+              <a:t>lace@b3.com.br</a:t>
+            </a:r>
+            <a:endParaRPr lang="pt-BR" sz="2000" dirty="0">
+              <a:solidFill>
+                <a:schemeClr val="accent1"/>
+              </a:solidFill>
+              <a:latin typeface="Segoe UI" panose="020B0502040204020203" pitchFamily="34" charset="0"/>
+              <a:cs typeface="Segoe UI" panose="020B0502040204020203" pitchFamily="34" charset="0"/>
+            </a:endParaRPr>
           </a:p>
         </p:txBody>
       </p:sp>
